--- a/SQL-latest.pptx
+++ b/SQL-latest.pptx
@@ -25,6 +25,14 @@
     <p:sldId id="291" r:id="rId19"/>
     <p:sldId id="292" r:id="rId20"/>
     <p:sldId id="293" r:id="rId21"/>
+    <p:sldId id="294" r:id="rId22"/>
+    <p:sldId id="295" r:id="rId23"/>
+    <p:sldId id="296" r:id="rId24"/>
+    <p:sldId id="297" r:id="rId25"/>
+    <p:sldId id="298" r:id="rId26"/>
+    <p:sldId id="299" r:id="rId27"/>
+    <p:sldId id="300" r:id="rId28"/>
+    <p:sldId id="301" r:id="rId29"/>
   </p:sldIdLst>
   <p:sldSz cx="9144000" cy="6858000" type="screen4x3"/>
   <p:notesSz cx="6858000" cy="9144000"/>
@@ -308,7 +316,7 @@
             <a:fld id="{1FE306F0-39C7-464C-8DDB-127277987DCD}" type="datetimeFigureOut">
               <a:rPr lang="en-US" smtClean="0"/>
               <a:pPr/>
-              <a:t>12/7/2021</a:t>
+              <a:t>12/8/2021</a:t>
             </a:fld>
             <a:endParaRPr lang="en-US"/>
           </a:p>
@@ -475,7 +483,7 @@
             <a:fld id="{1FE306F0-39C7-464C-8DDB-127277987DCD}" type="datetimeFigureOut">
               <a:rPr lang="en-US" smtClean="0"/>
               <a:pPr/>
-              <a:t>12/7/2021</a:t>
+              <a:t>12/8/2021</a:t>
             </a:fld>
             <a:endParaRPr lang="en-US"/>
           </a:p>
@@ -652,7 +660,7 @@
             <a:fld id="{1FE306F0-39C7-464C-8DDB-127277987DCD}" type="datetimeFigureOut">
               <a:rPr lang="en-US" smtClean="0"/>
               <a:pPr/>
-              <a:t>12/7/2021</a:t>
+              <a:t>12/8/2021</a:t>
             </a:fld>
             <a:endParaRPr lang="en-US"/>
           </a:p>
@@ -819,7 +827,7 @@
             <a:fld id="{1FE306F0-39C7-464C-8DDB-127277987DCD}" type="datetimeFigureOut">
               <a:rPr lang="en-US" smtClean="0"/>
               <a:pPr/>
-              <a:t>12/7/2021</a:t>
+              <a:t>12/8/2021</a:t>
             </a:fld>
             <a:endParaRPr lang="en-US"/>
           </a:p>
@@ -1062,7 +1070,7 @@
             <a:fld id="{1FE306F0-39C7-464C-8DDB-127277987DCD}" type="datetimeFigureOut">
               <a:rPr lang="en-US" smtClean="0"/>
               <a:pPr/>
-              <a:t>12/7/2021</a:t>
+              <a:t>12/8/2021</a:t>
             </a:fld>
             <a:endParaRPr lang="en-US"/>
           </a:p>
@@ -1347,7 +1355,7 @@
             <a:fld id="{1FE306F0-39C7-464C-8DDB-127277987DCD}" type="datetimeFigureOut">
               <a:rPr lang="en-US" smtClean="0"/>
               <a:pPr/>
-              <a:t>12/7/2021</a:t>
+              <a:t>12/8/2021</a:t>
             </a:fld>
             <a:endParaRPr lang="en-US"/>
           </a:p>
@@ -1766,7 +1774,7 @@
             <a:fld id="{1FE306F0-39C7-464C-8DDB-127277987DCD}" type="datetimeFigureOut">
               <a:rPr lang="en-US" smtClean="0"/>
               <a:pPr/>
-              <a:t>12/7/2021</a:t>
+              <a:t>12/8/2021</a:t>
             </a:fld>
             <a:endParaRPr lang="en-US"/>
           </a:p>
@@ -1881,7 +1889,7 @@
             <a:fld id="{1FE306F0-39C7-464C-8DDB-127277987DCD}" type="datetimeFigureOut">
               <a:rPr lang="en-US" smtClean="0"/>
               <a:pPr/>
-              <a:t>12/7/2021</a:t>
+              <a:t>12/8/2021</a:t>
             </a:fld>
             <a:endParaRPr lang="en-US"/>
           </a:p>
@@ -1973,7 +1981,7 @@
             <a:fld id="{1FE306F0-39C7-464C-8DDB-127277987DCD}" type="datetimeFigureOut">
               <a:rPr lang="en-US" smtClean="0"/>
               <a:pPr/>
-              <a:t>12/7/2021</a:t>
+              <a:t>12/8/2021</a:t>
             </a:fld>
             <a:endParaRPr lang="en-US"/>
           </a:p>
@@ -2247,7 +2255,7 @@
             <a:fld id="{1FE306F0-39C7-464C-8DDB-127277987DCD}" type="datetimeFigureOut">
               <a:rPr lang="en-US" smtClean="0"/>
               <a:pPr/>
-              <a:t>12/7/2021</a:t>
+              <a:t>12/8/2021</a:t>
             </a:fld>
             <a:endParaRPr lang="en-US"/>
           </a:p>
@@ -2497,7 +2505,7 @@
             <a:fld id="{1FE306F0-39C7-464C-8DDB-127277987DCD}" type="datetimeFigureOut">
               <a:rPr lang="en-US" smtClean="0"/>
               <a:pPr/>
-              <a:t>12/7/2021</a:t>
+              <a:t>12/8/2021</a:t>
             </a:fld>
             <a:endParaRPr lang="en-US"/>
           </a:p>
@@ -2707,7 +2715,7 @@
             <a:fld id="{1FE306F0-39C7-464C-8DDB-127277987DCD}" type="datetimeFigureOut">
               <a:rPr lang="en-US" smtClean="0"/>
               <a:pPr/>
-              <a:t>12/7/2021</a:t>
+              <a:t>12/8/2021</a:t>
             </a:fld>
             <a:endParaRPr lang="en-US"/>
           </a:p>
@@ -3978,7 +3986,6 @@
               <a:rPr lang="en-US" sz="1600" dirty="0"/>
               <a:t>FROM Products;</a:t>
             </a:r>
-            <a:endParaRPr lang="en-US" sz="1600" dirty="0"/>
           </a:p>
           <a:p>
             <a:endParaRPr lang="en-US" sz="1600" dirty="0"/>
@@ -4242,10 +4249,6 @@
               <a:rPr lang="en-IN" sz="1400" dirty="0"/>
               <a:t>)</a:t>
             </a:r>
-            <a:r>
-              <a:rPr lang="en-IN" sz="1400" dirty="0"/>
-              <a:t/>
-            </a:r>
             <a:br>
               <a:rPr lang="en-IN" sz="1400" dirty="0"/>
             </a:br>
@@ -4411,10 +4414,6 @@
             <a:r>
               <a:rPr lang="en-IN" sz="1400" dirty="0"/>
               <a:t> SUM(Quantity)</a:t>
-            </a:r>
-            <a:r>
-              <a:rPr lang="en-IN" sz="1400" dirty="0"/>
-              <a:t/>
             </a:r>
             <a:br>
               <a:rPr lang="en-IN" sz="1400" dirty="0"/>
@@ -5673,23 +5672,7 @@
           <a:p>
             <a:r>
               <a:rPr lang="en-US" sz="1600" dirty="0"/>
-              <a:t>The </a:t>
-            </a:r>
-            <a:r>
-              <a:rPr lang="en-US" sz="1600" dirty="0"/>
-              <a:t>IN</a:t>
-            </a:r>
-            <a:r>
-              <a:rPr lang="en-US" sz="1600" dirty="0"/>
-              <a:t> operator allows you to specify multiple values in a </a:t>
-            </a:r>
-            <a:r>
-              <a:rPr lang="en-US" sz="1600" dirty="0"/>
-              <a:t>WHERE</a:t>
-            </a:r>
-            <a:r>
-              <a:rPr lang="en-US" sz="1600" dirty="0"/>
-              <a:t> clause</a:t>
+              <a:t>The IN operator allows you to specify multiple values in a WHERE clause</a:t>
             </a:r>
             <a:r>
               <a:rPr lang="en-US" sz="1600" dirty="0" smtClean="0"/>
@@ -5787,10 +5770,6 @@
               <a:rPr lang="en-US" sz="1600" dirty="0"/>
               <a:t> * FROM Customers</a:t>
             </a:r>
-            <a:r>
-              <a:rPr lang="en-US" sz="1600" dirty="0"/>
-              <a:t/>
-            </a:r>
             <a:br>
               <a:rPr lang="en-US" sz="1600" dirty="0"/>
             </a:br>
@@ -5832,10 +5811,6 @@
             <a:r>
               <a:rPr lang="en-US" sz="1600" dirty="0"/>
               <a:t>SELECT * FROM Customers</a:t>
-            </a:r>
-            <a:r>
-              <a:rPr lang="en-US" sz="1600" dirty="0"/>
-              <a:t/>
             </a:r>
             <a:br>
               <a:rPr lang="en-US" sz="1600" dirty="0"/>
@@ -5921,15 +5896,7 @@
           <a:p>
             <a:r>
               <a:rPr lang="en-US" sz="2000" dirty="0"/>
-              <a:t>The </a:t>
-            </a:r>
-            <a:r>
-              <a:rPr lang="en-US" sz="2000" dirty="0"/>
-              <a:t>BETWEEN</a:t>
-            </a:r>
-            <a:r>
-              <a:rPr lang="en-US" sz="2000" dirty="0"/>
-              <a:t> operator selects values within a given range. The values can be numbers, text, or dates</a:t>
+              <a:t>The BETWEEN operator selects values within a given range. The values can be numbers, text, or dates</a:t>
             </a:r>
             <a:r>
               <a:rPr lang="en-US" sz="2000" dirty="0" smtClean="0"/>
@@ -6032,10 +5999,6 @@
             <a:r>
               <a:rPr lang="en-US" sz="2000" dirty="0"/>
               <a:t> * FROM Products</a:t>
-            </a:r>
-            <a:r>
-              <a:rPr lang="en-US" sz="2000" dirty="0"/>
-              <a:t/>
             </a:r>
             <a:br>
               <a:rPr lang="en-US" sz="2000" dirty="0"/>
@@ -6536,10 +6499,1193 @@
         </p:nvSpPr>
         <p:spPr/>
         <p:txBody>
+          <a:bodyPr>
+            <a:normAutofit/>
+          </a:bodyPr>
+          <a:lstStyle/>
+          <a:p>
+            <a:r>
+              <a:rPr lang="en-IN" sz="3600" dirty="0"/>
+              <a:t>SQL JOIN</a:t>
+            </a:r>
+            <a:endParaRPr lang="en-IN" sz="3600" dirty="0"/>
+          </a:p>
+        </p:txBody>
+      </p:sp>
+      <p:sp>
+        <p:nvSpPr>
+          <p:cNvPr id="3" name="Content Placeholder 2"/>
+          <p:cNvSpPr>
+            <a:spLocks noGrp="1"/>
+          </p:cNvSpPr>
+          <p:nvPr>
+            <p:ph idx="1"/>
+          </p:nvPr>
+        </p:nvSpPr>
+        <p:spPr/>
+        <p:txBody>
+          <a:bodyPr>
+            <a:normAutofit/>
+          </a:bodyPr>
+          <a:lstStyle/>
+          <a:p>
+            <a:r>
+              <a:rPr lang="en-US" sz="2000" dirty="0"/>
+              <a:t>A </a:t>
+            </a:r>
+            <a:r>
+              <a:rPr lang="en-US" sz="2000" dirty="0"/>
+              <a:t>JOIN</a:t>
+            </a:r>
+            <a:r>
+              <a:rPr lang="en-US" sz="2000" dirty="0"/>
+              <a:t> clause is used to combine rows from two or more tables, based on a related column between them</a:t>
+            </a:r>
+            <a:r>
+              <a:rPr lang="en-US" sz="2000" dirty="0" smtClean="0"/>
+              <a:t>.</a:t>
+            </a:r>
+          </a:p>
+          <a:p>
+            <a:r>
+              <a:rPr lang="en-US" sz="2400" dirty="0"/>
+              <a:t>Different Types of SQL JOINs</a:t>
+            </a:r>
+          </a:p>
+          <a:p>
+            <a:pPr marL="0" indent="0">
+              <a:buNone/>
+            </a:pPr>
+            <a:r>
+              <a:rPr lang="en-US" sz="2000" dirty="0" smtClean="0"/>
+              <a:t>     Here </a:t>
+            </a:r>
+            <a:r>
+              <a:rPr lang="en-US" sz="2000" dirty="0"/>
+              <a:t>are the different types of the JOINs in SQL:</a:t>
+            </a:r>
+          </a:p>
+          <a:p>
+            <a:r>
+              <a:rPr lang="en-US" sz="1800" dirty="0"/>
+              <a:t>(INNER) JOIN: Returns records that have matching values in both tables</a:t>
+            </a:r>
+          </a:p>
+          <a:p>
+            <a:r>
+              <a:rPr lang="en-US" sz="1800" dirty="0"/>
+              <a:t>LEFT (OUTER) JOIN: Returns all records from the left table, and the matched records from the right table</a:t>
+            </a:r>
+          </a:p>
+          <a:p>
+            <a:r>
+              <a:rPr lang="en-US" sz="1800" dirty="0"/>
+              <a:t>RIGHT (OUTER) JOIN: Returns all records from the right table, and the matched records from the left table</a:t>
+            </a:r>
+          </a:p>
+          <a:p>
+            <a:r>
+              <a:rPr lang="en-US" sz="1800" dirty="0"/>
+              <a:t>FULL (OUTER) JOIN: Returns all records when there is a match in either left or right table</a:t>
+            </a:r>
+          </a:p>
+          <a:p>
+            <a:endParaRPr lang="en-US" sz="2000" dirty="0"/>
+          </a:p>
+        </p:txBody>
+      </p:sp>
+    </p:spTree>
+    <p:extLst>
+      <p:ext uri="{BB962C8B-B14F-4D97-AF65-F5344CB8AC3E}">
+        <p14:creationId xmlns:p14="http://schemas.microsoft.com/office/powerpoint/2010/main" val="1550523510"/>
+      </p:ext>
+    </p:extLst>
+  </p:cSld>
+  <p:clrMapOvr>
+    <a:masterClrMapping/>
+  </p:clrMapOvr>
+</p:sld>
+</file>
+
+<file path=ppt/slides/slide21.xml><?xml version="1.0" encoding="utf-8"?>
+<p:sld xmlns:a="http://schemas.openxmlformats.org/drawingml/2006/main" xmlns:r="http://schemas.openxmlformats.org/officeDocument/2006/relationships" xmlns:p="http://schemas.openxmlformats.org/presentationml/2006/main">
+  <p:cSld>
+    <p:spTree>
+      <p:nvGrpSpPr>
+        <p:cNvPr id="1" name=""/>
+        <p:cNvGrpSpPr/>
+        <p:nvPr/>
+      </p:nvGrpSpPr>
+      <p:grpSpPr>
+        <a:xfrm>
+          <a:off x="0" y="0"/>
+          <a:ext cx="0" cy="0"/>
+          <a:chOff x="0" y="0"/>
+          <a:chExt cx="0" cy="0"/>
+        </a:xfrm>
+      </p:grpSpPr>
+      <p:sp>
+        <p:nvSpPr>
+          <p:cNvPr id="2" name="Title 1"/>
+          <p:cNvSpPr>
+            <a:spLocks noGrp="1"/>
+          </p:cNvSpPr>
+          <p:nvPr>
+            <p:ph type="title"/>
+          </p:nvPr>
+        </p:nvSpPr>
+        <p:spPr/>
+        <p:txBody>
           <a:bodyPr/>
           <a:lstStyle/>
           <a:p>
-            <a:endParaRPr lang="en-IN"/>
+            <a:r>
+              <a:rPr lang="en-US" dirty="0" smtClean="0"/>
+              <a:t>Inner Join:</a:t>
+            </a:r>
+            <a:endParaRPr lang="en-IN" dirty="0"/>
+          </a:p>
+        </p:txBody>
+      </p:sp>
+      <p:sp>
+        <p:nvSpPr>
+          <p:cNvPr id="3" name="Content Placeholder 2"/>
+          <p:cNvSpPr>
+            <a:spLocks noGrp="1"/>
+          </p:cNvSpPr>
+          <p:nvPr>
+            <p:ph idx="1"/>
+          </p:nvPr>
+        </p:nvSpPr>
+        <p:spPr/>
+        <p:txBody>
+          <a:bodyPr>
+            <a:normAutofit/>
+          </a:bodyPr>
+          <a:lstStyle/>
+          <a:p>
+            <a:r>
+              <a:rPr lang="en-US" sz="1800" dirty="0"/>
+              <a:t>(INNER) JOIN: Returns records that have matching values in both </a:t>
+            </a:r>
+            <a:r>
+              <a:rPr lang="en-US" sz="1800" dirty="0" smtClean="0"/>
+              <a:t>tables</a:t>
+            </a:r>
+          </a:p>
+          <a:p>
+            <a:endParaRPr lang="en-US" sz="1800" dirty="0"/>
+          </a:p>
+          <a:p>
+            <a:endParaRPr lang="en-US" sz="1800" dirty="0" smtClean="0"/>
+          </a:p>
+          <a:p>
+            <a:endParaRPr lang="en-US" sz="1800" dirty="0"/>
+          </a:p>
+          <a:p>
+            <a:endParaRPr lang="en-US" sz="1800" dirty="0" smtClean="0"/>
+          </a:p>
+          <a:p>
+            <a:endParaRPr lang="en-US" sz="1800" dirty="0"/>
+          </a:p>
+          <a:p>
+            <a:pPr marL="0" indent="0">
+              <a:buNone/>
+            </a:pPr>
+            <a:r>
+              <a:rPr lang="en-US" sz="2800" dirty="0" smtClean="0"/>
+              <a:t> INNER </a:t>
+            </a:r>
+            <a:r>
+              <a:rPr lang="en-US" sz="2800" dirty="0"/>
+              <a:t>JOIN </a:t>
+            </a:r>
+            <a:r>
+              <a:rPr lang="en-US" sz="2800" dirty="0" smtClean="0"/>
+              <a:t>Syntax:</a:t>
+            </a:r>
+            <a:endParaRPr lang="en-US" sz="2800" dirty="0"/>
+          </a:p>
+          <a:p>
+            <a:r>
+              <a:rPr lang="en-US" sz="1800" dirty="0"/>
+              <a:t>SELECT </a:t>
+            </a:r>
+            <a:r>
+              <a:rPr lang="en-US" sz="1800" i="1" dirty="0" err="1"/>
+              <a:t>column_name</a:t>
+            </a:r>
+            <a:r>
+              <a:rPr lang="en-US" sz="1800" i="1" dirty="0"/>
+              <a:t>(s)</a:t>
+            </a:r>
+            <a:r>
+              <a:rPr lang="en-US" sz="1800" dirty="0"/>
+              <a:t/>
+            </a:r>
+            <a:br>
+              <a:rPr lang="en-US" sz="1800" dirty="0"/>
+            </a:br>
+            <a:r>
+              <a:rPr lang="en-US" sz="1800" dirty="0"/>
+              <a:t>FROM </a:t>
+            </a:r>
+            <a:r>
+              <a:rPr lang="en-US" sz="1800" i="1" dirty="0"/>
+              <a:t>table1</a:t>
+            </a:r>
+            <a:r>
+              <a:rPr lang="en-US" sz="1800" dirty="0"/>
+              <a:t/>
+            </a:r>
+            <a:br>
+              <a:rPr lang="en-US" sz="1800" dirty="0"/>
+            </a:br>
+            <a:r>
+              <a:rPr lang="en-US" sz="1800" dirty="0"/>
+              <a:t>INNER JOIN </a:t>
+            </a:r>
+            <a:r>
+              <a:rPr lang="en-US" sz="1800" i="1" dirty="0"/>
+              <a:t>table2</a:t>
+            </a:r>
+            <a:br>
+              <a:rPr lang="en-US" sz="1800" i="1" dirty="0"/>
+            </a:br>
+            <a:r>
+              <a:rPr lang="en-US" sz="1800" dirty="0"/>
+              <a:t>ON </a:t>
+            </a:r>
+            <a:r>
+              <a:rPr lang="en-US" sz="1800" i="1" dirty="0"/>
+              <a:t>table1.column_name </a:t>
+            </a:r>
+            <a:r>
+              <a:rPr lang="en-US" sz="1800" dirty="0"/>
+              <a:t>=</a:t>
+            </a:r>
+            <a:r>
+              <a:rPr lang="en-US" sz="1800" i="1" dirty="0"/>
+              <a:t> table2.column_name</a:t>
+            </a:r>
+            <a:r>
+              <a:rPr lang="en-US" sz="1800" dirty="0"/>
+              <a:t>;</a:t>
+            </a:r>
+          </a:p>
+          <a:p>
+            <a:endParaRPr lang="en-IN" sz="1800" dirty="0"/>
+          </a:p>
+        </p:txBody>
+      </p:sp>
+      <p:pic>
+        <p:nvPicPr>
+          <p:cNvPr id="1027" name="Picture 3"/>
+          <p:cNvPicPr>
+            <a:picLocks noChangeAspect="1" noChangeArrowheads="1"/>
+          </p:cNvPicPr>
+          <p:nvPr/>
+        </p:nvPicPr>
+        <p:blipFill>
+          <a:blip r:embed="rId2">
+            <a:extLst>
+              <a:ext uri="{28A0092B-C50C-407E-A947-70E740481C1C}">
+                <a14:useLocalDpi xmlns:a14="http://schemas.microsoft.com/office/drawing/2010/main" val="0"/>
+              </a:ext>
+            </a:extLst>
+          </a:blip>
+          <a:srcRect/>
+          <a:stretch>
+            <a:fillRect/>
+          </a:stretch>
+        </p:blipFill>
+        <p:spPr bwMode="auto">
+          <a:xfrm>
+            <a:off x="2362200" y="2209800"/>
+            <a:ext cx="1905000" cy="1381125"/>
+          </a:xfrm>
+          <a:prstGeom prst="rect">
+            <a:avLst/>
+          </a:prstGeom>
+          <a:noFill/>
+          <a:ln>
+            <a:noFill/>
+          </a:ln>
+          <a:effectLst/>
+          <a:extLst>
+            <a:ext uri="{909E8E84-426E-40DD-AFC4-6F175D3DCCD1}">
+              <a14:hiddenFill xmlns:a14="http://schemas.microsoft.com/office/drawing/2010/main">
+                <a:solidFill>
+                  <a:schemeClr val="accent1"/>
+                </a:solidFill>
+              </a14:hiddenFill>
+            </a:ext>
+            <a:ext uri="{91240B29-F687-4F45-9708-019B960494DF}">
+              <a14:hiddenLine xmlns:a14="http://schemas.microsoft.com/office/drawing/2010/main" w="9525">
+                <a:solidFill>
+                  <a:schemeClr val="tx1"/>
+                </a:solidFill>
+                <a:miter lim="800000"/>
+                <a:headEnd/>
+                <a:tailEnd/>
+              </a14:hiddenLine>
+            </a:ext>
+            <a:ext uri="{AF507438-7753-43E0-B8FC-AC1667EBCBE1}">
+              <a14:hiddenEffects xmlns:a14="http://schemas.microsoft.com/office/drawing/2010/main">
+                <a:effectLst>
+                  <a:outerShdw dist="35921" dir="2700000" algn="ctr" rotWithShape="0">
+                    <a:schemeClr val="bg2"/>
+                  </a:outerShdw>
+                </a:effectLst>
+              </a14:hiddenEffects>
+            </a:ext>
+          </a:extLst>
+        </p:spPr>
+      </p:pic>
+    </p:spTree>
+    <p:extLst>
+      <p:ext uri="{BB962C8B-B14F-4D97-AF65-F5344CB8AC3E}">
+        <p14:creationId xmlns:p14="http://schemas.microsoft.com/office/powerpoint/2010/main" val="3824097257"/>
+      </p:ext>
+    </p:extLst>
+  </p:cSld>
+  <p:clrMapOvr>
+    <a:masterClrMapping/>
+  </p:clrMapOvr>
+</p:sld>
+</file>
+
+<file path=ppt/slides/slide22.xml><?xml version="1.0" encoding="utf-8"?>
+<p:sld xmlns:a="http://schemas.openxmlformats.org/drawingml/2006/main" xmlns:r="http://schemas.openxmlformats.org/officeDocument/2006/relationships" xmlns:p="http://schemas.openxmlformats.org/presentationml/2006/main">
+  <p:cSld>
+    <p:spTree>
+      <p:nvGrpSpPr>
+        <p:cNvPr id="1" name=""/>
+        <p:cNvGrpSpPr/>
+        <p:nvPr/>
+      </p:nvGrpSpPr>
+      <p:grpSpPr>
+        <a:xfrm>
+          <a:off x="0" y="0"/>
+          <a:ext cx="0" cy="0"/>
+          <a:chOff x="0" y="0"/>
+          <a:chExt cx="0" cy="0"/>
+        </a:xfrm>
+      </p:grpSpPr>
+      <p:sp>
+        <p:nvSpPr>
+          <p:cNvPr id="2" name="Title 1"/>
+          <p:cNvSpPr>
+            <a:spLocks noGrp="1"/>
+          </p:cNvSpPr>
+          <p:nvPr>
+            <p:ph type="title"/>
+          </p:nvPr>
+        </p:nvSpPr>
+        <p:spPr/>
+        <p:txBody>
+          <a:bodyPr>
+            <a:normAutofit/>
+          </a:bodyPr>
+          <a:lstStyle/>
+          <a:p>
+            <a:r>
+              <a:rPr lang="en-US" sz="3200" dirty="0" smtClean="0"/>
+              <a:t>Example</a:t>
+            </a:r>
+            <a:endParaRPr lang="en-IN" sz="3200" dirty="0"/>
+          </a:p>
+        </p:txBody>
+      </p:sp>
+      <p:sp>
+        <p:nvSpPr>
+          <p:cNvPr id="3" name="Content Placeholder 2"/>
+          <p:cNvSpPr>
+            <a:spLocks noGrp="1"/>
+          </p:cNvSpPr>
+          <p:nvPr>
+            <p:ph idx="1"/>
+          </p:nvPr>
+        </p:nvSpPr>
+        <p:spPr/>
+        <p:txBody>
+          <a:bodyPr>
+            <a:normAutofit/>
+          </a:bodyPr>
+          <a:lstStyle/>
+          <a:p>
+            <a:r>
+              <a:rPr lang="en-US" sz="1800" dirty="0"/>
+              <a:t>SELECT </a:t>
+            </a:r>
+            <a:r>
+              <a:rPr lang="en-US" sz="1800" dirty="0" err="1"/>
+              <a:t>Orders.OrderID</a:t>
+            </a:r>
+            <a:r>
+              <a:rPr lang="en-US" sz="1800" dirty="0"/>
+              <a:t>, </a:t>
+            </a:r>
+            <a:r>
+              <a:rPr lang="en-US" sz="1800" dirty="0" err="1"/>
+              <a:t>Customers.CustomerName</a:t>
+            </a:r>
+            <a:r>
+              <a:rPr lang="en-US" sz="1800" dirty="0"/>
+              <a:t/>
+            </a:r>
+            <a:br>
+              <a:rPr lang="en-US" sz="1800" dirty="0"/>
+            </a:br>
+            <a:r>
+              <a:rPr lang="en-US" sz="1800" dirty="0"/>
+              <a:t>FROM Orders</a:t>
+            </a:r>
+            <a:r>
+              <a:rPr lang="en-US" sz="1800" dirty="0"/>
+              <a:t/>
+            </a:r>
+            <a:br>
+              <a:rPr lang="en-US" sz="1800" dirty="0"/>
+            </a:br>
+            <a:r>
+              <a:rPr lang="en-US" sz="1800" dirty="0"/>
+              <a:t>INNER JOIN Customers ON </a:t>
+            </a:r>
+            <a:r>
+              <a:rPr lang="en-US" sz="1800" dirty="0" err="1"/>
+              <a:t>Orders.CustomerID</a:t>
+            </a:r>
+            <a:r>
+              <a:rPr lang="en-US" sz="1800" dirty="0"/>
+              <a:t> = </a:t>
+            </a:r>
+            <a:r>
+              <a:rPr lang="en-US" sz="1800" dirty="0" err="1"/>
+              <a:t>Customers.CustomerID</a:t>
+            </a:r>
+            <a:r>
+              <a:rPr lang="en-US" sz="1800" dirty="0"/>
+              <a:t>;</a:t>
+            </a:r>
+            <a:endParaRPr lang="en-IN" sz="1800" dirty="0"/>
+          </a:p>
+        </p:txBody>
+      </p:sp>
+    </p:spTree>
+    <p:extLst>
+      <p:ext uri="{BB962C8B-B14F-4D97-AF65-F5344CB8AC3E}">
+        <p14:creationId xmlns:p14="http://schemas.microsoft.com/office/powerpoint/2010/main" val="1608771758"/>
+      </p:ext>
+    </p:extLst>
+  </p:cSld>
+  <p:clrMapOvr>
+    <a:masterClrMapping/>
+  </p:clrMapOvr>
+</p:sld>
+</file>
+
+<file path=ppt/slides/slide23.xml><?xml version="1.0" encoding="utf-8"?>
+<p:sld xmlns:a="http://schemas.openxmlformats.org/drawingml/2006/main" xmlns:r="http://schemas.openxmlformats.org/officeDocument/2006/relationships" xmlns:p="http://schemas.openxmlformats.org/presentationml/2006/main">
+  <p:cSld>
+    <p:spTree>
+      <p:nvGrpSpPr>
+        <p:cNvPr id="1" name=""/>
+        <p:cNvGrpSpPr/>
+        <p:nvPr/>
+      </p:nvGrpSpPr>
+      <p:grpSpPr>
+        <a:xfrm>
+          <a:off x="0" y="0"/>
+          <a:ext cx="0" cy="0"/>
+          <a:chOff x="0" y="0"/>
+          <a:chExt cx="0" cy="0"/>
+        </a:xfrm>
+      </p:grpSpPr>
+      <p:sp>
+        <p:nvSpPr>
+          <p:cNvPr id="2" name="Title 1"/>
+          <p:cNvSpPr>
+            <a:spLocks noGrp="1"/>
+          </p:cNvSpPr>
+          <p:nvPr>
+            <p:ph type="title"/>
+          </p:nvPr>
+        </p:nvSpPr>
+        <p:spPr/>
+        <p:txBody>
+          <a:bodyPr>
+            <a:normAutofit fontScale="90000"/>
+          </a:bodyPr>
+          <a:lstStyle/>
+          <a:p>
+            <a:r>
+              <a:rPr lang="en-IN" sz="4000" dirty="0"/>
+              <a:t>SQL LEFT JOIN Keyword</a:t>
+            </a:r>
+            <a:r>
+              <a:rPr lang="en-IN" dirty="0"/>
+              <a:t/>
+            </a:r>
+            <a:br>
+              <a:rPr lang="en-IN" dirty="0"/>
+            </a:br>
+            <a:endParaRPr lang="en-IN" dirty="0"/>
+          </a:p>
+        </p:txBody>
+      </p:sp>
+      <p:sp>
+        <p:nvSpPr>
+          <p:cNvPr id="3" name="Content Placeholder 2"/>
+          <p:cNvSpPr>
+            <a:spLocks noGrp="1"/>
+          </p:cNvSpPr>
+          <p:nvPr>
+            <p:ph idx="1"/>
+          </p:nvPr>
+        </p:nvSpPr>
+        <p:spPr/>
+        <p:txBody>
+          <a:bodyPr>
+            <a:normAutofit/>
+          </a:bodyPr>
+          <a:lstStyle/>
+          <a:p>
+            <a:r>
+              <a:rPr lang="en-US" sz="1800" dirty="0"/>
+              <a:t>The </a:t>
+            </a:r>
+            <a:r>
+              <a:rPr lang="en-US" sz="1800" dirty="0"/>
+              <a:t>LEFT JOIN</a:t>
+            </a:r>
+            <a:r>
+              <a:rPr lang="en-US" sz="1800" dirty="0"/>
+              <a:t> keyword returns all records from the left table (table1), and the matching records from the right table (table2). The result is 0 records from the right side, if there is no match</a:t>
+            </a:r>
+            <a:r>
+              <a:rPr lang="en-US" sz="1800" dirty="0" smtClean="0"/>
+              <a:t>.</a:t>
+            </a:r>
+          </a:p>
+          <a:p>
+            <a:endParaRPr lang="en-US" sz="1800" dirty="0"/>
+          </a:p>
+          <a:p>
+            <a:endParaRPr lang="en-US" sz="1800" dirty="0" smtClean="0"/>
+          </a:p>
+          <a:p>
+            <a:endParaRPr lang="en-US" sz="1800" dirty="0"/>
+          </a:p>
+          <a:p>
+            <a:endParaRPr lang="en-US" sz="1800" dirty="0" smtClean="0"/>
+          </a:p>
+          <a:p>
+            <a:endParaRPr lang="en-US" sz="1800" dirty="0"/>
+          </a:p>
+          <a:p>
+            <a:pPr marL="0" indent="0">
+              <a:buNone/>
+            </a:pPr>
+            <a:r>
+              <a:rPr lang="en-US" sz="2400" dirty="0" smtClean="0"/>
+              <a:t>LEFT JOIN Syntax:</a:t>
+            </a:r>
+          </a:p>
+          <a:p>
+            <a:r>
+              <a:rPr lang="en-US" sz="1800" dirty="0" smtClean="0"/>
+              <a:t>SELECT</a:t>
+            </a:r>
+            <a:r>
+              <a:rPr lang="en-US" sz="1800" dirty="0"/>
+              <a:t> </a:t>
+            </a:r>
+            <a:r>
+              <a:rPr lang="en-US" sz="1800" i="1" dirty="0" err="1"/>
+              <a:t>column_name</a:t>
+            </a:r>
+            <a:r>
+              <a:rPr lang="en-US" sz="1800" i="1" dirty="0"/>
+              <a:t>(s)</a:t>
+            </a:r>
+            <a:r>
+              <a:rPr lang="en-US" sz="1800" dirty="0"/>
+              <a:t/>
+            </a:r>
+            <a:br>
+              <a:rPr lang="en-US" sz="1800" dirty="0"/>
+            </a:br>
+            <a:r>
+              <a:rPr lang="en-US" sz="1800" dirty="0"/>
+              <a:t>FROM </a:t>
+            </a:r>
+            <a:r>
+              <a:rPr lang="en-US" sz="1800" i="1" dirty="0"/>
+              <a:t>table1</a:t>
+            </a:r>
+            <a:r>
+              <a:rPr lang="en-US" sz="1800" dirty="0"/>
+              <a:t/>
+            </a:r>
+            <a:br>
+              <a:rPr lang="en-US" sz="1800" dirty="0"/>
+            </a:br>
+            <a:r>
+              <a:rPr lang="en-US" sz="1800" dirty="0"/>
+              <a:t>LEFT JOIN </a:t>
+            </a:r>
+            <a:r>
+              <a:rPr lang="en-US" sz="1800" i="1" dirty="0"/>
+              <a:t>table2</a:t>
+            </a:r>
+            <a:br>
+              <a:rPr lang="en-US" sz="1800" i="1" dirty="0"/>
+            </a:br>
+            <a:r>
+              <a:rPr lang="en-US" sz="1800" dirty="0"/>
+              <a:t>ON </a:t>
+            </a:r>
+            <a:r>
+              <a:rPr lang="en-US" sz="1800" i="1" dirty="0"/>
+              <a:t>table1.column_name </a:t>
+            </a:r>
+            <a:r>
+              <a:rPr lang="en-US" sz="1800" dirty="0"/>
+              <a:t>=</a:t>
+            </a:r>
+            <a:r>
+              <a:rPr lang="en-US" sz="1800" i="1" dirty="0"/>
+              <a:t> table2.column_name</a:t>
+            </a:r>
+            <a:r>
+              <a:rPr lang="en-US" sz="1800" dirty="0"/>
+              <a:t>;</a:t>
+            </a:r>
+          </a:p>
+          <a:p>
+            <a:endParaRPr lang="en-IN" sz="1800" dirty="0"/>
+          </a:p>
+        </p:txBody>
+      </p:sp>
+      <p:pic>
+        <p:nvPicPr>
+          <p:cNvPr id="2050" name="Picture 2"/>
+          <p:cNvPicPr>
+            <a:picLocks noChangeAspect="1" noChangeArrowheads="1"/>
+          </p:cNvPicPr>
+          <p:nvPr/>
+        </p:nvPicPr>
+        <p:blipFill>
+          <a:blip r:embed="rId2">
+            <a:extLst>
+              <a:ext uri="{28A0092B-C50C-407E-A947-70E740481C1C}">
+                <a14:useLocalDpi xmlns:a14="http://schemas.microsoft.com/office/drawing/2010/main" val="0"/>
+              </a:ext>
+            </a:extLst>
+          </a:blip>
+          <a:srcRect/>
+          <a:stretch>
+            <a:fillRect/>
+          </a:stretch>
+        </p:blipFill>
+        <p:spPr bwMode="auto">
+          <a:xfrm>
+            <a:off x="1714500" y="2629139"/>
+            <a:ext cx="1905000" cy="1381125"/>
+          </a:xfrm>
+          <a:prstGeom prst="rect">
+            <a:avLst/>
+          </a:prstGeom>
+          <a:noFill/>
+          <a:ln>
+            <a:noFill/>
+          </a:ln>
+          <a:effectLst/>
+          <a:extLst>
+            <a:ext uri="{909E8E84-426E-40DD-AFC4-6F175D3DCCD1}">
+              <a14:hiddenFill xmlns:a14="http://schemas.microsoft.com/office/drawing/2010/main">
+                <a:solidFill>
+                  <a:schemeClr val="accent1"/>
+                </a:solidFill>
+              </a14:hiddenFill>
+            </a:ext>
+            <a:ext uri="{91240B29-F687-4F45-9708-019B960494DF}">
+              <a14:hiddenLine xmlns:a14="http://schemas.microsoft.com/office/drawing/2010/main" w="9525">
+                <a:solidFill>
+                  <a:schemeClr val="tx1"/>
+                </a:solidFill>
+                <a:miter lim="800000"/>
+                <a:headEnd/>
+                <a:tailEnd/>
+              </a14:hiddenLine>
+            </a:ext>
+            <a:ext uri="{AF507438-7753-43E0-B8FC-AC1667EBCBE1}">
+              <a14:hiddenEffects xmlns:a14="http://schemas.microsoft.com/office/drawing/2010/main">
+                <a:effectLst>
+                  <a:outerShdw dist="35921" dir="2700000" algn="ctr" rotWithShape="0">
+                    <a:schemeClr val="bg2"/>
+                  </a:outerShdw>
+                </a:effectLst>
+              </a14:hiddenEffects>
+            </a:ext>
+          </a:extLst>
+        </p:spPr>
+      </p:pic>
+    </p:spTree>
+    <p:extLst>
+      <p:ext uri="{BB962C8B-B14F-4D97-AF65-F5344CB8AC3E}">
+        <p14:creationId xmlns:p14="http://schemas.microsoft.com/office/powerpoint/2010/main" val="149620964"/>
+      </p:ext>
+    </p:extLst>
+  </p:cSld>
+  <p:clrMapOvr>
+    <a:masterClrMapping/>
+  </p:clrMapOvr>
+</p:sld>
+</file>
+
+<file path=ppt/slides/slide24.xml><?xml version="1.0" encoding="utf-8"?>
+<p:sld xmlns:a="http://schemas.openxmlformats.org/drawingml/2006/main" xmlns:r="http://schemas.openxmlformats.org/officeDocument/2006/relationships" xmlns:p="http://schemas.openxmlformats.org/presentationml/2006/main">
+  <p:cSld>
+    <p:spTree>
+      <p:nvGrpSpPr>
+        <p:cNvPr id="1" name=""/>
+        <p:cNvGrpSpPr/>
+        <p:nvPr/>
+      </p:nvGrpSpPr>
+      <p:grpSpPr>
+        <a:xfrm>
+          <a:off x="0" y="0"/>
+          <a:ext cx="0" cy="0"/>
+          <a:chOff x="0" y="0"/>
+          <a:chExt cx="0" cy="0"/>
+        </a:xfrm>
+      </p:grpSpPr>
+      <p:sp>
+        <p:nvSpPr>
+          <p:cNvPr id="2" name="Title 1"/>
+          <p:cNvSpPr>
+            <a:spLocks noGrp="1"/>
+          </p:cNvSpPr>
+          <p:nvPr>
+            <p:ph type="title"/>
+          </p:nvPr>
+        </p:nvSpPr>
+        <p:spPr/>
+        <p:txBody>
+          <a:bodyPr/>
+          <a:lstStyle/>
+          <a:p>
+            <a:r>
+              <a:rPr lang="en-US" dirty="0" smtClean="0"/>
+              <a:t>Example:</a:t>
+            </a:r>
+            <a:endParaRPr lang="en-IN" dirty="0"/>
+          </a:p>
+        </p:txBody>
+      </p:sp>
+      <p:sp>
+        <p:nvSpPr>
+          <p:cNvPr id="3" name="Content Placeholder 2"/>
+          <p:cNvSpPr>
+            <a:spLocks noGrp="1"/>
+          </p:cNvSpPr>
+          <p:nvPr>
+            <p:ph idx="1"/>
+          </p:nvPr>
+        </p:nvSpPr>
+        <p:spPr/>
+        <p:txBody>
+          <a:bodyPr>
+            <a:normAutofit/>
+          </a:bodyPr>
+          <a:lstStyle/>
+          <a:p>
+            <a:r>
+              <a:rPr lang="en-US" sz="1800" dirty="0"/>
+              <a:t>SELECT </a:t>
+            </a:r>
+            <a:r>
+              <a:rPr lang="en-US" sz="1800" dirty="0" err="1"/>
+              <a:t>Customers.CustomerName</a:t>
+            </a:r>
+            <a:r>
+              <a:rPr lang="en-US" sz="1800" dirty="0"/>
+              <a:t>, </a:t>
+            </a:r>
+            <a:r>
+              <a:rPr lang="en-US" sz="1800" dirty="0" err="1"/>
+              <a:t>Orders.OrderID</a:t>
+            </a:r>
+            <a:r>
+              <a:rPr lang="en-US" sz="1800" dirty="0"/>
+              <a:t/>
+            </a:r>
+            <a:br>
+              <a:rPr lang="en-US" sz="1800" dirty="0"/>
+            </a:br>
+            <a:r>
+              <a:rPr lang="en-US" sz="1800" dirty="0"/>
+              <a:t>FROM Customers</a:t>
+            </a:r>
+            <a:r>
+              <a:rPr lang="en-US" sz="1800" dirty="0"/>
+              <a:t/>
+            </a:r>
+            <a:br>
+              <a:rPr lang="en-US" sz="1800" dirty="0"/>
+            </a:br>
+            <a:r>
+              <a:rPr lang="en-US" sz="1800" dirty="0"/>
+              <a:t>LEFT JOIN Orders ON </a:t>
+            </a:r>
+            <a:r>
+              <a:rPr lang="en-US" sz="1800" dirty="0" err="1"/>
+              <a:t>Customers.CustomerID</a:t>
+            </a:r>
+            <a:r>
+              <a:rPr lang="en-US" sz="1800" dirty="0"/>
+              <a:t> = </a:t>
+            </a:r>
+            <a:r>
+              <a:rPr lang="en-US" sz="1800" dirty="0" err="1"/>
+              <a:t>Orders.CustomerID</a:t>
+            </a:r>
+            <a:r>
+              <a:rPr lang="en-US" sz="1800" dirty="0"/>
+              <a:t/>
+            </a:r>
+            <a:br>
+              <a:rPr lang="en-US" sz="1800" dirty="0"/>
+            </a:br>
+            <a:r>
+              <a:rPr lang="en-US" sz="1800" dirty="0"/>
+              <a:t>ORDER BY </a:t>
+            </a:r>
+            <a:r>
+              <a:rPr lang="en-US" sz="1800" dirty="0" err="1" smtClean="0"/>
+              <a:t>Customers.CustomerName</a:t>
+            </a:r>
+            <a:r>
+              <a:rPr lang="en-US" sz="1800" dirty="0" smtClean="0"/>
+              <a:t>;</a:t>
+            </a:r>
+          </a:p>
+          <a:p>
+            <a:endParaRPr lang="en-US" sz="1800" dirty="0"/>
+          </a:p>
+          <a:p>
+            <a:pPr marL="0" indent="0">
+              <a:buNone/>
+            </a:pPr>
+            <a:endParaRPr lang="en-IN" sz="1800" dirty="0"/>
+          </a:p>
+        </p:txBody>
+      </p:sp>
+    </p:spTree>
+    <p:extLst>
+      <p:ext uri="{BB962C8B-B14F-4D97-AF65-F5344CB8AC3E}">
+        <p14:creationId xmlns:p14="http://schemas.microsoft.com/office/powerpoint/2010/main" val="3998218886"/>
+      </p:ext>
+    </p:extLst>
+  </p:cSld>
+  <p:clrMapOvr>
+    <a:masterClrMapping/>
+  </p:clrMapOvr>
+</p:sld>
+</file>
+
+<file path=ppt/slides/slide25.xml><?xml version="1.0" encoding="utf-8"?>
+<p:sld xmlns:a="http://schemas.openxmlformats.org/drawingml/2006/main" xmlns:r="http://schemas.openxmlformats.org/officeDocument/2006/relationships" xmlns:p="http://schemas.openxmlformats.org/presentationml/2006/main">
+  <p:cSld>
+    <p:spTree>
+      <p:nvGrpSpPr>
+        <p:cNvPr id="1" name=""/>
+        <p:cNvGrpSpPr/>
+        <p:nvPr/>
+      </p:nvGrpSpPr>
+      <p:grpSpPr>
+        <a:xfrm>
+          <a:off x="0" y="0"/>
+          <a:ext cx="0" cy="0"/>
+          <a:chOff x="0" y="0"/>
+          <a:chExt cx="0" cy="0"/>
+        </a:xfrm>
+      </p:grpSpPr>
+      <p:sp>
+        <p:nvSpPr>
+          <p:cNvPr id="2" name="Title 1"/>
+          <p:cNvSpPr>
+            <a:spLocks noGrp="1"/>
+          </p:cNvSpPr>
+          <p:nvPr>
+            <p:ph type="title"/>
+          </p:nvPr>
+        </p:nvSpPr>
+        <p:spPr/>
+        <p:txBody>
+          <a:bodyPr>
+            <a:normAutofit fontScale="90000"/>
+          </a:bodyPr>
+          <a:lstStyle/>
+          <a:p>
+            <a:r>
+              <a:rPr lang="en-IN" sz="4000" dirty="0"/>
+              <a:t>SQL RIGHT JOIN Keyword</a:t>
+            </a:r>
+            <a:r>
+              <a:rPr lang="en-IN" dirty="0"/>
+              <a:t/>
+            </a:r>
+            <a:br>
+              <a:rPr lang="en-IN" dirty="0"/>
+            </a:br>
+            <a:endParaRPr lang="en-IN" dirty="0"/>
+          </a:p>
+        </p:txBody>
+      </p:sp>
+      <p:sp>
+        <p:nvSpPr>
+          <p:cNvPr id="3" name="Content Placeholder 2"/>
+          <p:cNvSpPr>
+            <a:spLocks noGrp="1"/>
+          </p:cNvSpPr>
+          <p:nvPr>
+            <p:ph idx="1"/>
+          </p:nvPr>
+        </p:nvSpPr>
+        <p:spPr/>
+        <p:txBody>
+          <a:bodyPr>
+            <a:normAutofit/>
+          </a:bodyPr>
+          <a:lstStyle/>
+          <a:p>
+            <a:r>
+              <a:rPr lang="en-US" sz="1800" dirty="0"/>
+              <a:t>The </a:t>
+            </a:r>
+            <a:r>
+              <a:rPr lang="en-US" sz="1800" dirty="0"/>
+              <a:t>RIGHT JOIN</a:t>
+            </a:r>
+            <a:r>
+              <a:rPr lang="en-US" sz="1800" dirty="0"/>
+              <a:t> keyword returns all records from the right table (table2), and the matching records from the left table (table1). The result is 0 records from the left side, if there is no match</a:t>
+            </a:r>
+            <a:r>
+              <a:rPr lang="en-US" sz="1800" dirty="0" smtClean="0"/>
+              <a:t>.</a:t>
+            </a:r>
+          </a:p>
+          <a:p>
+            <a:endParaRPr lang="en-US" dirty="0"/>
+          </a:p>
+          <a:p>
+            <a:endParaRPr lang="en-US" dirty="0" smtClean="0"/>
+          </a:p>
+          <a:p>
+            <a:endParaRPr lang="en-US" dirty="0"/>
+          </a:p>
+          <a:p>
+            <a:r>
+              <a:rPr lang="en-US" dirty="0" smtClean="0"/>
+              <a:t>RIGHT </a:t>
+            </a:r>
+            <a:r>
+              <a:rPr lang="en-US" dirty="0"/>
+              <a:t>JOIN Syntax</a:t>
+            </a:r>
+          </a:p>
+          <a:p>
+            <a:r>
+              <a:rPr lang="en-US" sz="1800" dirty="0"/>
+              <a:t>SELECT </a:t>
+            </a:r>
+            <a:r>
+              <a:rPr lang="en-US" sz="1800" i="1" dirty="0" err="1"/>
+              <a:t>column_name</a:t>
+            </a:r>
+            <a:r>
+              <a:rPr lang="en-US" sz="1800" i="1" dirty="0"/>
+              <a:t>(s)</a:t>
+            </a:r>
+            <a:r>
+              <a:rPr lang="en-US" sz="1800" dirty="0"/>
+              <a:t/>
+            </a:r>
+            <a:br>
+              <a:rPr lang="en-US" sz="1800" dirty="0"/>
+            </a:br>
+            <a:r>
+              <a:rPr lang="en-US" sz="1800" dirty="0"/>
+              <a:t>FROM </a:t>
+            </a:r>
+            <a:r>
+              <a:rPr lang="en-US" sz="1800" i="1" dirty="0"/>
+              <a:t>table1</a:t>
+            </a:r>
+            <a:r>
+              <a:rPr lang="en-US" sz="1800" dirty="0"/>
+              <a:t/>
+            </a:r>
+            <a:br>
+              <a:rPr lang="en-US" sz="1800" dirty="0"/>
+            </a:br>
+            <a:r>
+              <a:rPr lang="en-US" sz="1800" dirty="0"/>
+              <a:t>RIGHT JOIN </a:t>
+            </a:r>
+            <a:r>
+              <a:rPr lang="en-US" sz="1800" i="1" dirty="0"/>
+              <a:t>table2</a:t>
+            </a:r>
+            <a:br>
+              <a:rPr lang="en-US" sz="1800" i="1" dirty="0"/>
+            </a:br>
+            <a:r>
+              <a:rPr lang="en-US" sz="1800" dirty="0"/>
+              <a:t>ON </a:t>
+            </a:r>
+            <a:r>
+              <a:rPr lang="en-US" sz="1800" i="1" dirty="0"/>
+              <a:t>table1.column_name </a:t>
+            </a:r>
+            <a:r>
+              <a:rPr lang="en-US" sz="1800" dirty="0"/>
+              <a:t>=</a:t>
+            </a:r>
+            <a:r>
+              <a:rPr lang="en-US" sz="1800" i="1" dirty="0"/>
+              <a:t> table2.column_name</a:t>
+            </a:r>
+            <a:r>
+              <a:rPr lang="en-US" sz="1800" dirty="0"/>
+              <a:t>;</a:t>
+            </a:r>
+          </a:p>
+          <a:p>
+            <a:endParaRPr lang="en-IN" sz="1800" dirty="0"/>
+          </a:p>
+        </p:txBody>
+      </p:sp>
+      <p:pic>
+        <p:nvPicPr>
+          <p:cNvPr id="3074" name="Picture 2"/>
+          <p:cNvPicPr>
+            <a:picLocks noChangeAspect="1" noChangeArrowheads="1"/>
+          </p:cNvPicPr>
+          <p:nvPr/>
+        </p:nvPicPr>
+        <p:blipFill>
+          <a:blip r:embed="rId2">
+            <a:extLst>
+              <a:ext uri="{28A0092B-C50C-407E-A947-70E740481C1C}">
+                <a14:useLocalDpi xmlns:a14="http://schemas.microsoft.com/office/drawing/2010/main" val="0"/>
+              </a:ext>
+            </a:extLst>
+          </a:blip>
+          <a:srcRect/>
+          <a:stretch>
+            <a:fillRect/>
+          </a:stretch>
+        </p:blipFill>
+        <p:spPr bwMode="auto">
+          <a:xfrm>
+            <a:off x="3619500" y="2522538"/>
+            <a:ext cx="1905000" cy="1381125"/>
+          </a:xfrm>
+          <a:prstGeom prst="rect">
+            <a:avLst/>
+          </a:prstGeom>
+          <a:noFill/>
+          <a:ln>
+            <a:noFill/>
+          </a:ln>
+          <a:effectLst/>
+          <a:extLst>
+            <a:ext uri="{909E8E84-426E-40DD-AFC4-6F175D3DCCD1}">
+              <a14:hiddenFill xmlns:a14="http://schemas.microsoft.com/office/drawing/2010/main">
+                <a:solidFill>
+                  <a:schemeClr val="accent1"/>
+                </a:solidFill>
+              </a14:hiddenFill>
+            </a:ext>
+            <a:ext uri="{91240B29-F687-4F45-9708-019B960494DF}">
+              <a14:hiddenLine xmlns:a14="http://schemas.microsoft.com/office/drawing/2010/main" w="9525">
+                <a:solidFill>
+                  <a:schemeClr val="tx1"/>
+                </a:solidFill>
+                <a:miter lim="800000"/>
+                <a:headEnd/>
+                <a:tailEnd/>
+              </a14:hiddenLine>
+            </a:ext>
+            <a:ext uri="{AF507438-7753-43E0-B8FC-AC1667EBCBE1}">
+              <a14:hiddenEffects xmlns:a14="http://schemas.microsoft.com/office/drawing/2010/main">
+                <a:effectLst>
+                  <a:outerShdw dist="35921" dir="2700000" algn="ctr" rotWithShape="0">
+                    <a:schemeClr val="bg2"/>
+                  </a:outerShdw>
+                </a:effectLst>
+              </a14:hiddenEffects>
+            </a:ext>
+          </a:extLst>
+        </p:spPr>
+      </p:pic>
+    </p:spTree>
+    <p:extLst>
+      <p:ext uri="{BB962C8B-B14F-4D97-AF65-F5344CB8AC3E}">
+        <p14:creationId xmlns:p14="http://schemas.microsoft.com/office/powerpoint/2010/main" val="3091609752"/>
+      </p:ext>
+    </p:extLst>
+  </p:cSld>
+  <p:clrMapOvr>
+    <a:masterClrMapping/>
+  </p:clrMapOvr>
+</p:sld>
+</file>
+
+<file path=ppt/slides/slide26.xml><?xml version="1.0" encoding="utf-8"?>
+<p:sld xmlns:a="http://schemas.openxmlformats.org/drawingml/2006/main" xmlns:r="http://schemas.openxmlformats.org/officeDocument/2006/relationships" xmlns:p="http://schemas.openxmlformats.org/presentationml/2006/main">
+  <p:cSld>
+    <p:spTree>
+      <p:nvGrpSpPr>
+        <p:cNvPr id="1" name=""/>
+        <p:cNvGrpSpPr/>
+        <p:nvPr/>
+      </p:nvGrpSpPr>
+      <p:grpSpPr>
+        <a:xfrm>
+          <a:off x="0" y="0"/>
+          <a:ext cx="0" cy="0"/>
+          <a:chOff x="0" y="0"/>
+          <a:chExt cx="0" cy="0"/>
+        </a:xfrm>
+      </p:grpSpPr>
+      <p:sp>
+        <p:nvSpPr>
+          <p:cNvPr id="2" name="Title 1"/>
+          <p:cNvSpPr>
+            <a:spLocks noGrp="1"/>
+          </p:cNvSpPr>
+          <p:nvPr>
+            <p:ph type="title"/>
+          </p:nvPr>
+        </p:nvSpPr>
+        <p:spPr/>
+        <p:txBody>
+          <a:bodyPr>
+            <a:normAutofit/>
+          </a:bodyPr>
+          <a:lstStyle/>
+          <a:p>
+            <a:r>
+              <a:rPr lang="en-US" sz="3200" dirty="0" smtClean="0"/>
+              <a:t>Example:</a:t>
+            </a:r>
+            <a:endParaRPr lang="en-IN" sz="3200" dirty="0"/>
           </a:p>
         </p:txBody>
       </p:sp>
@@ -6558,14 +7704,508 @@
           <a:bodyPr/>
           <a:lstStyle/>
           <a:p>
-            <a:endParaRPr lang="en-IN"/>
+            <a:pPr marL="0" indent="0">
+              <a:buNone/>
+            </a:pPr>
+            <a:endParaRPr lang="en-US" sz="1600" dirty="0"/>
+          </a:p>
+          <a:p>
+            <a:r>
+              <a:rPr lang="en-US" sz="1600" dirty="0"/>
+              <a:t>SELECT </a:t>
+            </a:r>
+            <a:r>
+              <a:rPr lang="en-US" sz="1600" dirty="0" err="1"/>
+              <a:t>Orders.OrderID</a:t>
+            </a:r>
+            <a:r>
+              <a:rPr lang="en-US" sz="1600" dirty="0"/>
+              <a:t>, </a:t>
+            </a:r>
+            <a:r>
+              <a:rPr lang="en-US" sz="1600" dirty="0" err="1"/>
+              <a:t>Employees.LastName</a:t>
+            </a:r>
+            <a:r>
+              <a:rPr lang="en-US" sz="1600" dirty="0"/>
+              <a:t>, </a:t>
+            </a:r>
+            <a:r>
+              <a:rPr lang="en-US" sz="1600" dirty="0" err="1"/>
+              <a:t>Employees.FirstName</a:t>
+            </a:r>
+            <a:r>
+              <a:rPr lang="en-US" sz="1600" dirty="0"/>
+              <a:t/>
+            </a:r>
+            <a:br>
+              <a:rPr lang="en-US" sz="1600" dirty="0"/>
+            </a:br>
+            <a:r>
+              <a:rPr lang="en-US" sz="1600" dirty="0"/>
+              <a:t>FROM Orders</a:t>
+            </a:r>
+            <a:br>
+              <a:rPr lang="en-US" sz="1600" dirty="0"/>
+            </a:br>
+            <a:r>
+              <a:rPr lang="en-US" sz="1600" dirty="0"/>
+              <a:t>RIGHT JOIN Employees ON </a:t>
+            </a:r>
+            <a:r>
+              <a:rPr lang="en-US" sz="1600" dirty="0" err="1"/>
+              <a:t>Orders.EmployeeID</a:t>
+            </a:r>
+            <a:r>
+              <a:rPr lang="en-US" sz="1600" dirty="0"/>
+              <a:t> = </a:t>
+            </a:r>
+            <a:r>
+              <a:rPr lang="en-US" sz="1600" dirty="0" err="1"/>
+              <a:t>Employees.EmployeeID</a:t>
+            </a:r>
+            <a:r>
+              <a:rPr lang="en-US" sz="1600" dirty="0"/>
+              <a:t/>
+            </a:r>
+            <a:br>
+              <a:rPr lang="en-US" sz="1600" dirty="0"/>
+            </a:br>
+            <a:r>
+              <a:rPr lang="en-US" sz="1600" dirty="0"/>
+              <a:t>ORDER BY </a:t>
+            </a:r>
+            <a:r>
+              <a:rPr lang="en-US" sz="1600" dirty="0" err="1"/>
+              <a:t>Orders.OrderID</a:t>
+            </a:r>
+            <a:r>
+              <a:rPr lang="en-US" sz="1600" dirty="0"/>
+              <a:t>;</a:t>
+            </a:r>
+          </a:p>
+          <a:p>
+            <a:endParaRPr lang="en-IN" dirty="0"/>
           </a:p>
         </p:txBody>
       </p:sp>
     </p:spTree>
     <p:extLst>
       <p:ext uri="{BB962C8B-B14F-4D97-AF65-F5344CB8AC3E}">
-        <p14:creationId xmlns:p14="http://schemas.microsoft.com/office/powerpoint/2010/main" val="1550523510"/>
+        <p14:creationId xmlns:p14="http://schemas.microsoft.com/office/powerpoint/2010/main" val="1758773833"/>
+      </p:ext>
+    </p:extLst>
+  </p:cSld>
+  <p:clrMapOvr>
+    <a:masterClrMapping/>
+  </p:clrMapOvr>
+</p:sld>
+</file>
+
+<file path=ppt/slides/slide27.xml><?xml version="1.0" encoding="utf-8"?>
+<p:sld xmlns:a="http://schemas.openxmlformats.org/drawingml/2006/main" xmlns:r="http://schemas.openxmlformats.org/officeDocument/2006/relationships" xmlns:p="http://schemas.openxmlformats.org/presentationml/2006/main">
+  <p:cSld>
+    <p:spTree>
+      <p:nvGrpSpPr>
+        <p:cNvPr id="1" name=""/>
+        <p:cNvGrpSpPr/>
+        <p:nvPr/>
+      </p:nvGrpSpPr>
+      <p:grpSpPr>
+        <a:xfrm>
+          <a:off x="0" y="0"/>
+          <a:ext cx="0" cy="0"/>
+          <a:chOff x="0" y="0"/>
+          <a:chExt cx="0" cy="0"/>
+        </a:xfrm>
+      </p:grpSpPr>
+      <p:sp>
+        <p:nvSpPr>
+          <p:cNvPr id="2" name="Title 1"/>
+          <p:cNvSpPr>
+            <a:spLocks noGrp="1"/>
+          </p:cNvSpPr>
+          <p:nvPr>
+            <p:ph type="title"/>
+          </p:nvPr>
+        </p:nvSpPr>
+        <p:spPr/>
+        <p:txBody>
+          <a:bodyPr>
+            <a:normAutofit fontScale="90000"/>
+          </a:bodyPr>
+          <a:lstStyle/>
+          <a:p>
+            <a:r>
+              <a:rPr lang="en-US" sz="4000" dirty="0"/>
+              <a:t>SQL FULL OUTER JOIN Keyword</a:t>
+            </a:r>
+            <a:r>
+              <a:rPr lang="en-US" dirty="0"/>
+              <a:t/>
+            </a:r>
+            <a:br>
+              <a:rPr lang="en-US" dirty="0"/>
+            </a:br>
+            <a:endParaRPr lang="en-IN" dirty="0"/>
+          </a:p>
+        </p:txBody>
+      </p:sp>
+      <p:sp>
+        <p:nvSpPr>
+          <p:cNvPr id="3" name="Content Placeholder 2"/>
+          <p:cNvSpPr>
+            <a:spLocks noGrp="1"/>
+          </p:cNvSpPr>
+          <p:nvPr>
+            <p:ph idx="1"/>
+          </p:nvPr>
+        </p:nvSpPr>
+        <p:spPr/>
+        <p:txBody>
+          <a:bodyPr>
+            <a:normAutofit/>
+          </a:bodyPr>
+          <a:lstStyle/>
+          <a:p>
+            <a:r>
+              <a:rPr lang="en-US" sz="1800" dirty="0"/>
+              <a:t>The </a:t>
+            </a:r>
+            <a:r>
+              <a:rPr lang="en-US" sz="1800" dirty="0"/>
+              <a:t>FULL OUTER JOIN</a:t>
+            </a:r>
+            <a:r>
+              <a:rPr lang="en-US" sz="1800" dirty="0"/>
+              <a:t> keyword returns all records when there is a match in left (table1) or right (table2) table records</a:t>
+            </a:r>
+            <a:r>
+              <a:rPr lang="en-US" sz="1800" dirty="0" smtClean="0"/>
+              <a:t>.</a:t>
+            </a:r>
+          </a:p>
+          <a:p>
+            <a:endParaRPr lang="en-US" sz="1800" dirty="0"/>
+          </a:p>
+          <a:p>
+            <a:endParaRPr lang="en-US" sz="1800" dirty="0" smtClean="0"/>
+          </a:p>
+          <a:p>
+            <a:endParaRPr lang="en-US" sz="1800" dirty="0"/>
+          </a:p>
+          <a:p>
+            <a:endParaRPr lang="en-US" sz="1800" dirty="0" smtClean="0"/>
+          </a:p>
+          <a:p>
+            <a:endParaRPr lang="en-US" sz="1800" dirty="0"/>
+          </a:p>
+          <a:p>
+            <a:r>
+              <a:rPr lang="en-US" dirty="0" smtClean="0"/>
+              <a:t>FULL </a:t>
+            </a:r>
+            <a:r>
+              <a:rPr lang="en-US" dirty="0"/>
+              <a:t>OUTER JOIN Syntax</a:t>
+            </a:r>
+          </a:p>
+          <a:p>
+            <a:r>
+              <a:rPr lang="en-US" sz="1800" dirty="0"/>
+              <a:t>SELECT </a:t>
+            </a:r>
+            <a:r>
+              <a:rPr lang="en-US" sz="1800" i="1" dirty="0" err="1"/>
+              <a:t>column_name</a:t>
+            </a:r>
+            <a:r>
+              <a:rPr lang="en-US" sz="1800" i="1" dirty="0"/>
+              <a:t>(s)</a:t>
+            </a:r>
+            <a:r>
+              <a:rPr lang="en-US" sz="1800" dirty="0"/>
+              <a:t/>
+            </a:r>
+            <a:br>
+              <a:rPr lang="en-US" sz="1800" dirty="0"/>
+            </a:br>
+            <a:r>
+              <a:rPr lang="en-US" sz="1800" dirty="0"/>
+              <a:t>FROM </a:t>
+            </a:r>
+            <a:r>
+              <a:rPr lang="en-US" sz="1800" i="1" dirty="0"/>
+              <a:t>table1</a:t>
+            </a:r>
+            <a:r>
+              <a:rPr lang="en-US" sz="1800" dirty="0"/>
+              <a:t/>
+            </a:r>
+            <a:br>
+              <a:rPr lang="en-US" sz="1800" dirty="0"/>
+            </a:br>
+            <a:r>
+              <a:rPr lang="en-US" sz="1800" dirty="0"/>
+              <a:t>FULL OUTER JOIN </a:t>
+            </a:r>
+            <a:r>
+              <a:rPr lang="en-US" sz="1800" i="1" dirty="0"/>
+              <a:t>table2</a:t>
+            </a:r>
+            <a:br>
+              <a:rPr lang="en-US" sz="1800" i="1" dirty="0"/>
+            </a:br>
+            <a:r>
+              <a:rPr lang="en-US" sz="1800" dirty="0"/>
+              <a:t>ON </a:t>
+            </a:r>
+            <a:r>
+              <a:rPr lang="en-US" sz="1800" i="1" dirty="0"/>
+              <a:t>table1.column_name </a:t>
+            </a:r>
+            <a:r>
+              <a:rPr lang="en-US" sz="1800" dirty="0"/>
+              <a:t>=</a:t>
+            </a:r>
+            <a:r>
+              <a:rPr lang="en-US" sz="1800" i="1" dirty="0"/>
+              <a:t> table2.column_name</a:t>
+            </a:r>
+            <a:br>
+              <a:rPr lang="en-US" sz="1800" i="1" dirty="0"/>
+            </a:br>
+            <a:r>
+              <a:rPr lang="en-US" sz="1800" dirty="0"/>
+              <a:t>WHERE </a:t>
+            </a:r>
+            <a:r>
+              <a:rPr lang="en-US" sz="1800" i="1" dirty="0"/>
+              <a:t>condition</a:t>
+            </a:r>
+            <a:r>
+              <a:rPr lang="en-US" sz="1800" dirty="0"/>
+              <a:t>;</a:t>
+            </a:r>
+          </a:p>
+          <a:p>
+            <a:endParaRPr lang="en-IN" sz="1800" dirty="0"/>
+          </a:p>
+        </p:txBody>
+      </p:sp>
+      <p:pic>
+        <p:nvPicPr>
+          <p:cNvPr id="4098" name="Picture 2"/>
+          <p:cNvPicPr>
+            <a:picLocks noChangeAspect="1" noChangeArrowheads="1"/>
+          </p:cNvPicPr>
+          <p:nvPr/>
+        </p:nvPicPr>
+        <p:blipFill>
+          <a:blip r:embed="rId2">
+            <a:extLst>
+              <a:ext uri="{28A0092B-C50C-407E-A947-70E740481C1C}">
+                <a14:useLocalDpi xmlns:a14="http://schemas.microsoft.com/office/drawing/2010/main" val="0"/>
+              </a:ext>
+            </a:extLst>
+          </a:blip>
+          <a:srcRect/>
+          <a:stretch>
+            <a:fillRect/>
+          </a:stretch>
+        </p:blipFill>
+        <p:spPr bwMode="auto">
+          <a:xfrm>
+            <a:off x="1447800" y="2209800"/>
+            <a:ext cx="1905000" cy="1381125"/>
+          </a:xfrm>
+          <a:prstGeom prst="rect">
+            <a:avLst/>
+          </a:prstGeom>
+          <a:noFill/>
+          <a:ln>
+            <a:noFill/>
+          </a:ln>
+          <a:effectLst/>
+          <a:extLst>
+            <a:ext uri="{909E8E84-426E-40DD-AFC4-6F175D3DCCD1}">
+              <a14:hiddenFill xmlns:a14="http://schemas.microsoft.com/office/drawing/2010/main">
+                <a:solidFill>
+                  <a:schemeClr val="accent1"/>
+                </a:solidFill>
+              </a14:hiddenFill>
+            </a:ext>
+            <a:ext uri="{91240B29-F687-4F45-9708-019B960494DF}">
+              <a14:hiddenLine xmlns:a14="http://schemas.microsoft.com/office/drawing/2010/main" w="9525">
+                <a:solidFill>
+                  <a:schemeClr val="tx1"/>
+                </a:solidFill>
+                <a:miter lim="800000"/>
+                <a:headEnd/>
+                <a:tailEnd/>
+              </a14:hiddenLine>
+            </a:ext>
+            <a:ext uri="{AF507438-7753-43E0-B8FC-AC1667EBCBE1}">
+              <a14:hiddenEffects xmlns:a14="http://schemas.microsoft.com/office/drawing/2010/main">
+                <a:effectLst>
+                  <a:outerShdw dist="35921" dir="2700000" algn="ctr" rotWithShape="0">
+                    <a:schemeClr val="bg2"/>
+                  </a:outerShdw>
+                </a:effectLst>
+              </a14:hiddenEffects>
+            </a:ext>
+          </a:extLst>
+        </p:spPr>
+      </p:pic>
+    </p:spTree>
+    <p:extLst>
+      <p:ext uri="{BB962C8B-B14F-4D97-AF65-F5344CB8AC3E}">
+        <p14:creationId xmlns:p14="http://schemas.microsoft.com/office/powerpoint/2010/main" val="2092617368"/>
+      </p:ext>
+    </p:extLst>
+  </p:cSld>
+  <p:clrMapOvr>
+    <a:masterClrMapping/>
+  </p:clrMapOvr>
+</p:sld>
+</file>
+
+<file path=ppt/slides/slide28.xml><?xml version="1.0" encoding="utf-8"?>
+<p:sld xmlns:a="http://schemas.openxmlformats.org/drawingml/2006/main" xmlns:r="http://schemas.openxmlformats.org/officeDocument/2006/relationships" xmlns:p="http://schemas.openxmlformats.org/presentationml/2006/main">
+  <p:cSld>
+    <p:spTree>
+      <p:nvGrpSpPr>
+        <p:cNvPr id="1" name=""/>
+        <p:cNvGrpSpPr/>
+        <p:nvPr/>
+      </p:nvGrpSpPr>
+      <p:grpSpPr>
+        <a:xfrm>
+          <a:off x="0" y="0"/>
+          <a:ext cx="0" cy="0"/>
+          <a:chOff x="0" y="0"/>
+          <a:chExt cx="0" cy="0"/>
+        </a:xfrm>
+      </p:grpSpPr>
+      <p:sp>
+        <p:nvSpPr>
+          <p:cNvPr id="2" name="Title 1"/>
+          <p:cNvSpPr>
+            <a:spLocks noGrp="1"/>
+          </p:cNvSpPr>
+          <p:nvPr>
+            <p:ph type="title"/>
+          </p:nvPr>
+        </p:nvSpPr>
+        <p:spPr/>
+        <p:txBody>
+          <a:bodyPr>
+            <a:normAutofit/>
+          </a:bodyPr>
+          <a:lstStyle/>
+          <a:p>
+            <a:r>
+              <a:rPr lang="en-US" sz="3200" dirty="0" smtClean="0"/>
+              <a:t>Example</a:t>
+            </a:r>
+            <a:endParaRPr lang="en-IN" sz="3200" dirty="0"/>
+          </a:p>
+        </p:txBody>
+      </p:sp>
+      <p:sp>
+        <p:nvSpPr>
+          <p:cNvPr id="3" name="Content Placeholder 2"/>
+          <p:cNvSpPr>
+            <a:spLocks noGrp="1"/>
+          </p:cNvSpPr>
+          <p:nvPr>
+            <p:ph idx="1"/>
+          </p:nvPr>
+        </p:nvSpPr>
+        <p:spPr/>
+        <p:txBody>
+          <a:bodyPr>
+            <a:normAutofit/>
+          </a:bodyPr>
+          <a:lstStyle/>
+          <a:p>
+            <a:r>
+              <a:rPr lang="en-US" sz="1800" dirty="0"/>
+              <a:t>SELECT </a:t>
+            </a:r>
+            <a:r>
+              <a:rPr lang="en-US" sz="1800" dirty="0" err="1"/>
+              <a:t>Customers.CustomerName</a:t>
+            </a:r>
+            <a:r>
+              <a:rPr lang="en-US" sz="1800" dirty="0"/>
+              <a:t>, </a:t>
+            </a:r>
+            <a:r>
+              <a:rPr lang="en-US" sz="1800" dirty="0" err="1"/>
+              <a:t>Orders.OrderID</a:t>
+            </a:r>
+            <a:r>
+              <a:rPr lang="en-US" sz="1800" dirty="0"/>
+              <a:t/>
+            </a:r>
+            <a:br>
+              <a:rPr lang="en-US" sz="1800" dirty="0"/>
+            </a:br>
+            <a:r>
+              <a:rPr lang="en-US" sz="1800" dirty="0"/>
+              <a:t>FROM Customers</a:t>
+            </a:r>
+            <a:r>
+              <a:rPr lang="en-US" sz="1800" dirty="0"/>
+              <a:t/>
+            </a:r>
+            <a:br>
+              <a:rPr lang="en-US" sz="1800" dirty="0"/>
+            </a:br>
+            <a:r>
+              <a:rPr lang="en-US" sz="1800" dirty="0"/>
+              <a:t>FULL OUTER JOIN Orders ON </a:t>
+            </a:r>
+            <a:r>
+              <a:rPr lang="en-US" sz="1800" dirty="0" err="1"/>
+              <a:t>Customers.CustomerID</a:t>
+            </a:r>
+            <a:r>
+              <a:rPr lang="en-US" sz="1800" dirty="0"/>
+              <a:t>=</a:t>
+            </a:r>
+            <a:r>
+              <a:rPr lang="en-US" sz="1800" dirty="0" err="1"/>
+              <a:t>Orders.CustomerID</a:t>
+            </a:r>
+            <a:r>
+              <a:rPr lang="en-US" sz="1800" dirty="0"/>
+              <a:t/>
+            </a:r>
+            <a:br>
+              <a:rPr lang="en-US" sz="1800" dirty="0"/>
+            </a:br>
+            <a:r>
+              <a:rPr lang="en-US" sz="1800" dirty="0"/>
+              <a:t>ORDER BY </a:t>
+            </a:r>
+            <a:r>
+              <a:rPr lang="en-US" sz="1800" dirty="0" err="1"/>
+              <a:t>Customers.CustomerName</a:t>
+            </a:r>
+            <a:r>
+              <a:rPr lang="en-US" sz="1800" dirty="0"/>
+              <a:t>;</a:t>
+            </a:r>
+            <a:endParaRPr lang="en-IN" sz="1800" dirty="0"/>
+          </a:p>
+        </p:txBody>
+      </p:sp>
+    </p:spTree>
+    <p:extLst>
+      <p:ext uri="{BB962C8B-B14F-4D97-AF65-F5344CB8AC3E}">
+        <p14:creationId xmlns:p14="http://schemas.microsoft.com/office/powerpoint/2010/main" val="3781748674"/>
       </p:ext>
     </p:extLst>
   </p:cSld>
@@ -7350,11 +8990,7 @@
             </a:r>
             <a:r>
               <a:rPr lang="en-US" sz="2400" dirty="0" smtClean="0"/>
-              <a:t> </a:t>
-            </a:r>
-            <a:r>
-              <a:rPr lang="en-US" sz="2400" dirty="0" smtClean="0"/>
-              <a:t>FROM EMPLOYEES;</a:t>
+              <a:t> FROM EMPLOYEES;</a:t>
             </a:r>
           </a:p>
           <a:p>

--- a/SQL-latest.pptx
+++ b/SQL-latest.pptx
@@ -33,6 +33,14 @@
     <p:sldId id="299" r:id="rId27"/>
     <p:sldId id="300" r:id="rId28"/>
     <p:sldId id="301" r:id="rId29"/>
+    <p:sldId id="302" r:id="rId30"/>
+    <p:sldId id="303" r:id="rId31"/>
+    <p:sldId id="304" r:id="rId32"/>
+    <p:sldId id="305" r:id="rId33"/>
+    <p:sldId id="306" r:id="rId34"/>
+    <p:sldId id="307" r:id="rId35"/>
+    <p:sldId id="308" r:id="rId36"/>
+    <p:sldId id="309" r:id="rId37"/>
   </p:sldIdLst>
   <p:sldSz cx="9144000" cy="6858000" type="screen4x3"/>
   <p:notesSz cx="6858000" cy="9144000"/>
@@ -6508,7 +6516,6 @@
               <a:rPr lang="en-IN" sz="3600" dirty="0"/>
               <a:t>SQL JOIN</a:t>
             </a:r>
-            <a:endParaRPr lang="en-IN" sz="3600" dirty="0"/>
           </a:p>
         </p:txBody>
       </p:sp>
@@ -6531,15 +6538,7 @@
           <a:p>
             <a:r>
               <a:rPr lang="en-US" sz="2000" dirty="0"/>
-              <a:t>A </a:t>
-            </a:r>
-            <a:r>
-              <a:rPr lang="en-US" sz="2000" dirty="0"/>
-              <a:t>JOIN</a:t>
-            </a:r>
-            <a:r>
-              <a:rPr lang="en-US" sz="2000" dirty="0"/>
-              <a:t> clause is used to combine rows from two or more tables, based on a related column between them</a:t>
+              <a:t>A JOIN clause is used to combine rows from two or more tables, based on a related column between them</a:t>
             </a:r>
             <a:r>
               <a:rPr lang="en-US" sz="2000" dirty="0" smtClean="0"/>
@@ -6941,10 +6940,6 @@
               <a:rPr lang="en-US" sz="1800" dirty="0"/>
               <a:t>FROM Orders</a:t>
             </a:r>
-            <a:r>
-              <a:rPr lang="en-US" sz="1800" dirty="0"/>
-              <a:t/>
-            </a:r>
             <a:br>
               <a:rPr lang="en-US" sz="1800" dirty="0"/>
             </a:br>
@@ -7053,15 +7048,7 @@
           <a:p>
             <a:r>
               <a:rPr lang="en-US" sz="1800" dirty="0"/>
-              <a:t>The </a:t>
-            </a:r>
-            <a:r>
-              <a:rPr lang="en-US" sz="1800" dirty="0"/>
-              <a:t>LEFT JOIN</a:t>
-            </a:r>
-            <a:r>
-              <a:rPr lang="en-US" sz="1800" dirty="0"/>
-              <a:t> keyword returns all records from the left table (table1), and the matching records from the right table (table2). The result is 0 records from the right side, if there is no match</a:t>
+              <a:t>The LEFT JOIN keyword returns all records from the left table (table1), and the matching records from the right table (table2). The result is 0 records from the right side, if there is no match</a:t>
             </a:r>
             <a:r>
               <a:rPr lang="en-US" sz="1800" dirty="0" smtClean="0"/>
@@ -7329,10 +7316,6 @@
               <a:rPr lang="en-US" sz="1800" dirty="0"/>
               <a:t>FROM Customers</a:t>
             </a:r>
-            <a:r>
-              <a:rPr lang="en-US" sz="1800" dirty="0"/>
-              <a:t/>
-            </a:r>
             <a:br>
               <a:rPr lang="en-US" sz="1800" dirty="0"/>
             </a:br>
@@ -7464,15 +7447,7 @@
           <a:p>
             <a:r>
               <a:rPr lang="en-US" sz="1800" dirty="0"/>
-              <a:t>The </a:t>
-            </a:r>
-            <a:r>
-              <a:rPr lang="en-US" sz="1800" dirty="0"/>
-              <a:t>RIGHT JOIN</a:t>
-            </a:r>
-            <a:r>
-              <a:rPr lang="en-US" sz="1800" dirty="0"/>
-              <a:t> keyword returns all records from the right table (table2), and the matching records from the left table (table1). The result is 0 records from the left side, if there is no match</a:t>
+              <a:t>The RIGHT JOIN keyword returns all records from the right table (table2), and the matching records from the left table (table1). The result is 0 records from the left side, if there is no match</a:t>
             </a:r>
             <a:r>
               <a:rPr lang="en-US" sz="1800" dirty="0" smtClean="0"/>
@@ -7870,15 +7845,7 @@
           <a:p>
             <a:r>
               <a:rPr lang="en-US" sz="1800" dirty="0"/>
-              <a:t>The </a:t>
-            </a:r>
-            <a:r>
-              <a:rPr lang="en-US" sz="1800" dirty="0"/>
-              <a:t>FULL OUTER JOIN</a:t>
-            </a:r>
-            <a:r>
-              <a:rPr lang="en-US" sz="1800" dirty="0"/>
-              <a:t> keyword returns all records when there is a match in left (table1) or right (table2) table records</a:t>
+              <a:t>The FULL OUTER JOIN keyword returns all records when there is a match in left (table1) or right (table2) table records</a:t>
             </a:r>
             <a:r>
               <a:rPr lang="en-US" sz="1800" dirty="0" smtClean="0"/>
@@ -8156,10 +8123,6 @@
               <a:rPr lang="en-US" sz="1800" dirty="0"/>
               <a:t>FROM Customers</a:t>
             </a:r>
-            <a:r>
-              <a:rPr lang="en-US" sz="1800" dirty="0"/>
-              <a:t/>
-            </a:r>
             <a:br>
               <a:rPr lang="en-US" sz="1800" dirty="0"/>
             </a:br>
@@ -8206,6 +8169,238 @@
     <p:extLst>
       <p:ext uri="{BB962C8B-B14F-4D97-AF65-F5344CB8AC3E}">
         <p14:creationId xmlns:p14="http://schemas.microsoft.com/office/powerpoint/2010/main" val="3781748674"/>
+      </p:ext>
+    </p:extLst>
+  </p:cSld>
+  <p:clrMapOvr>
+    <a:masterClrMapping/>
+  </p:clrMapOvr>
+</p:sld>
+</file>
+
+<file path=ppt/slides/slide29.xml><?xml version="1.0" encoding="utf-8"?>
+<p:sld xmlns:a="http://schemas.openxmlformats.org/drawingml/2006/main" xmlns:r="http://schemas.openxmlformats.org/officeDocument/2006/relationships" xmlns:p="http://schemas.openxmlformats.org/presentationml/2006/main">
+  <p:cSld>
+    <p:spTree>
+      <p:nvGrpSpPr>
+        <p:cNvPr id="1" name=""/>
+        <p:cNvGrpSpPr/>
+        <p:nvPr/>
+      </p:nvGrpSpPr>
+      <p:grpSpPr>
+        <a:xfrm>
+          <a:off x="0" y="0"/>
+          <a:ext cx="0" cy="0"/>
+          <a:chOff x="0" y="0"/>
+          <a:chExt cx="0" cy="0"/>
+        </a:xfrm>
+      </p:grpSpPr>
+      <p:sp>
+        <p:nvSpPr>
+          <p:cNvPr id="2" name="Title 1"/>
+          <p:cNvSpPr>
+            <a:spLocks noGrp="1"/>
+          </p:cNvSpPr>
+          <p:nvPr>
+            <p:ph type="title"/>
+          </p:nvPr>
+        </p:nvSpPr>
+        <p:spPr/>
+        <p:txBody>
+          <a:bodyPr>
+            <a:normAutofit fontScale="90000"/>
+          </a:bodyPr>
+          <a:lstStyle/>
+          <a:p>
+            <a:r>
+              <a:rPr lang="en-IN" sz="3600" dirty="0"/>
+              <a:t>The SQL UNION Operator</a:t>
+            </a:r>
+            <a:r>
+              <a:rPr lang="en-IN" dirty="0"/>
+              <a:t/>
+            </a:r>
+            <a:br>
+              <a:rPr lang="en-IN" dirty="0"/>
+            </a:br>
+            <a:endParaRPr lang="en-IN" dirty="0"/>
+          </a:p>
+        </p:txBody>
+      </p:sp>
+      <p:sp>
+        <p:nvSpPr>
+          <p:cNvPr id="3" name="Content Placeholder 2"/>
+          <p:cNvSpPr>
+            <a:spLocks noGrp="1"/>
+          </p:cNvSpPr>
+          <p:nvPr>
+            <p:ph idx="1"/>
+          </p:nvPr>
+        </p:nvSpPr>
+        <p:spPr/>
+        <p:txBody>
+          <a:bodyPr>
+            <a:normAutofit/>
+          </a:bodyPr>
+          <a:lstStyle/>
+          <a:p>
+            <a:r>
+              <a:rPr lang="en-US" sz="1800" dirty="0"/>
+              <a:t>The </a:t>
+            </a:r>
+            <a:r>
+              <a:rPr lang="en-US" sz="1800" dirty="0"/>
+              <a:t>UNION</a:t>
+            </a:r>
+            <a:r>
+              <a:rPr lang="en-US" sz="1800" dirty="0"/>
+              <a:t> operator is used to combine the result-set of two or more </a:t>
+            </a:r>
+            <a:r>
+              <a:rPr lang="en-US" sz="1800" dirty="0"/>
+              <a:t>SELECT</a:t>
+            </a:r>
+            <a:r>
+              <a:rPr lang="en-US" sz="1800" dirty="0"/>
+              <a:t> statements</a:t>
+            </a:r>
+            <a:r>
+              <a:rPr lang="en-US" sz="1800" dirty="0" smtClean="0"/>
+              <a:t>.</a:t>
+            </a:r>
+          </a:p>
+          <a:p>
+            <a:endParaRPr lang="en-US" sz="1800" dirty="0"/>
+          </a:p>
+          <a:p>
+            <a:r>
+              <a:rPr lang="en-US" sz="1800" dirty="0"/>
+              <a:t>UNION </a:t>
+            </a:r>
+            <a:r>
+              <a:rPr lang="en-US" sz="1800" dirty="0" smtClean="0"/>
+              <a:t>Syntax:</a:t>
+            </a:r>
+            <a:endParaRPr lang="en-US" sz="1800" dirty="0"/>
+          </a:p>
+          <a:p>
+            <a:r>
+              <a:rPr lang="en-US" sz="1800" dirty="0"/>
+              <a:t>SELECT </a:t>
+            </a:r>
+            <a:r>
+              <a:rPr lang="en-US" sz="1800" i="1" dirty="0" err="1"/>
+              <a:t>column_name</a:t>
+            </a:r>
+            <a:r>
+              <a:rPr lang="en-US" sz="1800" i="1" dirty="0"/>
+              <a:t>(s)</a:t>
+            </a:r>
+            <a:r>
+              <a:rPr lang="en-US" sz="1800" dirty="0"/>
+              <a:t> FROM </a:t>
+            </a:r>
+            <a:r>
+              <a:rPr lang="en-US" sz="1800" i="1" dirty="0"/>
+              <a:t>table1</a:t>
+            </a:r>
+            <a:r>
+              <a:rPr lang="en-US" sz="1800" dirty="0"/>
+              <a:t/>
+            </a:r>
+            <a:br>
+              <a:rPr lang="en-US" sz="1800" dirty="0"/>
+            </a:br>
+            <a:r>
+              <a:rPr lang="en-US" sz="1800" dirty="0"/>
+              <a:t>UNION</a:t>
+            </a:r>
+            <a:br>
+              <a:rPr lang="en-US" sz="1800" dirty="0"/>
+            </a:br>
+            <a:r>
+              <a:rPr lang="en-US" sz="1800" dirty="0"/>
+              <a:t>SELECT </a:t>
+            </a:r>
+            <a:r>
+              <a:rPr lang="en-US" sz="1800" i="1" dirty="0" err="1"/>
+              <a:t>column_name</a:t>
+            </a:r>
+            <a:r>
+              <a:rPr lang="en-US" sz="1800" i="1" dirty="0"/>
+              <a:t>(s)</a:t>
+            </a:r>
+            <a:r>
+              <a:rPr lang="en-US" sz="1800" dirty="0"/>
+              <a:t> FROM </a:t>
+            </a:r>
+            <a:r>
+              <a:rPr lang="en-US" sz="1800" i="1" dirty="0"/>
+              <a:t>table2</a:t>
+            </a:r>
+            <a:r>
+              <a:rPr lang="en-US" sz="1800" dirty="0"/>
+              <a:t>;</a:t>
+            </a:r>
+          </a:p>
+          <a:p>
+            <a:endParaRPr lang="en-US" sz="1800" dirty="0" smtClean="0"/>
+          </a:p>
+          <a:p>
+            <a:endParaRPr lang="en-US" sz="1800" dirty="0"/>
+          </a:p>
+          <a:p>
+            <a:r>
+              <a:rPr lang="en-US" sz="1800" dirty="0" smtClean="0"/>
+              <a:t>Example:</a:t>
+            </a:r>
+          </a:p>
+          <a:p>
+            <a:r>
+              <a:rPr lang="en-US" sz="1800" dirty="0"/>
+              <a:t>SELECT City FROM Customers</a:t>
+            </a:r>
+            <a:r>
+              <a:rPr lang="en-US" sz="1800" dirty="0"/>
+              <a:t/>
+            </a:r>
+            <a:br>
+              <a:rPr lang="en-US" sz="1800" dirty="0"/>
+            </a:br>
+            <a:r>
+              <a:rPr lang="en-US" sz="1800" dirty="0"/>
+              <a:t>UNION</a:t>
+            </a:r>
+            <a:r>
+              <a:rPr lang="en-US" sz="1800" dirty="0"/>
+              <a:t/>
+            </a:r>
+            <a:br>
+              <a:rPr lang="en-US" sz="1800" dirty="0"/>
+            </a:br>
+            <a:r>
+              <a:rPr lang="en-US" sz="1800" dirty="0"/>
+              <a:t>SELECT City FROM Suppliers</a:t>
+            </a:r>
+            <a:r>
+              <a:rPr lang="en-US" sz="1800" dirty="0"/>
+              <a:t/>
+            </a:r>
+            <a:br>
+              <a:rPr lang="en-US" sz="1800" dirty="0"/>
+            </a:br>
+            <a:r>
+              <a:rPr lang="en-US" sz="1800" dirty="0"/>
+              <a:t>ORDER BY City;</a:t>
+            </a:r>
+            <a:endParaRPr lang="en-IN" sz="1800" dirty="0"/>
+          </a:p>
+        </p:txBody>
+      </p:sp>
+    </p:spTree>
+    <p:extLst>
+      <p:ext uri="{BB962C8B-B14F-4D97-AF65-F5344CB8AC3E}">
+        <p14:creationId xmlns:p14="http://schemas.microsoft.com/office/powerpoint/2010/main" val="1762266607"/>
       </p:ext>
     </p:extLst>
   </p:cSld>
@@ -8485,6 +8680,1522 @@
         </p:txBody>
       </p:sp>
     </p:spTree>
+  </p:cSld>
+  <p:clrMapOvr>
+    <a:masterClrMapping/>
+  </p:clrMapOvr>
+</p:sld>
+</file>
+
+<file path=ppt/slides/slide30.xml><?xml version="1.0" encoding="utf-8"?>
+<p:sld xmlns:a="http://schemas.openxmlformats.org/drawingml/2006/main" xmlns:r="http://schemas.openxmlformats.org/officeDocument/2006/relationships" xmlns:p="http://schemas.openxmlformats.org/presentationml/2006/main">
+  <p:cSld>
+    <p:spTree>
+      <p:nvGrpSpPr>
+        <p:cNvPr id="1" name=""/>
+        <p:cNvGrpSpPr/>
+        <p:nvPr/>
+      </p:nvGrpSpPr>
+      <p:grpSpPr>
+        <a:xfrm>
+          <a:off x="0" y="0"/>
+          <a:ext cx="0" cy="0"/>
+          <a:chOff x="0" y="0"/>
+          <a:chExt cx="0" cy="0"/>
+        </a:xfrm>
+      </p:grpSpPr>
+      <p:sp>
+        <p:nvSpPr>
+          <p:cNvPr id="2" name="Title 1"/>
+          <p:cNvSpPr>
+            <a:spLocks noGrp="1"/>
+          </p:cNvSpPr>
+          <p:nvPr>
+            <p:ph type="title"/>
+          </p:nvPr>
+        </p:nvSpPr>
+        <p:spPr/>
+        <p:txBody>
+          <a:bodyPr>
+            <a:normAutofit fontScale="90000"/>
+          </a:bodyPr>
+          <a:lstStyle/>
+          <a:p>
+            <a:r>
+              <a:rPr lang="en-US" sz="3600" dirty="0"/>
+              <a:t>The SQL GROUP BY Statement</a:t>
+            </a:r>
+            <a:r>
+              <a:rPr lang="en-US" dirty="0"/>
+              <a:t/>
+            </a:r>
+            <a:br>
+              <a:rPr lang="en-US" dirty="0"/>
+            </a:br>
+            <a:endParaRPr lang="en-IN" dirty="0"/>
+          </a:p>
+        </p:txBody>
+      </p:sp>
+      <p:sp>
+        <p:nvSpPr>
+          <p:cNvPr id="3" name="Content Placeholder 2"/>
+          <p:cNvSpPr>
+            <a:spLocks noGrp="1"/>
+          </p:cNvSpPr>
+          <p:nvPr>
+            <p:ph idx="1"/>
+          </p:nvPr>
+        </p:nvSpPr>
+        <p:spPr/>
+        <p:txBody>
+          <a:bodyPr>
+            <a:normAutofit/>
+          </a:bodyPr>
+          <a:lstStyle/>
+          <a:p>
+            <a:r>
+              <a:rPr lang="en-US" sz="1800" dirty="0"/>
+              <a:t>The </a:t>
+            </a:r>
+            <a:r>
+              <a:rPr lang="en-US" sz="1800" dirty="0"/>
+              <a:t>GROUP BY</a:t>
+            </a:r>
+            <a:r>
+              <a:rPr lang="en-US" sz="1800" dirty="0"/>
+              <a:t> statement groups rows that have the same values into summary rows, like "find the number of customers in each country</a:t>
+            </a:r>
+            <a:r>
+              <a:rPr lang="en-US" sz="1800" dirty="0" smtClean="0"/>
+              <a:t>".</a:t>
+            </a:r>
+          </a:p>
+          <a:p>
+            <a:endParaRPr lang="en-US" sz="1800" dirty="0"/>
+          </a:p>
+          <a:p>
+            <a:r>
+              <a:rPr lang="en-US" sz="1800" dirty="0"/>
+              <a:t>GROUP BY </a:t>
+            </a:r>
+            <a:r>
+              <a:rPr lang="en-US" sz="1800" dirty="0" smtClean="0"/>
+              <a:t>Syntax:</a:t>
+            </a:r>
+            <a:endParaRPr lang="en-US" sz="1800" dirty="0"/>
+          </a:p>
+          <a:p>
+            <a:r>
+              <a:rPr lang="en-US" sz="1800" dirty="0"/>
+              <a:t>SELECT </a:t>
+            </a:r>
+            <a:r>
+              <a:rPr lang="en-US" sz="1800" i="1" dirty="0" err="1"/>
+              <a:t>column_name</a:t>
+            </a:r>
+            <a:r>
+              <a:rPr lang="en-US" sz="1800" i="1" dirty="0"/>
+              <a:t>(s)</a:t>
+            </a:r>
+            <a:r>
+              <a:rPr lang="en-US" sz="1800" dirty="0"/>
+              <a:t/>
+            </a:r>
+            <a:br>
+              <a:rPr lang="en-US" sz="1800" dirty="0"/>
+            </a:br>
+            <a:r>
+              <a:rPr lang="en-US" sz="1800" dirty="0"/>
+              <a:t>FROM </a:t>
+            </a:r>
+            <a:r>
+              <a:rPr lang="en-US" sz="1800" i="1" dirty="0" err="1"/>
+              <a:t>table_name</a:t>
+            </a:r>
+            <a:r>
+              <a:rPr lang="en-US" sz="1800" dirty="0"/>
+              <a:t/>
+            </a:r>
+            <a:br>
+              <a:rPr lang="en-US" sz="1800" dirty="0"/>
+            </a:br>
+            <a:r>
+              <a:rPr lang="en-US" sz="1800" dirty="0"/>
+              <a:t>WHERE </a:t>
+            </a:r>
+            <a:r>
+              <a:rPr lang="en-US" sz="1800" i="1" dirty="0"/>
+              <a:t>condition</a:t>
+            </a:r>
+            <a:r>
+              <a:rPr lang="en-US" sz="1800" dirty="0"/>
+              <a:t/>
+            </a:r>
+            <a:br>
+              <a:rPr lang="en-US" sz="1800" dirty="0"/>
+            </a:br>
+            <a:r>
+              <a:rPr lang="en-US" sz="1800" dirty="0"/>
+              <a:t>GROUP BY </a:t>
+            </a:r>
+            <a:r>
+              <a:rPr lang="en-US" sz="1800" i="1" dirty="0" err="1"/>
+              <a:t>column_name</a:t>
+            </a:r>
+            <a:r>
+              <a:rPr lang="en-US" sz="1800" i="1" dirty="0"/>
+              <a:t>(s)</a:t>
+            </a:r>
+            <a:br>
+              <a:rPr lang="en-US" sz="1800" i="1" dirty="0"/>
+            </a:br>
+            <a:r>
+              <a:rPr lang="en-US" sz="1800" dirty="0"/>
+              <a:t>ORDER BY </a:t>
+            </a:r>
+            <a:r>
+              <a:rPr lang="en-US" sz="1800" i="1" dirty="0" err="1"/>
+              <a:t>column_name</a:t>
+            </a:r>
+            <a:r>
+              <a:rPr lang="en-US" sz="1800" i="1" dirty="0"/>
+              <a:t>(s);</a:t>
+            </a:r>
+            <a:endParaRPr lang="en-US" sz="1800" dirty="0"/>
+          </a:p>
+          <a:p>
+            <a:pPr marL="0" indent="0">
+              <a:buNone/>
+            </a:pPr>
+            <a:r>
+              <a:rPr lang="en-US" sz="1800" dirty="0" smtClean="0"/>
+              <a:t>Example:</a:t>
+            </a:r>
+          </a:p>
+          <a:p>
+            <a:r>
+              <a:rPr lang="en-US" sz="1800" dirty="0"/>
+              <a:t>SELECT COUNT(</a:t>
+            </a:r>
+            <a:r>
+              <a:rPr lang="en-US" sz="1800" dirty="0" err="1"/>
+              <a:t>CustomerID</a:t>
+            </a:r>
+            <a:r>
+              <a:rPr lang="en-US" sz="1800" dirty="0"/>
+              <a:t>), Country</a:t>
+            </a:r>
+            <a:r>
+              <a:rPr lang="en-US" sz="1800" dirty="0"/>
+              <a:t/>
+            </a:r>
+            <a:br>
+              <a:rPr lang="en-US" sz="1800" dirty="0"/>
+            </a:br>
+            <a:r>
+              <a:rPr lang="en-US" sz="1800" dirty="0"/>
+              <a:t>FROM Customers</a:t>
+            </a:r>
+            <a:r>
+              <a:rPr lang="en-US" sz="1800" dirty="0"/>
+              <a:t/>
+            </a:r>
+            <a:br>
+              <a:rPr lang="en-US" sz="1800" dirty="0"/>
+            </a:br>
+            <a:r>
+              <a:rPr lang="en-US" sz="1800" dirty="0"/>
+              <a:t>GROUP BY Country</a:t>
+            </a:r>
+            <a:r>
+              <a:rPr lang="en-US" sz="1800" dirty="0" smtClean="0"/>
+              <a:t>;</a:t>
+            </a:r>
+          </a:p>
+        </p:txBody>
+      </p:sp>
+    </p:spTree>
+    <p:extLst>
+      <p:ext uri="{BB962C8B-B14F-4D97-AF65-F5344CB8AC3E}">
+        <p14:creationId xmlns:p14="http://schemas.microsoft.com/office/powerpoint/2010/main" val="2706434316"/>
+      </p:ext>
+    </p:extLst>
+  </p:cSld>
+  <p:clrMapOvr>
+    <a:masterClrMapping/>
+  </p:clrMapOvr>
+</p:sld>
+</file>
+
+<file path=ppt/slides/slide31.xml><?xml version="1.0" encoding="utf-8"?>
+<p:sld xmlns:a="http://schemas.openxmlformats.org/drawingml/2006/main" xmlns:r="http://schemas.openxmlformats.org/officeDocument/2006/relationships" xmlns:p="http://schemas.openxmlformats.org/presentationml/2006/main">
+  <p:cSld>
+    <p:spTree>
+      <p:nvGrpSpPr>
+        <p:cNvPr id="1" name=""/>
+        <p:cNvGrpSpPr/>
+        <p:nvPr/>
+      </p:nvGrpSpPr>
+      <p:grpSpPr>
+        <a:xfrm>
+          <a:off x="0" y="0"/>
+          <a:ext cx="0" cy="0"/>
+          <a:chOff x="0" y="0"/>
+          <a:chExt cx="0" cy="0"/>
+        </a:xfrm>
+      </p:grpSpPr>
+      <p:sp>
+        <p:nvSpPr>
+          <p:cNvPr id="2" name="Title 1"/>
+          <p:cNvSpPr>
+            <a:spLocks noGrp="1"/>
+          </p:cNvSpPr>
+          <p:nvPr>
+            <p:ph type="title"/>
+          </p:nvPr>
+        </p:nvSpPr>
+        <p:spPr/>
+        <p:txBody>
+          <a:bodyPr>
+            <a:normAutofit/>
+          </a:bodyPr>
+          <a:lstStyle/>
+          <a:p>
+            <a:r>
+              <a:rPr lang="en-IN" sz="2000" dirty="0"/>
+              <a:t>SQL HAVING Clause</a:t>
+            </a:r>
+            <a:r>
+              <a:rPr lang="en-IN" dirty="0"/>
+              <a:t/>
+            </a:r>
+            <a:br>
+              <a:rPr lang="en-IN" dirty="0"/>
+            </a:br>
+            <a:endParaRPr lang="en-IN" dirty="0"/>
+          </a:p>
+        </p:txBody>
+      </p:sp>
+      <p:sp>
+        <p:nvSpPr>
+          <p:cNvPr id="3" name="Content Placeholder 2"/>
+          <p:cNvSpPr>
+            <a:spLocks noGrp="1"/>
+          </p:cNvSpPr>
+          <p:nvPr>
+            <p:ph idx="1"/>
+          </p:nvPr>
+        </p:nvSpPr>
+        <p:spPr/>
+        <p:txBody>
+          <a:bodyPr>
+            <a:normAutofit lnSpcReduction="10000"/>
+          </a:bodyPr>
+          <a:lstStyle/>
+          <a:p>
+            <a:r>
+              <a:rPr lang="en-US" sz="2000" dirty="0"/>
+              <a:t>The </a:t>
+            </a:r>
+            <a:r>
+              <a:rPr lang="en-US" sz="2000" dirty="0"/>
+              <a:t>HAVING</a:t>
+            </a:r>
+            <a:r>
+              <a:rPr lang="en-US" sz="2000" dirty="0"/>
+              <a:t> clause was added to SQL because the </a:t>
+            </a:r>
+            <a:r>
+              <a:rPr lang="en-US" sz="2000" dirty="0"/>
+              <a:t>WHERE</a:t>
+            </a:r>
+            <a:r>
+              <a:rPr lang="en-US" sz="2000" dirty="0"/>
+              <a:t> keyword cannot be used with aggregate functions</a:t>
+            </a:r>
+            <a:r>
+              <a:rPr lang="en-US" sz="2000" dirty="0" smtClean="0"/>
+              <a:t>.</a:t>
+            </a:r>
+          </a:p>
+          <a:p>
+            <a:pPr marL="0" indent="0">
+              <a:buNone/>
+            </a:pPr>
+            <a:r>
+              <a:rPr lang="en-US" sz="2400" dirty="0" smtClean="0"/>
+              <a:t>HAVING Syntax:</a:t>
+            </a:r>
+            <a:endParaRPr lang="en-US" sz="2400" dirty="0"/>
+          </a:p>
+          <a:p>
+            <a:r>
+              <a:rPr lang="en-US" sz="2000" dirty="0"/>
+              <a:t>SELECT </a:t>
+            </a:r>
+            <a:r>
+              <a:rPr lang="en-US" sz="2000" i="1" dirty="0" err="1"/>
+              <a:t>column_name</a:t>
+            </a:r>
+            <a:r>
+              <a:rPr lang="en-US" sz="2000" i="1" dirty="0"/>
+              <a:t>(s)</a:t>
+            </a:r>
+            <a:r>
+              <a:rPr lang="en-US" sz="2000" dirty="0"/>
+              <a:t/>
+            </a:r>
+            <a:br>
+              <a:rPr lang="en-US" sz="2000" dirty="0"/>
+            </a:br>
+            <a:r>
+              <a:rPr lang="en-US" sz="2000" dirty="0"/>
+              <a:t>FROM </a:t>
+            </a:r>
+            <a:r>
+              <a:rPr lang="en-US" sz="2000" i="1" dirty="0" err="1"/>
+              <a:t>table_name</a:t>
+            </a:r>
+            <a:r>
+              <a:rPr lang="en-US" sz="2000" dirty="0"/>
+              <a:t/>
+            </a:r>
+            <a:br>
+              <a:rPr lang="en-US" sz="2000" dirty="0"/>
+            </a:br>
+            <a:r>
+              <a:rPr lang="en-US" sz="2000" dirty="0"/>
+              <a:t>WHERE </a:t>
+            </a:r>
+            <a:r>
+              <a:rPr lang="en-US" sz="2000" i="1" dirty="0"/>
+              <a:t>condition</a:t>
+            </a:r>
+            <a:r>
+              <a:rPr lang="en-US" sz="2000" dirty="0"/>
+              <a:t/>
+            </a:r>
+            <a:br>
+              <a:rPr lang="en-US" sz="2000" dirty="0"/>
+            </a:br>
+            <a:r>
+              <a:rPr lang="en-US" sz="2000" dirty="0"/>
+              <a:t>GROUP BY </a:t>
+            </a:r>
+            <a:r>
+              <a:rPr lang="en-US" sz="2000" i="1" dirty="0" err="1"/>
+              <a:t>column_name</a:t>
+            </a:r>
+            <a:r>
+              <a:rPr lang="en-US" sz="2000" i="1" dirty="0"/>
+              <a:t>(s)</a:t>
+            </a:r>
+            <a:br>
+              <a:rPr lang="en-US" sz="2000" i="1" dirty="0"/>
+            </a:br>
+            <a:r>
+              <a:rPr lang="en-US" sz="2000" dirty="0"/>
+              <a:t>HAVING </a:t>
+            </a:r>
+            <a:r>
+              <a:rPr lang="en-US" sz="2000" i="1" dirty="0"/>
+              <a:t>condition</a:t>
+            </a:r>
+            <a:br>
+              <a:rPr lang="en-US" sz="2000" i="1" dirty="0"/>
+            </a:br>
+            <a:r>
+              <a:rPr lang="en-US" sz="2000" dirty="0"/>
+              <a:t>ORDER BY </a:t>
+            </a:r>
+            <a:r>
+              <a:rPr lang="en-US" sz="2000" i="1" dirty="0" err="1"/>
+              <a:t>column_name</a:t>
+            </a:r>
+            <a:r>
+              <a:rPr lang="en-US" sz="2000" i="1" dirty="0"/>
+              <a:t>(s);</a:t>
+            </a:r>
+            <a:endParaRPr lang="en-US" sz="2000" dirty="0"/>
+          </a:p>
+          <a:p>
+            <a:pPr marL="0" indent="0">
+              <a:buNone/>
+            </a:pPr>
+            <a:r>
+              <a:rPr lang="en-US" sz="2400" dirty="0" smtClean="0"/>
+              <a:t>Example:</a:t>
+            </a:r>
+            <a:endParaRPr lang="en-US" sz="2400" dirty="0"/>
+          </a:p>
+          <a:p>
+            <a:r>
+              <a:rPr lang="en-US" sz="2000" dirty="0"/>
+              <a:t>SELECT COUNT(</a:t>
+            </a:r>
+            <a:r>
+              <a:rPr lang="en-US" sz="2000" dirty="0" err="1"/>
+              <a:t>CustomerID</a:t>
+            </a:r>
+            <a:r>
+              <a:rPr lang="en-US" sz="2000" dirty="0"/>
+              <a:t>), Country</a:t>
+            </a:r>
+            <a:br>
+              <a:rPr lang="en-US" sz="2000" dirty="0"/>
+            </a:br>
+            <a:r>
+              <a:rPr lang="en-US" sz="2000" dirty="0"/>
+              <a:t>FROM Customers</a:t>
+            </a:r>
+            <a:br>
+              <a:rPr lang="en-US" sz="2000" dirty="0"/>
+            </a:br>
+            <a:r>
+              <a:rPr lang="en-US" sz="2000" dirty="0"/>
+              <a:t>GROUP BY Country</a:t>
+            </a:r>
+            <a:br>
+              <a:rPr lang="en-US" sz="2000" dirty="0"/>
+            </a:br>
+            <a:r>
+              <a:rPr lang="en-US" sz="2000" dirty="0"/>
+              <a:t>HAVING COUNT(</a:t>
+            </a:r>
+            <a:r>
+              <a:rPr lang="en-US" sz="2000" dirty="0" err="1"/>
+              <a:t>CustomerID</a:t>
+            </a:r>
+            <a:r>
+              <a:rPr lang="en-US" sz="2000" dirty="0"/>
+              <a:t>) &gt; 5;</a:t>
+            </a:r>
+          </a:p>
+          <a:p>
+            <a:endParaRPr lang="en-IN" sz="2000" dirty="0"/>
+          </a:p>
+        </p:txBody>
+      </p:sp>
+    </p:spTree>
+    <p:extLst>
+      <p:ext uri="{BB962C8B-B14F-4D97-AF65-F5344CB8AC3E}">
+        <p14:creationId xmlns:p14="http://schemas.microsoft.com/office/powerpoint/2010/main" val="468190340"/>
+      </p:ext>
+    </p:extLst>
+  </p:cSld>
+  <p:clrMapOvr>
+    <a:masterClrMapping/>
+  </p:clrMapOvr>
+</p:sld>
+</file>
+
+<file path=ppt/slides/slide32.xml><?xml version="1.0" encoding="utf-8"?>
+<p:sld xmlns:a="http://schemas.openxmlformats.org/drawingml/2006/main" xmlns:r="http://schemas.openxmlformats.org/officeDocument/2006/relationships" xmlns:p="http://schemas.openxmlformats.org/presentationml/2006/main">
+  <p:cSld>
+    <p:spTree>
+      <p:nvGrpSpPr>
+        <p:cNvPr id="1" name=""/>
+        <p:cNvGrpSpPr/>
+        <p:nvPr/>
+      </p:nvGrpSpPr>
+      <p:grpSpPr>
+        <a:xfrm>
+          <a:off x="0" y="0"/>
+          <a:ext cx="0" cy="0"/>
+          <a:chOff x="0" y="0"/>
+          <a:chExt cx="0" cy="0"/>
+        </a:xfrm>
+      </p:grpSpPr>
+      <p:sp>
+        <p:nvSpPr>
+          <p:cNvPr id="2" name="Title 1"/>
+          <p:cNvSpPr>
+            <a:spLocks noGrp="1"/>
+          </p:cNvSpPr>
+          <p:nvPr>
+            <p:ph type="title"/>
+          </p:nvPr>
+        </p:nvSpPr>
+        <p:spPr/>
+        <p:txBody>
+          <a:bodyPr>
+            <a:normAutofit/>
+          </a:bodyPr>
+          <a:lstStyle/>
+          <a:p>
+            <a:r>
+              <a:rPr lang="en-IN" sz="2200" dirty="0"/>
+              <a:t>SQL EXISTS Operator</a:t>
+            </a:r>
+            <a:r>
+              <a:rPr lang="en-IN" dirty="0"/>
+              <a:t/>
+            </a:r>
+            <a:br>
+              <a:rPr lang="en-IN" dirty="0"/>
+            </a:br>
+            <a:endParaRPr lang="en-IN" dirty="0"/>
+          </a:p>
+        </p:txBody>
+      </p:sp>
+      <p:sp>
+        <p:nvSpPr>
+          <p:cNvPr id="3" name="Content Placeholder 2"/>
+          <p:cNvSpPr>
+            <a:spLocks noGrp="1"/>
+          </p:cNvSpPr>
+          <p:nvPr>
+            <p:ph idx="1"/>
+          </p:nvPr>
+        </p:nvSpPr>
+        <p:spPr/>
+        <p:txBody>
+          <a:bodyPr>
+            <a:normAutofit lnSpcReduction="10000"/>
+          </a:bodyPr>
+          <a:lstStyle/>
+          <a:p>
+            <a:r>
+              <a:rPr lang="en-US" sz="2000" dirty="0"/>
+              <a:t>The EXISTS operator is used to test for the existence of any record in a </a:t>
+            </a:r>
+            <a:r>
+              <a:rPr lang="en-US" sz="2000" dirty="0" err="1"/>
+              <a:t>subquery</a:t>
+            </a:r>
+            <a:r>
+              <a:rPr lang="en-US" sz="2000" dirty="0"/>
+              <a:t>.</a:t>
+            </a:r>
+          </a:p>
+          <a:p>
+            <a:r>
+              <a:rPr lang="en-US" sz="2000" dirty="0"/>
+              <a:t>The EXISTS operator returns TRUE if the </a:t>
+            </a:r>
+            <a:r>
+              <a:rPr lang="en-US" sz="2000" dirty="0" err="1"/>
+              <a:t>subquery</a:t>
+            </a:r>
+            <a:r>
+              <a:rPr lang="en-US" sz="2000" dirty="0"/>
+              <a:t> returns one or more records.</a:t>
+            </a:r>
+          </a:p>
+          <a:p>
+            <a:r>
+              <a:rPr lang="en-US" sz="1800" dirty="0" smtClean="0"/>
+              <a:t>Syntax:</a:t>
+            </a:r>
+          </a:p>
+          <a:p>
+            <a:r>
+              <a:rPr lang="en-US" sz="1800" dirty="0"/>
+              <a:t>SELECT </a:t>
+            </a:r>
+            <a:r>
+              <a:rPr lang="en-US" sz="1800" i="1" dirty="0" err="1"/>
+              <a:t>column_name</a:t>
+            </a:r>
+            <a:r>
+              <a:rPr lang="en-US" sz="1800" i="1" dirty="0"/>
+              <a:t>(s)</a:t>
+            </a:r>
+            <a:r>
+              <a:rPr lang="en-US" sz="1800" dirty="0"/>
+              <a:t/>
+            </a:r>
+            <a:br>
+              <a:rPr lang="en-US" sz="1800" dirty="0"/>
+            </a:br>
+            <a:r>
+              <a:rPr lang="en-US" sz="1800" dirty="0"/>
+              <a:t>FROM </a:t>
+            </a:r>
+            <a:r>
+              <a:rPr lang="en-US" sz="1800" i="1" dirty="0" err="1"/>
+              <a:t>table_name</a:t>
+            </a:r>
+            <a:r>
+              <a:rPr lang="en-US" sz="1800" dirty="0"/>
+              <a:t/>
+            </a:r>
+            <a:br>
+              <a:rPr lang="en-US" sz="1800" dirty="0"/>
+            </a:br>
+            <a:r>
+              <a:rPr lang="en-US" sz="1800" dirty="0"/>
+              <a:t>WHERE EXISTS</a:t>
+            </a:r>
+            <a:r>
+              <a:rPr lang="en-US" sz="1800" dirty="0"/>
+              <a:t/>
+            </a:r>
+            <a:br>
+              <a:rPr lang="en-US" sz="1800" dirty="0"/>
+            </a:br>
+            <a:r>
+              <a:rPr lang="en-US" sz="1800" dirty="0"/>
+              <a:t>(</a:t>
+            </a:r>
+            <a:r>
+              <a:rPr lang="en-US" sz="1800" dirty="0" smtClean="0"/>
+              <a:t>SELECT</a:t>
+            </a:r>
+            <a:r>
+              <a:rPr lang="en-US" sz="1800" dirty="0"/>
+              <a:t> </a:t>
+            </a:r>
+            <a:r>
+              <a:rPr lang="en-US" sz="1800" i="1" dirty="0" err="1"/>
+              <a:t>column_name</a:t>
+            </a:r>
+            <a:r>
+              <a:rPr lang="en-US" sz="1800" i="1" dirty="0"/>
+              <a:t> </a:t>
+            </a:r>
+            <a:r>
+              <a:rPr lang="en-US" sz="1800" dirty="0"/>
+              <a:t>FROM </a:t>
+            </a:r>
+            <a:r>
+              <a:rPr lang="en-US" sz="1800" i="1" dirty="0" err="1"/>
+              <a:t>table_name</a:t>
+            </a:r>
+            <a:r>
+              <a:rPr lang="en-US" sz="1800" dirty="0"/>
+              <a:t> WHERE </a:t>
+            </a:r>
+            <a:r>
+              <a:rPr lang="en-US" sz="1800" i="1" dirty="0"/>
+              <a:t>condition</a:t>
+            </a:r>
+            <a:r>
+              <a:rPr lang="en-US" sz="1800" dirty="0" smtClean="0"/>
+              <a:t>);</a:t>
+            </a:r>
+          </a:p>
+          <a:p>
+            <a:r>
+              <a:rPr lang="en-US" sz="1800" dirty="0" smtClean="0"/>
+              <a:t>Example:</a:t>
+            </a:r>
+          </a:p>
+          <a:p>
+            <a:r>
+              <a:rPr lang="en-US" sz="1800" dirty="0"/>
+              <a:t>Example</a:t>
+            </a:r>
+          </a:p>
+          <a:p>
+            <a:r>
+              <a:rPr lang="en-US" sz="1800" dirty="0"/>
+              <a:t>SELECT </a:t>
+            </a:r>
+            <a:r>
+              <a:rPr lang="en-US" sz="1800" dirty="0" err="1"/>
+              <a:t>SupplierName</a:t>
+            </a:r>
+            <a:r>
+              <a:rPr lang="en-US" sz="1800" dirty="0"/>
+              <a:t/>
+            </a:r>
+            <a:br>
+              <a:rPr lang="en-US" sz="1800" dirty="0"/>
+            </a:br>
+            <a:r>
+              <a:rPr lang="en-US" sz="1800" dirty="0"/>
+              <a:t>FROM Suppliers</a:t>
+            </a:r>
+            <a:br>
+              <a:rPr lang="en-US" sz="1800" dirty="0"/>
+            </a:br>
+            <a:r>
+              <a:rPr lang="en-US" sz="1800" dirty="0"/>
+              <a:t>WHERE EXISTS (SELECT </a:t>
+            </a:r>
+            <a:r>
+              <a:rPr lang="en-US" sz="1800" dirty="0" err="1"/>
+              <a:t>ProductName</a:t>
+            </a:r>
+            <a:r>
+              <a:rPr lang="en-US" sz="1800" dirty="0"/>
+              <a:t> FROM Products WHERE </a:t>
+            </a:r>
+            <a:r>
+              <a:rPr lang="en-US" sz="1800" dirty="0" err="1"/>
+              <a:t>Products.SupplierID</a:t>
+            </a:r>
+            <a:r>
+              <a:rPr lang="en-US" sz="1800" dirty="0"/>
+              <a:t> = </a:t>
+            </a:r>
+            <a:r>
+              <a:rPr lang="en-US" sz="1800" dirty="0" err="1"/>
+              <a:t>Suppliers.supplierID</a:t>
+            </a:r>
+            <a:r>
+              <a:rPr lang="en-US" sz="1800" dirty="0"/>
+              <a:t> AND Price &lt; 20);</a:t>
+            </a:r>
+          </a:p>
+          <a:p>
+            <a:endParaRPr lang="en-IN" sz="1800" dirty="0"/>
+          </a:p>
+        </p:txBody>
+      </p:sp>
+    </p:spTree>
+    <p:extLst>
+      <p:ext uri="{BB962C8B-B14F-4D97-AF65-F5344CB8AC3E}">
+        <p14:creationId xmlns:p14="http://schemas.microsoft.com/office/powerpoint/2010/main" val="3374511996"/>
+      </p:ext>
+    </p:extLst>
+  </p:cSld>
+  <p:clrMapOvr>
+    <a:masterClrMapping/>
+  </p:clrMapOvr>
+</p:sld>
+</file>
+
+<file path=ppt/slides/slide33.xml><?xml version="1.0" encoding="utf-8"?>
+<p:sld xmlns:a="http://schemas.openxmlformats.org/drawingml/2006/main" xmlns:r="http://schemas.openxmlformats.org/officeDocument/2006/relationships" xmlns:p="http://schemas.openxmlformats.org/presentationml/2006/main">
+  <p:cSld>
+    <p:spTree>
+      <p:nvGrpSpPr>
+        <p:cNvPr id="1" name=""/>
+        <p:cNvGrpSpPr/>
+        <p:nvPr/>
+      </p:nvGrpSpPr>
+      <p:grpSpPr>
+        <a:xfrm>
+          <a:off x="0" y="0"/>
+          <a:ext cx="0" cy="0"/>
+          <a:chOff x="0" y="0"/>
+          <a:chExt cx="0" cy="0"/>
+        </a:xfrm>
+      </p:grpSpPr>
+      <p:sp>
+        <p:nvSpPr>
+          <p:cNvPr id="2" name="Title 1"/>
+          <p:cNvSpPr>
+            <a:spLocks noGrp="1"/>
+          </p:cNvSpPr>
+          <p:nvPr>
+            <p:ph type="title"/>
+          </p:nvPr>
+        </p:nvSpPr>
+        <p:spPr/>
+        <p:txBody>
+          <a:bodyPr>
+            <a:normAutofit/>
+          </a:bodyPr>
+          <a:lstStyle/>
+          <a:p>
+            <a:r>
+              <a:rPr lang="en-US" sz="2200" dirty="0"/>
+              <a:t>SQL ANY and ALL Operators</a:t>
+            </a:r>
+            <a:r>
+              <a:rPr lang="en-US" dirty="0"/>
+              <a:t/>
+            </a:r>
+            <a:br>
+              <a:rPr lang="en-US" dirty="0"/>
+            </a:br>
+            <a:endParaRPr lang="en-IN" dirty="0"/>
+          </a:p>
+        </p:txBody>
+      </p:sp>
+      <p:sp>
+        <p:nvSpPr>
+          <p:cNvPr id="3" name="Content Placeholder 2"/>
+          <p:cNvSpPr>
+            <a:spLocks noGrp="1"/>
+          </p:cNvSpPr>
+          <p:nvPr>
+            <p:ph idx="1"/>
+          </p:nvPr>
+        </p:nvSpPr>
+        <p:spPr/>
+        <p:txBody>
+          <a:bodyPr>
+            <a:normAutofit/>
+          </a:bodyPr>
+          <a:lstStyle/>
+          <a:p>
+            <a:r>
+              <a:rPr lang="en-US" sz="1800" dirty="0"/>
+              <a:t>The </a:t>
+            </a:r>
+            <a:r>
+              <a:rPr lang="en-US" sz="1800" dirty="0"/>
+              <a:t>ANY</a:t>
+            </a:r>
+            <a:r>
+              <a:rPr lang="en-US" sz="1800" dirty="0"/>
+              <a:t> and </a:t>
+            </a:r>
+            <a:r>
+              <a:rPr lang="en-US" sz="1800" dirty="0"/>
+              <a:t>ALL</a:t>
+            </a:r>
+            <a:r>
+              <a:rPr lang="en-US" sz="1800" dirty="0"/>
+              <a:t> operators allow you to perform a comparison between a single column value and a range of other values</a:t>
+            </a:r>
+            <a:r>
+              <a:rPr lang="en-US" sz="1800" dirty="0" smtClean="0"/>
+              <a:t>.</a:t>
+            </a:r>
+          </a:p>
+          <a:p>
+            <a:r>
+              <a:rPr lang="en-US" sz="1800" dirty="0"/>
+              <a:t>The ANY operator:</a:t>
+            </a:r>
+          </a:p>
+          <a:p>
+            <a:r>
+              <a:rPr lang="en-US" sz="1800" dirty="0"/>
+              <a:t>returns a </a:t>
+            </a:r>
+            <a:r>
+              <a:rPr lang="en-US" sz="1800" dirty="0" err="1"/>
+              <a:t>boolean</a:t>
+            </a:r>
+            <a:r>
+              <a:rPr lang="en-US" sz="1800" dirty="0"/>
+              <a:t> value as a result</a:t>
+            </a:r>
+          </a:p>
+          <a:p>
+            <a:r>
+              <a:rPr lang="en-US" sz="1800" dirty="0"/>
+              <a:t>returns TRUE if ANY of the </a:t>
+            </a:r>
+            <a:r>
+              <a:rPr lang="en-US" sz="1800" dirty="0" err="1"/>
+              <a:t>subquery</a:t>
+            </a:r>
+            <a:r>
+              <a:rPr lang="en-US" sz="1800" dirty="0"/>
+              <a:t> values meet the condition</a:t>
+            </a:r>
+          </a:p>
+          <a:p>
+            <a:r>
+              <a:rPr lang="en-US" sz="1800" dirty="0"/>
+              <a:t>ANY means that the condition will be true if the operation is true for any of the values in the range.</a:t>
+            </a:r>
+          </a:p>
+          <a:p>
+            <a:r>
+              <a:rPr lang="en-US" sz="1800" dirty="0"/>
+              <a:t>ANY Syntax</a:t>
+            </a:r>
+          </a:p>
+          <a:p>
+            <a:r>
+              <a:rPr lang="en-US" sz="1800" dirty="0"/>
+              <a:t>SELECT </a:t>
+            </a:r>
+            <a:r>
+              <a:rPr lang="en-US" sz="1800" i="1" dirty="0" err="1"/>
+              <a:t>column_name</a:t>
+            </a:r>
+            <a:r>
+              <a:rPr lang="en-US" sz="1800" i="1" dirty="0"/>
+              <a:t>(s)</a:t>
+            </a:r>
+            <a:r>
+              <a:rPr lang="en-US" sz="1800" dirty="0"/>
+              <a:t/>
+            </a:r>
+            <a:br>
+              <a:rPr lang="en-US" sz="1800" dirty="0"/>
+            </a:br>
+            <a:r>
+              <a:rPr lang="en-US" sz="1800" dirty="0"/>
+              <a:t>FROM </a:t>
+            </a:r>
+            <a:r>
+              <a:rPr lang="en-US" sz="1800" i="1" dirty="0" err="1"/>
+              <a:t>table_name</a:t>
+            </a:r>
+            <a:r>
+              <a:rPr lang="en-US" sz="1800" dirty="0"/>
+              <a:t/>
+            </a:r>
+            <a:br>
+              <a:rPr lang="en-US" sz="1800" dirty="0"/>
+            </a:br>
+            <a:r>
+              <a:rPr lang="en-US" sz="1800" dirty="0"/>
+              <a:t>WHERE </a:t>
+            </a:r>
+            <a:r>
+              <a:rPr lang="en-US" sz="1800" i="1" dirty="0" err="1"/>
+              <a:t>column_name</a:t>
+            </a:r>
+            <a:r>
+              <a:rPr lang="en-US" sz="1800" i="1" dirty="0"/>
+              <a:t> operator</a:t>
+            </a:r>
+            <a:r>
+              <a:rPr lang="en-US" sz="1800" dirty="0"/>
+              <a:t> ANY</a:t>
+            </a:r>
+            <a:br>
+              <a:rPr lang="en-US" sz="1800" dirty="0"/>
+            </a:br>
+            <a:r>
+              <a:rPr lang="en-US" sz="1800" dirty="0"/>
+              <a:t>  (SELECT </a:t>
+            </a:r>
+            <a:r>
+              <a:rPr lang="en-US" sz="1800" i="1" dirty="0" err="1"/>
+              <a:t>column_name</a:t>
+            </a:r>
+            <a:r>
+              <a:rPr lang="en-US" sz="1800" i="1" dirty="0"/>
+              <a:t/>
+            </a:r>
+            <a:br>
+              <a:rPr lang="en-US" sz="1800" i="1" dirty="0"/>
+            </a:br>
+            <a:r>
+              <a:rPr lang="en-US" sz="1800" i="1" dirty="0"/>
+              <a:t>  </a:t>
+            </a:r>
+            <a:r>
+              <a:rPr lang="en-US" sz="1800" dirty="0"/>
+              <a:t>FROM </a:t>
+            </a:r>
+            <a:r>
+              <a:rPr lang="en-US" sz="1800" i="1" dirty="0" err="1"/>
+              <a:t>table_name</a:t>
+            </a:r>
+            <a:r>
+              <a:rPr lang="en-US" sz="1800" i="1" dirty="0"/>
+              <a:t/>
+            </a:r>
+            <a:br>
+              <a:rPr lang="en-US" sz="1800" i="1" dirty="0"/>
+            </a:br>
+            <a:r>
+              <a:rPr lang="en-US" sz="1800" i="1" dirty="0"/>
+              <a:t>  </a:t>
+            </a:r>
+            <a:r>
+              <a:rPr lang="en-US" sz="1800" dirty="0"/>
+              <a:t>WHERE </a:t>
+            </a:r>
+            <a:r>
+              <a:rPr lang="en-US" sz="1800" i="1" dirty="0"/>
+              <a:t>condition</a:t>
+            </a:r>
+            <a:r>
+              <a:rPr lang="en-US" sz="1800" dirty="0"/>
+              <a:t>);</a:t>
+            </a:r>
+          </a:p>
+          <a:p>
+            <a:endParaRPr lang="en-IN" sz="1800" dirty="0"/>
+          </a:p>
+        </p:txBody>
+      </p:sp>
+    </p:spTree>
+    <p:extLst>
+      <p:ext uri="{BB962C8B-B14F-4D97-AF65-F5344CB8AC3E}">
+        <p14:creationId xmlns:p14="http://schemas.microsoft.com/office/powerpoint/2010/main" val="2095996660"/>
+      </p:ext>
+    </p:extLst>
+  </p:cSld>
+  <p:clrMapOvr>
+    <a:masterClrMapping/>
+  </p:clrMapOvr>
+</p:sld>
+</file>
+
+<file path=ppt/slides/slide34.xml><?xml version="1.0" encoding="utf-8"?>
+<p:sld xmlns:a="http://schemas.openxmlformats.org/drawingml/2006/main" xmlns:r="http://schemas.openxmlformats.org/officeDocument/2006/relationships" xmlns:p="http://schemas.openxmlformats.org/presentationml/2006/main">
+  <p:cSld>
+    <p:spTree>
+      <p:nvGrpSpPr>
+        <p:cNvPr id="1" name=""/>
+        <p:cNvGrpSpPr/>
+        <p:nvPr/>
+      </p:nvGrpSpPr>
+      <p:grpSpPr>
+        <a:xfrm>
+          <a:off x="0" y="0"/>
+          <a:ext cx="0" cy="0"/>
+          <a:chOff x="0" y="0"/>
+          <a:chExt cx="0" cy="0"/>
+        </a:xfrm>
+      </p:grpSpPr>
+      <p:sp>
+        <p:nvSpPr>
+          <p:cNvPr id="2" name="Title 1"/>
+          <p:cNvSpPr>
+            <a:spLocks noGrp="1"/>
+          </p:cNvSpPr>
+          <p:nvPr>
+            <p:ph type="title"/>
+          </p:nvPr>
+        </p:nvSpPr>
+        <p:spPr/>
+        <p:txBody>
+          <a:bodyPr/>
+          <a:lstStyle/>
+          <a:p>
+            <a:endParaRPr lang="en-IN"/>
+          </a:p>
+        </p:txBody>
+      </p:sp>
+      <p:sp>
+        <p:nvSpPr>
+          <p:cNvPr id="3" name="Content Placeholder 2"/>
+          <p:cNvSpPr>
+            <a:spLocks noGrp="1"/>
+          </p:cNvSpPr>
+          <p:nvPr>
+            <p:ph idx="1"/>
+          </p:nvPr>
+        </p:nvSpPr>
+        <p:spPr/>
+        <p:txBody>
+          <a:bodyPr>
+            <a:normAutofit/>
+          </a:bodyPr>
+          <a:lstStyle/>
+          <a:p>
+            <a:r>
+              <a:rPr lang="en-US" sz="1800" dirty="0" smtClean="0"/>
+              <a:t>Example:</a:t>
+            </a:r>
+            <a:endParaRPr lang="en-US" sz="1800" dirty="0"/>
+          </a:p>
+          <a:p>
+            <a:r>
+              <a:rPr lang="en-US" sz="1800" dirty="0"/>
+              <a:t>SELECT </a:t>
+            </a:r>
+            <a:r>
+              <a:rPr lang="en-US" sz="1800" dirty="0" err="1"/>
+              <a:t>ProductName</a:t>
+            </a:r>
+            <a:r>
+              <a:rPr lang="en-US" sz="1800" dirty="0"/>
+              <a:t/>
+            </a:r>
+            <a:br>
+              <a:rPr lang="en-US" sz="1800" dirty="0"/>
+            </a:br>
+            <a:r>
+              <a:rPr lang="en-US" sz="1800" dirty="0"/>
+              <a:t>FROM Products</a:t>
+            </a:r>
+            <a:br>
+              <a:rPr lang="en-US" sz="1800" dirty="0"/>
+            </a:br>
+            <a:r>
+              <a:rPr lang="en-US" sz="1800" dirty="0"/>
+              <a:t>WHERE </a:t>
+            </a:r>
+            <a:r>
+              <a:rPr lang="en-US" sz="1800" dirty="0" err="1"/>
+              <a:t>ProductID</a:t>
+            </a:r>
+            <a:r>
+              <a:rPr lang="en-US" sz="1800" dirty="0"/>
+              <a:t> = ANY</a:t>
+            </a:r>
+            <a:br>
+              <a:rPr lang="en-US" sz="1800" dirty="0"/>
+            </a:br>
+            <a:r>
+              <a:rPr lang="en-US" sz="1800" dirty="0"/>
+              <a:t>  (SELECT </a:t>
+            </a:r>
+            <a:r>
+              <a:rPr lang="en-US" sz="1800" dirty="0" err="1"/>
+              <a:t>ProductID</a:t>
+            </a:r>
+            <a:r>
+              <a:rPr lang="en-US" sz="1800" dirty="0"/>
+              <a:t/>
+            </a:r>
+            <a:br>
+              <a:rPr lang="en-US" sz="1800" dirty="0"/>
+            </a:br>
+            <a:r>
+              <a:rPr lang="en-US" sz="1800" dirty="0"/>
+              <a:t>  FROM </a:t>
+            </a:r>
+            <a:r>
+              <a:rPr lang="en-US" sz="1800" dirty="0" err="1"/>
+              <a:t>OrderDetails</a:t>
+            </a:r>
+            <a:r>
+              <a:rPr lang="en-US" sz="1800" dirty="0"/>
+              <a:t/>
+            </a:r>
+            <a:br>
+              <a:rPr lang="en-US" sz="1800" dirty="0"/>
+            </a:br>
+            <a:r>
+              <a:rPr lang="en-US" sz="1800" dirty="0"/>
+              <a:t>  WHERE Quantity = 10</a:t>
+            </a:r>
+            <a:r>
+              <a:rPr lang="en-US" sz="1800" dirty="0" smtClean="0"/>
+              <a:t>);</a:t>
+            </a:r>
+          </a:p>
+          <a:p>
+            <a:endParaRPr lang="en-US" sz="1800" dirty="0"/>
+          </a:p>
+          <a:p>
+            <a:endParaRPr lang="en-US" sz="1800" dirty="0"/>
+          </a:p>
+        </p:txBody>
+      </p:sp>
+    </p:spTree>
+    <p:extLst>
+      <p:ext uri="{BB962C8B-B14F-4D97-AF65-F5344CB8AC3E}">
+        <p14:creationId xmlns:p14="http://schemas.microsoft.com/office/powerpoint/2010/main" val="300644985"/>
+      </p:ext>
+    </p:extLst>
+  </p:cSld>
+  <p:clrMapOvr>
+    <a:masterClrMapping/>
+  </p:clrMapOvr>
+</p:sld>
+</file>
+
+<file path=ppt/slides/slide35.xml><?xml version="1.0" encoding="utf-8"?>
+<p:sld xmlns:a="http://schemas.openxmlformats.org/drawingml/2006/main" xmlns:r="http://schemas.openxmlformats.org/officeDocument/2006/relationships" xmlns:p="http://schemas.openxmlformats.org/presentationml/2006/main">
+  <p:cSld>
+    <p:spTree>
+      <p:nvGrpSpPr>
+        <p:cNvPr id="1" name=""/>
+        <p:cNvGrpSpPr/>
+        <p:nvPr/>
+      </p:nvGrpSpPr>
+      <p:grpSpPr>
+        <a:xfrm>
+          <a:off x="0" y="0"/>
+          <a:ext cx="0" cy="0"/>
+          <a:chOff x="0" y="0"/>
+          <a:chExt cx="0" cy="0"/>
+        </a:xfrm>
+      </p:grpSpPr>
+      <p:sp>
+        <p:nvSpPr>
+          <p:cNvPr id="2" name="Title 1"/>
+          <p:cNvSpPr>
+            <a:spLocks noGrp="1"/>
+          </p:cNvSpPr>
+          <p:nvPr>
+            <p:ph type="title"/>
+          </p:nvPr>
+        </p:nvSpPr>
+        <p:spPr/>
+        <p:txBody>
+          <a:bodyPr/>
+          <a:lstStyle/>
+          <a:p>
+            <a:endParaRPr lang="en-IN"/>
+          </a:p>
+        </p:txBody>
+      </p:sp>
+      <p:sp>
+        <p:nvSpPr>
+          <p:cNvPr id="3" name="Content Placeholder 2"/>
+          <p:cNvSpPr>
+            <a:spLocks noGrp="1"/>
+          </p:cNvSpPr>
+          <p:nvPr>
+            <p:ph idx="1"/>
+          </p:nvPr>
+        </p:nvSpPr>
+        <p:spPr/>
+        <p:txBody>
+          <a:bodyPr>
+            <a:normAutofit/>
+          </a:bodyPr>
+          <a:lstStyle/>
+          <a:p>
+            <a:r>
+              <a:rPr lang="en-US" sz="1800" dirty="0"/>
+              <a:t>The SQL ALL Operator</a:t>
+            </a:r>
+          </a:p>
+          <a:p>
+            <a:r>
+              <a:rPr lang="en-US" sz="1800" dirty="0"/>
+              <a:t>The ALL operator:</a:t>
+            </a:r>
+          </a:p>
+          <a:p>
+            <a:r>
+              <a:rPr lang="en-US" sz="1800" dirty="0"/>
+              <a:t>returns a </a:t>
+            </a:r>
+            <a:r>
+              <a:rPr lang="en-US" sz="1800" dirty="0" err="1"/>
+              <a:t>boolean</a:t>
+            </a:r>
+            <a:r>
+              <a:rPr lang="en-US" sz="1800" dirty="0"/>
+              <a:t> value as a result</a:t>
+            </a:r>
+          </a:p>
+          <a:p>
+            <a:r>
+              <a:rPr lang="en-US" sz="1800" dirty="0"/>
+              <a:t>returns TRUE if ALL of the </a:t>
+            </a:r>
+            <a:r>
+              <a:rPr lang="en-US" sz="1800" dirty="0" err="1"/>
+              <a:t>subquery</a:t>
+            </a:r>
+            <a:r>
+              <a:rPr lang="en-US" sz="1800" dirty="0"/>
+              <a:t> values meet the condition</a:t>
+            </a:r>
+          </a:p>
+          <a:p>
+            <a:r>
+              <a:rPr lang="en-US" sz="1800" dirty="0"/>
+              <a:t>is used with SELECT, WHERE and HAVING statements</a:t>
+            </a:r>
+          </a:p>
+          <a:p>
+            <a:r>
+              <a:rPr lang="en-US" sz="1800" dirty="0"/>
+              <a:t>ALL means that the condition will be true only if the operation is true for all values in the range. </a:t>
+            </a:r>
+          </a:p>
+          <a:p>
+            <a:r>
+              <a:rPr lang="en-US" sz="1800" dirty="0"/>
+              <a:t>ALL Syntax With SELECT</a:t>
+            </a:r>
+          </a:p>
+          <a:p>
+            <a:r>
+              <a:rPr lang="en-US" sz="1800" dirty="0"/>
+              <a:t>SELECT ALL </a:t>
+            </a:r>
+            <a:r>
+              <a:rPr lang="en-US" sz="1800" i="1" dirty="0" err="1"/>
+              <a:t>column_name</a:t>
+            </a:r>
+            <a:r>
+              <a:rPr lang="en-US" sz="1800" i="1" dirty="0"/>
+              <a:t>(s)</a:t>
+            </a:r>
+            <a:r>
+              <a:rPr lang="en-US" sz="1800" dirty="0"/>
+              <a:t/>
+            </a:r>
+            <a:br>
+              <a:rPr lang="en-US" sz="1800" dirty="0"/>
+            </a:br>
+            <a:r>
+              <a:rPr lang="en-US" sz="1800" dirty="0"/>
+              <a:t>FROM </a:t>
+            </a:r>
+            <a:r>
+              <a:rPr lang="en-US" sz="1800" i="1" dirty="0" err="1"/>
+              <a:t>table_name</a:t>
+            </a:r>
+            <a:r>
+              <a:rPr lang="en-US" sz="1800" dirty="0"/>
+              <a:t/>
+            </a:r>
+            <a:br>
+              <a:rPr lang="en-US" sz="1800" dirty="0"/>
+            </a:br>
+            <a:r>
+              <a:rPr lang="en-US" sz="1800" dirty="0"/>
+              <a:t>WHERE </a:t>
+            </a:r>
+            <a:r>
+              <a:rPr lang="en-US" sz="1800" i="1" dirty="0"/>
+              <a:t>condition</a:t>
+            </a:r>
+            <a:r>
+              <a:rPr lang="en-US" sz="1800" dirty="0"/>
+              <a:t>;</a:t>
+            </a:r>
+          </a:p>
+          <a:p>
+            <a:endParaRPr lang="en-IN" sz="1800" dirty="0"/>
+          </a:p>
+        </p:txBody>
+      </p:sp>
+    </p:spTree>
+    <p:extLst>
+      <p:ext uri="{BB962C8B-B14F-4D97-AF65-F5344CB8AC3E}">
+        <p14:creationId xmlns:p14="http://schemas.microsoft.com/office/powerpoint/2010/main" val="2079007412"/>
+      </p:ext>
+    </p:extLst>
+  </p:cSld>
+  <p:clrMapOvr>
+    <a:masterClrMapping/>
+  </p:clrMapOvr>
+</p:sld>
+</file>
+
+<file path=ppt/slides/slide36.xml><?xml version="1.0" encoding="utf-8"?>
+<p:sld xmlns:a="http://schemas.openxmlformats.org/drawingml/2006/main" xmlns:r="http://schemas.openxmlformats.org/officeDocument/2006/relationships" xmlns:p="http://schemas.openxmlformats.org/presentationml/2006/main">
+  <p:cSld>
+    <p:spTree>
+      <p:nvGrpSpPr>
+        <p:cNvPr id="1" name=""/>
+        <p:cNvGrpSpPr/>
+        <p:nvPr/>
+      </p:nvGrpSpPr>
+      <p:grpSpPr>
+        <a:xfrm>
+          <a:off x="0" y="0"/>
+          <a:ext cx="0" cy="0"/>
+          <a:chOff x="0" y="0"/>
+          <a:chExt cx="0" cy="0"/>
+        </a:xfrm>
+      </p:grpSpPr>
+      <p:sp>
+        <p:nvSpPr>
+          <p:cNvPr id="2" name="Title 1"/>
+          <p:cNvSpPr>
+            <a:spLocks noGrp="1"/>
+          </p:cNvSpPr>
+          <p:nvPr>
+            <p:ph type="title"/>
+          </p:nvPr>
+        </p:nvSpPr>
+        <p:spPr/>
+        <p:txBody>
+          <a:bodyPr/>
+          <a:lstStyle/>
+          <a:p>
+            <a:endParaRPr lang="en-IN"/>
+          </a:p>
+        </p:txBody>
+      </p:sp>
+      <p:sp>
+        <p:nvSpPr>
+          <p:cNvPr id="3" name="Content Placeholder 2"/>
+          <p:cNvSpPr>
+            <a:spLocks noGrp="1"/>
+          </p:cNvSpPr>
+          <p:nvPr>
+            <p:ph idx="1"/>
+          </p:nvPr>
+        </p:nvSpPr>
+        <p:spPr/>
+        <p:txBody>
+          <a:bodyPr/>
+          <a:lstStyle/>
+          <a:p>
+            <a:r>
+              <a:rPr lang="en-US" dirty="0" smtClean="0"/>
+              <a:t>Example:</a:t>
+            </a:r>
+          </a:p>
+          <a:p>
+            <a:r>
+              <a:rPr lang="en-US" sz="1800" dirty="0"/>
+              <a:t>SELECT </a:t>
+            </a:r>
+            <a:r>
+              <a:rPr lang="en-US" sz="1800" dirty="0" err="1"/>
+              <a:t>ProductName</a:t>
+            </a:r>
+            <a:r>
+              <a:rPr lang="en-US" sz="1800" dirty="0"/>
+              <a:t/>
+            </a:r>
+            <a:br>
+              <a:rPr lang="en-US" sz="1800" dirty="0"/>
+            </a:br>
+            <a:r>
+              <a:rPr lang="en-US" sz="1800" dirty="0"/>
+              <a:t>FROM Products</a:t>
+            </a:r>
+            <a:r>
+              <a:rPr lang="en-US" sz="1800" dirty="0"/>
+              <a:t/>
+            </a:r>
+            <a:br>
+              <a:rPr lang="en-US" sz="1800" dirty="0"/>
+            </a:br>
+            <a:r>
+              <a:rPr lang="en-US" sz="1800" dirty="0"/>
+              <a:t>WHERE </a:t>
+            </a:r>
+            <a:r>
+              <a:rPr lang="en-US" sz="1800" dirty="0" err="1"/>
+              <a:t>ProductID</a:t>
+            </a:r>
+            <a:r>
+              <a:rPr lang="en-US" sz="1800" dirty="0"/>
+              <a:t> = ALL</a:t>
+            </a:r>
+            <a:r>
+              <a:rPr lang="en-US" sz="1800" dirty="0"/>
+              <a:t/>
+            </a:r>
+            <a:br>
+              <a:rPr lang="en-US" sz="1800" dirty="0"/>
+            </a:br>
+            <a:r>
+              <a:rPr lang="en-US" sz="1800" dirty="0"/>
+              <a:t>  (SELECT </a:t>
+            </a:r>
+            <a:r>
+              <a:rPr lang="en-US" sz="1800" dirty="0" err="1"/>
+              <a:t>ProductID</a:t>
+            </a:r>
+            <a:r>
+              <a:rPr lang="en-US" sz="1800" dirty="0"/>
+              <a:t/>
+            </a:r>
+            <a:br>
+              <a:rPr lang="en-US" sz="1800" dirty="0"/>
+            </a:br>
+            <a:r>
+              <a:rPr lang="en-US" sz="1800" dirty="0"/>
+              <a:t>  FROM </a:t>
+            </a:r>
+            <a:r>
+              <a:rPr lang="en-US" sz="1800" dirty="0" err="1"/>
+              <a:t>OrderDetails</a:t>
+            </a:r>
+            <a:r>
+              <a:rPr lang="en-US" sz="1800"/>
+              <a:t/>
+            </a:r>
+            <a:br>
+              <a:rPr lang="en-US" sz="1800"/>
+            </a:br>
+            <a:r>
+              <a:rPr lang="en-US" sz="1800"/>
+              <a:t>  WHERE Quantity = 10);</a:t>
+            </a:r>
+            <a:endParaRPr lang="en-IN" sz="1800"/>
+          </a:p>
+        </p:txBody>
+      </p:sp>
+    </p:spTree>
+    <p:extLst>
+      <p:ext uri="{BB962C8B-B14F-4D97-AF65-F5344CB8AC3E}">
+        <p14:creationId xmlns:p14="http://schemas.microsoft.com/office/powerpoint/2010/main" val="2605690199"/>
+      </p:ext>
+    </p:extLst>
   </p:cSld>
   <p:clrMapOvr>
     <a:masterClrMapping/>

--- a/SQL-latest.pptx
+++ b/SQL-latest.pptx
@@ -41,6 +41,20 @@
     <p:sldId id="307" r:id="rId35"/>
     <p:sldId id="308" r:id="rId36"/>
     <p:sldId id="309" r:id="rId37"/>
+    <p:sldId id="310" r:id="rId38"/>
+    <p:sldId id="311" r:id="rId39"/>
+    <p:sldId id="312" r:id="rId40"/>
+    <p:sldId id="313" r:id="rId41"/>
+    <p:sldId id="314" r:id="rId42"/>
+    <p:sldId id="315" r:id="rId43"/>
+    <p:sldId id="316" r:id="rId44"/>
+    <p:sldId id="317" r:id="rId45"/>
+    <p:sldId id="318" r:id="rId46"/>
+    <p:sldId id="319" r:id="rId47"/>
+    <p:sldId id="320" r:id="rId48"/>
+    <p:sldId id="321" r:id="rId49"/>
+    <p:sldId id="322" r:id="rId50"/>
+    <p:sldId id="323" r:id="rId51"/>
   </p:sldIdLst>
   <p:sldSz cx="9144000" cy="6858000" type="screen4x3"/>
   <p:notesSz cx="6858000" cy="9144000"/>
@@ -324,7 +338,7 @@
             <a:fld id="{1FE306F0-39C7-464C-8DDB-127277987DCD}" type="datetimeFigureOut">
               <a:rPr lang="en-US" smtClean="0"/>
               <a:pPr/>
-              <a:t>12/8/2021</a:t>
+              <a:t>12/9/2021</a:t>
             </a:fld>
             <a:endParaRPr lang="en-US"/>
           </a:p>
@@ -491,7 +505,7 @@
             <a:fld id="{1FE306F0-39C7-464C-8DDB-127277987DCD}" type="datetimeFigureOut">
               <a:rPr lang="en-US" smtClean="0"/>
               <a:pPr/>
-              <a:t>12/8/2021</a:t>
+              <a:t>12/9/2021</a:t>
             </a:fld>
             <a:endParaRPr lang="en-US"/>
           </a:p>
@@ -668,7 +682,7 @@
             <a:fld id="{1FE306F0-39C7-464C-8DDB-127277987DCD}" type="datetimeFigureOut">
               <a:rPr lang="en-US" smtClean="0"/>
               <a:pPr/>
-              <a:t>12/8/2021</a:t>
+              <a:t>12/9/2021</a:t>
             </a:fld>
             <a:endParaRPr lang="en-US"/>
           </a:p>
@@ -835,7 +849,7 @@
             <a:fld id="{1FE306F0-39C7-464C-8DDB-127277987DCD}" type="datetimeFigureOut">
               <a:rPr lang="en-US" smtClean="0"/>
               <a:pPr/>
-              <a:t>12/8/2021</a:t>
+              <a:t>12/9/2021</a:t>
             </a:fld>
             <a:endParaRPr lang="en-US"/>
           </a:p>
@@ -1078,7 +1092,7 @@
             <a:fld id="{1FE306F0-39C7-464C-8DDB-127277987DCD}" type="datetimeFigureOut">
               <a:rPr lang="en-US" smtClean="0"/>
               <a:pPr/>
-              <a:t>12/8/2021</a:t>
+              <a:t>12/9/2021</a:t>
             </a:fld>
             <a:endParaRPr lang="en-US"/>
           </a:p>
@@ -1363,7 +1377,7 @@
             <a:fld id="{1FE306F0-39C7-464C-8DDB-127277987DCD}" type="datetimeFigureOut">
               <a:rPr lang="en-US" smtClean="0"/>
               <a:pPr/>
-              <a:t>12/8/2021</a:t>
+              <a:t>12/9/2021</a:t>
             </a:fld>
             <a:endParaRPr lang="en-US"/>
           </a:p>
@@ -1782,7 +1796,7 @@
             <a:fld id="{1FE306F0-39C7-464C-8DDB-127277987DCD}" type="datetimeFigureOut">
               <a:rPr lang="en-US" smtClean="0"/>
               <a:pPr/>
-              <a:t>12/8/2021</a:t>
+              <a:t>12/9/2021</a:t>
             </a:fld>
             <a:endParaRPr lang="en-US"/>
           </a:p>
@@ -1897,7 +1911,7 @@
             <a:fld id="{1FE306F0-39C7-464C-8DDB-127277987DCD}" type="datetimeFigureOut">
               <a:rPr lang="en-US" smtClean="0"/>
               <a:pPr/>
-              <a:t>12/8/2021</a:t>
+              <a:t>12/9/2021</a:t>
             </a:fld>
             <a:endParaRPr lang="en-US"/>
           </a:p>
@@ -1989,7 +2003,7 @@
             <a:fld id="{1FE306F0-39C7-464C-8DDB-127277987DCD}" type="datetimeFigureOut">
               <a:rPr lang="en-US" smtClean="0"/>
               <a:pPr/>
-              <a:t>12/8/2021</a:t>
+              <a:t>12/9/2021</a:t>
             </a:fld>
             <a:endParaRPr lang="en-US"/>
           </a:p>
@@ -2263,7 +2277,7 @@
             <a:fld id="{1FE306F0-39C7-464C-8DDB-127277987DCD}" type="datetimeFigureOut">
               <a:rPr lang="en-US" smtClean="0"/>
               <a:pPr/>
-              <a:t>12/8/2021</a:t>
+              <a:t>12/9/2021</a:t>
             </a:fld>
             <a:endParaRPr lang="en-US"/>
           </a:p>
@@ -2513,7 +2527,7 @@
             <a:fld id="{1FE306F0-39C7-464C-8DDB-127277987DCD}" type="datetimeFigureOut">
               <a:rPr lang="en-US" smtClean="0"/>
               <a:pPr/>
-              <a:t>12/8/2021</a:t>
+              <a:t>12/9/2021</a:t>
             </a:fld>
             <a:endParaRPr lang="en-US"/>
           </a:p>
@@ -2723,7 +2737,7 @@
             <a:fld id="{1FE306F0-39C7-464C-8DDB-127277987DCD}" type="datetimeFigureOut">
               <a:rPr lang="en-US" smtClean="0"/>
               <a:pPr/>
-              <a:t>12/8/2021</a:t>
+              <a:t>12/9/2021</a:t>
             </a:fld>
             <a:endParaRPr lang="en-US"/>
           </a:p>
@@ -8246,23 +8260,7 @@
           <a:p>
             <a:r>
               <a:rPr lang="en-US" sz="1800" dirty="0"/>
-              <a:t>The </a:t>
-            </a:r>
-            <a:r>
-              <a:rPr lang="en-US" sz="1800" dirty="0"/>
-              <a:t>UNION</a:t>
-            </a:r>
-            <a:r>
-              <a:rPr lang="en-US" sz="1800" dirty="0"/>
-              <a:t> operator is used to combine the result-set of two or more </a:t>
-            </a:r>
-            <a:r>
-              <a:rPr lang="en-US" sz="1800" dirty="0"/>
-              <a:t>SELECT</a:t>
-            </a:r>
-            <a:r>
-              <a:rPr lang="en-US" sz="1800" dirty="0"/>
-              <a:t> statements</a:t>
+              <a:t>The UNION operator is used to combine the result-set of two or more SELECT statements</a:t>
             </a:r>
             <a:r>
               <a:rPr lang="en-US" sz="1800" dirty="0" smtClean="0"/>
@@ -8360,10 +8358,6 @@
               <a:rPr lang="en-US" sz="1800" dirty="0"/>
               <a:t>SELECT City FROM Customers</a:t>
             </a:r>
-            <a:r>
-              <a:rPr lang="en-US" sz="1800" dirty="0"/>
-              <a:t/>
-            </a:r>
             <a:br>
               <a:rPr lang="en-US" sz="1800" dirty="0"/>
             </a:br>
@@ -8371,20 +8365,12 @@
               <a:rPr lang="en-US" sz="1800" dirty="0"/>
               <a:t>UNION</a:t>
             </a:r>
-            <a:r>
-              <a:rPr lang="en-US" sz="1800" dirty="0"/>
-              <a:t/>
-            </a:r>
             <a:br>
               <a:rPr lang="en-US" sz="1800" dirty="0"/>
             </a:br>
             <a:r>
               <a:rPr lang="en-US" sz="1800" dirty="0"/>
               <a:t>SELECT City FROM Suppliers</a:t>
-            </a:r>
-            <a:r>
-              <a:rPr lang="en-US" sz="1800" dirty="0"/>
-              <a:t/>
             </a:r>
             <a:br>
               <a:rPr lang="en-US" sz="1800" dirty="0"/>
@@ -8755,15 +8741,7 @@
           <a:p>
             <a:r>
               <a:rPr lang="en-US" sz="1800" dirty="0"/>
-              <a:t>The </a:t>
-            </a:r>
-            <a:r>
-              <a:rPr lang="en-US" sz="1800" dirty="0"/>
-              <a:t>GROUP BY</a:t>
-            </a:r>
-            <a:r>
-              <a:rPr lang="en-US" sz="1800" dirty="0"/>
-              <a:t> statement groups rows that have the same values into summary rows, like "find the number of customers in each country</a:t>
+              <a:t>The GROUP BY statement groups rows that have the same values into summary rows, like "find the number of customers in each country</a:t>
             </a:r>
             <a:r>
               <a:rPr lang="en-US" sz="1800" dirty="0" smtClean="0"/>
@@ -8885,20 +8863,12 @@
               <a:rPr lang="en-US" sz="1800" dirty="0"/>
               <a:t>), Country</a:t>
             </a:r>
-            <a:r>
-              <a:rPr lang="en-US" sz="1800" dirty="0"/>
-              <a:t/>
-            </a:r>
             <a:br>
               <a:rPr lang="en-US" sz="1800" dirty="0"/>
             </a:br>
             <a:r>
               <a:rPr lang="en-US" sz="1800" dirty="0"/>
               <a:t>FROM Customers</a:t>
-            </a:r>
-            <a:r>
-              <a:rPr lang="en-US" sz="1800" dirty="0"/>
-              <a:t/>
             </a:r>
             <a:br>
               <a:rPr lang="en-US" sz="1800" dirty="0"/>
@@ -8995,23 +8965,7 @@
           <a:p>
             <a:r>
               <a:rPr lang="en-US" sz="2000" dirty="0"/>
-              <a:t>The </a:t>
-            </a:r>
-            <a:r>
-              <a:rPr lang="en-US" sz="2000" dirty="0"/>
-              <a:t>HAVING</a:t>
-            </a:r>
-            <a:r>
-              <a:rPr lang="en-US" sz="2000" dirty="0"/>
-              <a:t> clause was added to SQL because the </a:t>
-            </a:r>
-            <a:r>
-              <a:rPr lang="en-US" sz="2000" dirty="0"/>
-              <a:t>WHERE</a:t>
-            </a:r>
-            <a:r>
-              <a:rPr lang="en-US" sz="2000" dirty="0"/>
-              <a:t> keyword cannot be used with aggregate functions</a:t>
+              <a:t>The HAVING clause was added to SQL because the WHERE keyword cannot be used with aggregate functions</a:t>
             </a:r>
             <a:r>
               <a:rPr lang="en-US" sz="2000" dirty="0" smtClean="0"/>
@@ -9327,10 +9281,6 @@
               <a:rPr lang="en-US" sz="1800" dirty="0"/>
               <a:t>WHERE EXISTS</a:t>
             </a:r>
-            <a:r>
-              <a:rPr lang="en-US" sz="1800" dirty="0"/>
-              <a:t/>
-            </a:r>
             <a:br>
               <a:rPr lang="en-US" sz="1800" dirty="0"/>
             </a:br>
@@ -9525,23 +9475,7 @@
           <a:p>
             <a:r>
               <a:rPr lang="en-US" sz="1800" dirty="0"/>
-              <a:t>The </a:t>
-            </a:r>
-            <a:r>
-              <a:rPr lang="en-US" sz="1800" dirty="0"/>
-              <a:t>ANY</a:t>
-            </a:r>
-            <a:r>
-              <a:rPr lang="en-US" sz="1800" dirty="0"/>
-              <a:t> and </a:t>
-            </a:r>
-            <a:r>
-              <a:rPr lang="en-US" sz="1800" dirty="0"/>
-              <a:t>ALL</a:t>
-            </a:r>
-            <a:r>
-              <a:rPr lang="en-US" sz="1800" dirty="0"/>
-              <a:t> operators allow you to perform a comparison between a single column value and a range of other values</a:t>
+              <a:t>The ANY and ALL operators allow you to perform a comparison between a single column value and a range of other values</a:t>
             </a:r>
             <a:r>
               <a:rPr lang="en-US" sz="1800" dirty="0" smtClean="0"/>
@@ -10126,10 +10060,6 @@
               <a:rPr lang="en-US" sz="1800" dirty="0"/>
               <a:t>FROM Products</a:t>
             </a:r>
-            <a:r>
-              <a:rPr lang="en-US" sz="1800" dirty="0"/>
-              <a:t/>
-            </a:r>
             <a:br>
               <a:rPr lang="en-US" sz="1800" dirty="0"/>
             </a:br>
@@ -10144,10 +10074,6 @@
             <a:r>
               <a:rPr lang="en-US" sz="1800" dirty="0"/>
               <a:t> = ALL</a:t>
-            </a:r>
-            <a:r>
-              <a:rPr lang="en-US" sz="1800" dirty="0"/>
-              <a:t/>
             </a:r>
             <a:br>
               <a:rPr lang="en-US" sz="1800" dirty="0"/>
@@ -10194,6 +10120,601 @@
     <p:extLst>
       <p:ext uri="{BB962C8B-B14F-4D97-AF65-F5344CB8AC3E}">
         <p14:creationId xmlns:p14="http://schemas.microsoft.com/office/powerpoint/2010/main" val="2605690199"/>
+      </p:ext>
+    </p:extLst>
+  </p:cSld>
+  <p:clrMapOvr>
+    <a:masterClrMapping/>
+  </p:clrMapOvr>
+</p:sld>
+</file>
+
+<file path=ppt/slides/slide37.xml><?xml version="1.0" encoding="utf-8"?>
+<p:sld xmlns:a="http://schemas.openxmlformats.org/drawingml/2006/main" xmlns:r="http://schemas.openxmlformats.org/officeDocument/2006/relationships" xmlns:p="http://schemas.openxmlformats.org/presentationml/2006/main">
+  <p:cSld>
+    <p:spTree>
+      <p:nvGrpSpPr>
+        <p:cNvPr id="1" name=""/>
+        <p:cNvGrpSpPr/>
+        <p:nvPr/>
+      </p:nvGrpSpPr>
+      <p:grpSpPr>
+        <a:xfrm>
+          <a:off x="0" y="0"/>
+          <a:ext cx="0" cy="0"/>
+          <a:chOff x="0" y="0"/>
+          <a:chExt cx="0" cy="0"/>
+        </a:xfrm>
+      </p:grpSpPr>
+      <p:sp>
+        <p:nvSpPr>
+          <p:cNvPr id="2" name="Title 1"/>
+          <p:cNvSpPr>
+            <a:spLocks noGrp="1"/>
+          </p:cNvSpPr>
+          <p:nvPr>
+            <p:ph type="title"/>
+          </p:nvPr>
+        </p:nvSpPr>
+        <p:spPr/>
+        <p:txBody>
+          <a:bodyPr>
+            <a:noAutofit/>
+          </a:bodyPr>
+          <a:lstStyle/>
+          <a:p>
+            <a:r>
+              <a:rPr lang="en-US" sz="3600" dirty="0"/>
+              <a:t/>
+            </a:r>
+            <a:br>
+              <a:rPr lang="en-US" sz="3600" dirty="0"/>
+            </a:br>
+            <a:r>
+              <a:rPr lang="en-US" sz="3600" dirty="0"/>
+              <a:t>SQL INSERT INTO SELECT Statement</a:t>
+            </a:r>
+            <a:endParaRPr lang="en-IN" sz="3600" dirty="0"/>
+          </a:p>
+        </p:txBody>
+      </p:sp>
+      <p:sp>
+        <p:nvSpPr>
+          <p:cNvPr id="3" name="Content Placeholder 2"/>
+          <p:cNvSpPr>
+            <a:spLocks noGrp="1"/>
+          </p:cNvSpPr>
+          <p:nvPr>
+            <p:ph idx="1"/>
+          </p:nvPr>
+        </p:nvSpPr>
+        <p:spPr/>
+        <p:txBody>
+          <a:bodyPr>
+            <a:normAutofit/>
+          </a:bodyPr>
+          <a:lstStyle/>
+          <a:p>
+            <a:r>
+              <a:rPr lang="en-US" sz="1800" dirty="0"/>
+              <a:t>The </a:t>
+            </a:r>
+            <a:r>
+              <a:rPr lang="en-US" sz="1800" dirty="0"/>
+              <a:t>INSERT INTO SELECT</a:t>
+            </a:r>
+            <a:r>
+              <a:rPr lang="en-US" sz="1800" dirty="0"/>
+              <a:t> statement copies data from one table and inserts it into another table</a:t>
+            </a:r>
+            <a:r>
+              <a:rPr lang="en-US" sz="1800" dirty="0" smtClean="0"/>
+              <a:t>.</a:t>
+            </a:r>
+          </a:p>
+          <a:p>
+            <a:r>
+              <a:rPr lang="en-US" sz="1800" dirty="0" smtClean="0"/>
+              <a:t>Syntax:</a:t>
+            </a:r>
+            <a:endParaRPr lang="en-US" sz="1800" dirty="0"/>
+          </a:p>
+          <a:p>
+            <a:r>
+              <a:rPr lang="en-US" sz="1800" dirty="0"/>
+              <a:t>INSERT INTO </a:t>
+            </a:r>
+            <a:r>
+              <a:rPr lang="en-US" sz="1800" i="1" dirty="0"/>
+              <a:t>table2</a:t>
+            </a:r>
+            <a:r>
+              <a:rPr lang="en-US" sz="1800" dirty="0"/>
+              <a:t/>
+            </a:r>
+            <a:br>
+              <a:rPr lang="en-US" sz="1800" dirty="0"/>
+            </a:br>
+            <a:r>
+              <a:rPr lang="en-US" sz="1800" dirty="0"/>
+              <a:t>SELECT * FROM </a:t>
+            </a:r>
+            <a:r>
+              <a:rPr lang="en-US" sz="1800" i="1" dirty="0"/>
+              <a:t>table1</a:t>
+            </a:r>
+            <a:br>
+              <a:rPr lang="en-US" sz="1800" i="1" dirty="0"/>
+            </a:br>
+            <a:r>
+              <a:rPr lang="en-US" sz="1800" dirty="0"/>
+              <a:t>WHERE </a:t>
+            </a:r>
+            <a:r>
+              <a:rPr lang="en-US" sz="1800" i="1" dirty="0"/>
+              <a:t>condition</a:t>
+            </a:r>
+            <a:r>
+              <a:rPr lang="en-US" sz="1800" dirty="0" smtClean="0"/>
+              <a:t>;</a:t>
+            </a:r>
+          </a:p>
+          <a:p>
+            <a:endParaRPr lang="en-US" sz="1800" dirty="0"/>
+          </a:p>
+          <a:p>
+            <a:r>
+              <a:rPr lang="en-US" sz="2400" dirty="0"/>
+              <a:t>Copy only some columns from one table into another table:</a:t>
+            </a:r>
+          </a:p>
+          <a:p>
+            <a:r>
+              <a:rPr lang="en-US" sz="1800" dirty="0"/>
+              <a:t>INSERT INTO </a:t>
+            </a:r>
+            <a:r>
+              <a:rPr lang="en-US" sz="1800" i="1" dirty="0"/>
+              <a:t>table2 </a:t>
+            </a:r>
+            <a:r>
+              <a:rPr lang="en-US" sz="1800" dirty="0"/>
+              <a:t>(</a:t>
+            </a:r>
+            <a:r>
+              <a:rPr lang="en-US" sz="1800" i="1" dirty="0"/>
+              <a:t>column1</a:t>
+            </a:r>
+            <a:r>
+              <a:rPr lang="en-US" sz="1800" dirty="0"/>
+              <a:t>, </a:t>
+            </a:r>
+            <a:r>
+              <a:rPr lang="en-US" sz="1800" i="1" dirty="0"/>
+              <a:t>column2</a:t>
+            </a:r>
+            <a:r>
+              <a:rPr lang="en-US" sz="1800" dirty="0"/>
+              <a:t>, </a:t>
+            </a:r>
+            <a:r>
+              <a:rPr lang="en-US" sz="1800" i="1" dirty="0"/>
+              <a:t>column3</a:t>
+            </a:r>
+            <a:r>
+              <a:rPr lang="en-US" sz="1800" dirty="0"/>
+              <a:t>, ...)</a:t>
+            </a:r>
+            <a:br>
+              <a:rPr lang="en-US" sz="1800" dirty="0"/>
+            </a:br>
+            <a:r>
+              <a:rPr lang="en-US" sz="1800" dirty="0"/>
+              <a:t>SELECT </a:t>
+            </a:r>
+            <a:r>
+              <a:rPr lang="en-US" sz="1800" i="1" dirty="0"/>
+              <a:t>column1</a:t>
+            </a:r>
+            <a:r>
+              <a:rPr lang="en-US" sz="1800" dirty="0"/>
+              <a:t>, </a:t>
+            </a:r>
+            <a:r>
+              <a:rPr lang="en-US" sz="1800" i="1" dirty="0"/>
+              <a:t>column2</a:t>
+            </a:r>
+            <a:r>
+              <a:rPr lang="en-US" sz="1800" dirty="0"/>
+              <a:t>, </a:t>
+            </a:r>
+            <a:r>
+              <a:rPr lang="en-US" sz="1800" i="1" dirty="0"/>
+              <a:t>column3</a:t>
+            </a:r>
+            <a:r>
+              <a:rPr lang="en-US" sz="1800" dirty="0"/>
+              <a:t>, ...</a:t>
+            </a:r>
+            <a:br>
+              <a:rPr lang="en-US" sz="1800" dirty="0"/>
+            </a:br>
+            <a:r>
+              <a:rPr lang="en-US" sz="1800" dirty="0"/>
+              <a:t>FROM </a:t>
+            </a:r>
+            <a:r>
+              <a:rPr lang="en-US" sz="1800" i="1" dirty="0"/>
+              <a:t>table1</a:t>
+            </a:r>
+            <a:r>
+              <a:rPr lang="en-US" sz="1800" dirty="0"/>
+              <a:t/>
+            </a:r>
+            <a:br>
+              <a:rPr lang="en-US" sz="1800" dirty="0"/>
+            </a:br>
+            <a:r>
+              <a:rPr lang="en-US" sz="1800" dirty="0"/>
+              <a:t>WHERE </a:t>
+            </a:r>
+            <a:r>
+              <a:rPr lang="en-US" sz="1800" i="1" dirty="0"/>
+              <a:t>condition</a:t>
+            </a:r>
+            <a:r>
+              <a:rPr lang="en-US" sz="1800" dirty="0"/>
+              <a:t>;</a:t>
+            </a:r>
+          </a:p>
+          <a:p>
+            <a:endParaRPr lang="en-IN" sz="1800" dirty="0"/>
+          </a:p>
+        </p:txBody>
+      </p:sp>
+    </p:spTree>
+    <p:extLst>
+      <p:ext uri="{BB962C8B-B14F-4D97-AF65-F5344CB8AC3E}">
+        <p14:creationId xmlns:p14="http://schemas.microsoft.com/office/powerpoint/2010/main" val="1891195949"/>
+      </p:ext>
+    </p:extLst>
+  </p:cSld>
+  <p:clrMapOvr>
+    <a:masterClrMapping/>
+  </p:clrMapOvr>
+</p:sld>
+</file>
+
+<file path=ppt/slides/slide38.xml><?xml version="1.0" encoding="utf-8"?>
+<p:sld xmlns:a="http://schemas.openxmlformats.org/drawingml/2006/main" xmlns:r="http://schemas.openxmlformats.org/officeDocument/2006/relationships" xmlns:p="http://schemas.openxmlformats.org/presentationml/2006/main">
+  <p:cSld>
+    <p:spTree>
+      <p:nvGrpSpPr>
+        <p:cNvPr id="1" name=""/>
+        <p:cNvGrpSpPr/>
+        <p:nvPr/>
+      </p:nvGrpSpPr>
+      <p:grpSpPr>
+        <a:xfrm>
+          <a:off x="0" y="0"/>
+          <a:ext cx="0" cy="0"/>
+          <a:chOff x="0" y="0"/>
+          <a:chExt cx="0" cy="0"/>
+        </a:xfrm>
+      </p:grpSpPr>
+      <p:sp>
+        <p:nvSpPr>
+          <p:cNvPr id="2" name="Title 1"/>
+          <p:cNvSpPr>
+            <a:spLocks noGrp="1"/>
+          </p:cNvSpPr>
+          <p:nvPr>
+            <p:ph type="title"/>
+          </p:nvPr>
+        </p:nvSpPr>
+        <p:spPr/>
+        <p:txBody>
+          <a:bodyPr/>
+          <a:lstStyle/>
+          <a:p>
+            <a:endParaRPr lang="en-IN"/>
+          </a:p>
+        </p:txBody>
+      </p:sp>
+      <p:sp>
+        <p:nvSpPr>
+          <p:cNvPr id="3" name="Content Placeholder 2"/>
+          <p:cNvSpPr>
+            <a:spLocks noGrp="1"/>
+          </p:cNvSpPr>
+          <p:nvPr>
+            <p:ph idx="1"/>
+          </p:nvPr>
+        </p:nvSpPr>
+        <p:spPr/>
+        <p:txBody>
+          <a:bodyPr/>
+          <a:lstStyle/>
+          <a:p>
+            <a:r>
+              <a:rPr lang="en-US" dirty="0" smtClean="0"/>
+              <a:t>Example:</a:t>
+            </a:r>
+          </a:p>
+          <a:p>
+            <a:r>
+              <a:rPr lang="en-US" sz="2000" dirty="0"/>
+              <a:t>Example</a:t>
+            </a:r>
+          </a:p>
+          <a:p>
+            <a:r>
+              <a:rPr lang="en-US" sz="2000" dirty="0"/>
+              <a:t>INSERT INTO Customers (</a:t>
+            </a:r>
+            <a:r>
+              <a:rPr lang="en-US" sz="2000" dirty="0" err="1"/>
+              <a:t>CustomerName</a:t>
+            </a:r>
+            <a:r>
+              <a:rPr lang="en-US" sz="2000" dirty="0"/>
+              <a:t>, City, Country)</a:t>
+            </a:r>
+            <a:br>
+              <a:rPr lang="en-US" sz="2000" dirty="0"/>
+            </a:br>
+            <a:r>
+              <a:rPr lang="en-US" sz="2000" dirty="0"/>
+              <a:t>SELECT </a:t>
+            </a:r>
+            <a:r>
+              <a:rPr lang="en-US" sz="2000" dirty="0" err="1"/>
+              <a:t>SupplierName</a:t>
+            </a:r>
+            <a:r>
+              <a:rPr lang="en-US" sz="2000" dirty="0"/>
+              <a:t>, City, Country FROM Suppliers;</a:t>
+            </a:r>
+          </a:p>
+          <a:p>
+            <a:endParaRPr lang="en-US" sz="2000" dirty="0" smtClean="0"/>
+          </a:p>
+          <a:p>
+            <a:endParaRPr lang="en-US" sz="2000" dirty="0"/>
+          </a:p>
+          <a:p>
+            <a:r>
+              <a:rPr lang="en-US" sz="2000" dirty="0" smtClean="0"/>
+              <a:t>Example:</a:t>
+            </a:r>
+          </a:p>
+          <a:p>
+            <a:endParaRPr lang="en-US" sz="2000" dirty="0"/>
+          </a:p>
+          <a:p>
+            <a:r>
+              <a:rPr lang="en-US" sz="2000" dirty="0"/>
+              <a:t>INSERT INTO Customers (</a:t>
+            </a:r>
+            <a:r>
+              <a:rPr lang="en-US" sz="2000" dirty="0" err="1"/>
+              <a:t>CustomerName</a:t>
+            </a:r>
+            <a:r>
+              <a:rPr lang="en-US" sz="2000" dirty="0"/>
+              <a:t>, City, Country)</a:t>
+            </a:r>
+            <a:br>
+              <a:rPr lang="en-US" sz="2000" dirty="0"/>
+            </a:br>
+            <a:r>
+              <a:rPr lang="en-US" sz="2000" dirty="0"/>
+              <a:t>SELECT </a:t>
+            </a:r>
+            <a:r>
+              <a:rPr lang="en-US" sz="2000" dirty="0" err="1"/>
+              <a:t>SupplierName</a:t>
+            </a:r>
+            <a:r>
+              <a:rPr lang="en-US" sz="2000" dirty="0"/>
+              <a:t>, City, Country FROM Suppliers</a:t>
+            </a:r>
+            <a:br>
+              <a:rPr lang="en-US" sz="2000" dirty="0"/>
+            </a:br>
+            <a:r>
+              <a:rPr lang="en-US" sz="2000" dirty="0"/>
+              <a:t>WHERE Country='Germany';</a:t>
+            </a:r>
+          </a:p>
+          <a:p>
+            <a:endParaRPr lang="en-IN" sz="2000" dirty="0"/>
+          </a:p>
+        </p:txBody>
+      </p:sp>
+    </p:spTree>
+    <p:extLst>
+      <p:ext uri="{BB962C8B-B14F-4D97-AF65-F5344CB8AC3E}">
+        <p14:creationId xmlns:p14="http://schemas.microsoft.com/office/powerpoint/2010/main" val="724476752"/>
+      </p:ext>
+    </p:extLst>
+  </p:cSld>
+  <p:clrMapOvr>
+    <a:masterClrMapping/>
+  </p:clrMapOvr>
+</p:sld>
+</file>
+
+<file path=ppt/slides/slide39.xml><?xml version="1.0" encoding="utf-8"?>
+<p:sld xmlns:a="http://schemas.openxmlformats.org/drawingml/2006/main" xmlns:r="http://schemas.openxmlformats.org/officeDocument/2006/relationships" xmlns:p="http://schemas.openxmlformats.org/presentationml/2006/main">
+  <p:cSld>
+    <p:spTree>
+      <p:nvGrpSpPr>
+        <p:cNvPr id="1" name=""/>
+        <p:cNvGrpSpPr/>
+        <p:nvPr/>
+      </p:nvGrpSpPr>
+      <p:grpSpPr>
+        <a:xfrm>
+          <a:off x="0" y="0"/>
+          <a:ext cx="0" cy="0"/>
+          <a:chOff x="0" y="0"/>
+          <a:chExt cx="0" cy="0"/>
+        </a:xfrm>
+      </p:grpSpPr>
+      <p:sp>
+        <p:nvSpPr>
+          <p:cNvPr id="2" name="Title 1"/>
+          <p:cNvSpPr>
+            <a:spLocks noGrp="1"/>
+          </p:cNvSpPr>
+          <p:nvPr>
+            <p:ph type="title"/>
+          </p:nvPr>
+        </p:nvSpPr>
+        <p:spPr/>
+        <p:txBody>
+          <a:bodyPr>
+            <a:normAutofit/>
+          </a:bodyPr>
+          <a:lstStyle/>
+          <a:p>
+            <a:r>
+              <a:rPr lang="en-US" sz="3200" dirty="0" smtClean="0"/>
+              <a:t>SQL Keys</a:t>
+            </a:r>
+            <a:endParaRPr lang="en-IN" sz="3200" dirty="0"/>
+          </a:p>
+        </p:txBody>
+      </p:sp>
+      <p:sp>
+        <p:nvSpPr>
+          <p:cNvPr id="3" name="Content Placeholder 2"/>
+          <p:cNvSpPr>
+            <a:spLocks noGrp="1"/>
+          </p:cNvSpPr>
+          <p:nvPr>
+            <p:ph idx="1"/>
+          </p:nvPr>
+        </p:nvSpPr>
+        <p:spPr/>
+        <p:txBody>
+          <a:bodyPr>
+            <a:normAutofit lnSpcReduction="10000"/>
+          </a:bodyPr>
+          <a:lstStyle/>
+          <a:p>
+            <a:r>
+              <a:rPr lang="en-IN" sz="2400" dirty="0"/>
+              <a:t>SQL PRIMARY </a:t>
+            </a:r>
+            <a:r>
+              <a:rPr lang="en-IN" sz="2400" dirty="0" smtClean="0"/>
+              <a:t>KEY</a:t>
+            </a:r>
+          </a:p>
+          <a:p>
+            <a:r>
+              <a:rPr lang="en-US" sz="1800" dirty="0"/>
+              <a:t>A column or columns is called </a:t>
+            </a:r>
+            <a:r>
+              <a:rPr lang="en-US" sz="1800" b="1" dirty="0"/>
+              <a:t>primary key (PK)</a:t>
+            </a:r>
+            <a:r>
+              <a:rPr lang="en-US" sz="1800" dirty="0"/>
+              <a:t> that </a:t>
+            </a:r>
+            <a:r>
+              <a:rPr lang="en-US" sz="1800" i="1" dirty="0"/>
+              <a:t>uniquely identifies each row in the table</a:t>
+            </a:r>
+            <a:r>
+              <a:rPr lang="en-US" sz="1800" dirty="0" smtClean="0"/>
+              <a:t>.</a:t>
+            </a:r>
+          </a:p>
+          <a:p>
+            <a:endParaRPr lang="en-US" sz="1800" dirty="0"/>
+          </a:p>
+          <a:p>
+            <a:r>
+              <a:rPr lang="en-US" sz="1800" dirty="0"/>
+              <a:t>When multiple columns are used as a primary key, it is known as </a:t>
+            </a:r>
+            <a:r>
+              <a:rPr lang="en-US" sz="1800" b="1" dirty="0"/>
+              <a:t>composite primary key</a:t>
+            </a:r>
+            <a:r>
+              <a:rPr lang="en-US" sz="1800" dirty="0" smtClean="0"/>
+              <a:t>.</a:t>
+            </a:r>
+          </a:p>
+          <a:p>
+            <a:endParaRPr lang="en-US" sz="1800" dirty="0"/>
+          </a:p>
+          <a:p>
+            <a:pPr marL="0" indent="0">
+              <a:buNone/>
+            </a:pPr>
+            <a:r>
+              <a:rPr lang="en-US" sz="2400" dirty="0"/>
+              <a:t>Points to remember for primary key:</a:t>
+            </a:r>
+          </a:p>
+          <a:p>
+            <a:r>
+              <a:rPr lang="en-US" sz="1800" dirty="0"/>
+              <a:t>Primary key enforces the entity integrity of the table.</a:t>
+            </a:r>
+          </a:p>
+          <a:p>
+            <a:r>
+              <a:rPr lang="en-US" sz="1800" dirty="0"/>
+              <a:t>Primary key always has unique data.</a:t>
+            </a:r>
+          </a:p>
+          <a:p>
+            <a:r>
+              <a:rPr lang="en-US" sz="1800" dirty="0"/>
+              <a:t>A primary key length cannot be exceeded than 900 bytes.</a:t>
+            </a:r>
+          </a:p>
+          <a:p>
+            <a:r>
+              <a:rPr lang="en-US" sz="1800" dirty="0"/>
+              <a:t>A primary key cannot have null value.</a:t>
+            </a:r>
+          </a:p>
+          <a:p>
+            <a:r>
+              <a:rPr lang="en-US" sz="1800" dirty="0"/>
+              <a:t>There can be no duplicate value for a primary key.</a:t>
+            </a:r>
+          </a:p>
+          <a:p>
+            <a:r>
+              <a:rPr lang="en-US" sz="1800" dirty="0"/>
+              <a:t>A table can contain only one primary key constraint.</a:t>
+            </a:r>
+          </a:p>
+          <a:p>
+            <a:endParaRPr lang="en-US" sz="1800" dirty="0"/>
+          </a:p>
+          <a:p>
+            <a:endParaRPr lang="en-IN" sz="2400" dirty="0"/>
+          </a:p>
+          <a:p>
+            <a:endParaRPr lang="en-IN" sz="2000" dirty="0"/>
+          </a:p>
+        </p:txBody>
+      </p:sp>
+    </p:spTree>
+    <p:extLst>
+      <p:ext uri="{BB962C8B-B14F-4D97-AF65-F5344CB8AC3E}">
+        <p14:creationId xmlns:p14="http://schemas.microsoft.com/office/powerpoint/2010/main" val="2614392472"/>
       </p:ext>
     </p:extLst>
   </p:cSld>
@@ -10330,6 +10851,3725 @@
 </p:sld>
 </file>
 
+<file path=ppt/slides/slide40.xml><?xml version="1.0" encoding="utf-8"?>
+<p:sld xmlns:a="http://schemas.openxmlformats.org/drawingml/2006/main" xmlns:r="http://schemas.openxmlformats.org/officeDocument/2006/relationships" xmlns:p="http://schemas.openxmlformats.org/presentationml/2006/main">
+  <p:cSld>
+    <p:spTree>
+      <p:nvGrpSpPr>
+        <p:cNvPr id="1" name=""/>
+        <p:cNvGrpSpPr/>
+        <p:nvPr/>
+      </p:nvGrpSpPr>
+      <p:grpSpPr>
+        <a:xfrm>
+          <a:off x="0" y="0"/>
+          <a:ext cx="0" cy="0"/>
+          <a:chOff x="0" y="0"/>
+          <a:chExt cx="0" cy="0"/>
+        </a:xfrm>
+      </p:grpSpPr>
+      <p:sp>
+        <p:nvSpPr>
+          <p:cNvPr id="2" name="Title 1"/>
+          <p:cNvSpPr>
+            <a:spLocks noGrp="1"/>
+          </p:cNvSpPr>
+          <p:nvPr>
+            <p:ph type="title"/>
+          </p:nvPr>
+        </p:nvSpPr>
+        <p:spPr/>
+        <p:txBody>
+          <a:bodyPr/>
+          <a:lstStyle/>
+          <a:p>
+            <a:endParaRPr lang="en-IN" dirty="0"/>
+          </a:p>
+        </p:txBody>
+      </p:sp>
+      <p:sp>
+        <p:nvSpPr>
+          <p:cNvPr id="3" name="Content Placeholder 2"/>
+          <p:cNvSpPr>
+            <a:spLocks noGrp="1"/>
+          </p:cNvSpPr>
+          <p:nvPr>
+            <p:ph idx="1"/>
+          </p:nvPr>
+        </p:nvSpPr>
+        <p:spPr/>
+        <p:txBody>
+          <a:bodyPr/>
+          <a:lstStyle/>
+          <a:p>
+            <a:r>
+              <a:rPr lang="en-US" sz="2400" dirty="0" smtClean="0"/>
+              <a:t>Example:</a:t>
+            </a:r>
+          </a:p>
+          <a:p>
+            <a:r>
+              <a:rPr lang="en-US" sz="1800" b="1" dirty="0"/>
+              <a:t>CREATE</a:t>
+            </a:r>
+            <a:r>
+              <a:rPr lang="en-US" sz="1800" dirty="0"/>
+              <a:t> </a:t>
+            </a:r>
+            <a:r>
+              <a:rPr lang="en-US" sz="1800" b="1" dirty="0"/>
+              <a:t>TABLE</a:t>
+            </a:r>
+            <a:r>
+              <a:rPr lang="en-US" sz="1800" dirty="0"/>
+              <a:t> students  </a:t>
+            </a:r>
+          </a:p>
+          <a:p>
+            <a:r>
+              <a:rPr lang="en-US" sz="1800" dirty="0"/>
+              <a:t>(  </a:t>
+            </a:r>
+          </a:p>
+          <a:p>
+            <a:r>
+              <a:rPr lang="en-US" sz="1800" dirty="0" err="1"/>
+              <a:t>S_Id</a:t>
+            </a:r>
+            <a:r>
+              <a:rPr lang="en-US" sz="1800" dirty="0"/>
+              <a:t> </a:t>
+            </a:r>
+            <a:r>
+              <a:rPr lang="en-US" sz="1800" b="1" dirty="0" err="1"/>
+              <a:t>int</a:t>
+            </a:r>
+            <a:r>
+              <a:rPr lang="en-US" sz="1800" dirty="0"/>
+              <a:t> NOT NULL </a:t>
+            </a:r>
+            <a:r>
+              <a:rPr lang="en-US" sz="1800" b="1" dirty="0"/>
+              <a:t>PRIMARY</a:t>
+            </a:r>
+            <a:r>
+              <a:rPr lang="en-US" sz="1800" dirty="0"/>
+              <a:t> </a:t>
+            </a:r>
+            <a:r>
+              <a:rPr lang="en-US" sz="1800" b="1" dirty="0"/>
+              <a:t>KEY</a:t>
+            </a:r>
+            <a:r>
+              <a:rPr lang="en-US" sz="1800" dirty="0"/>
+              <a:t>,  </a:t>
+            </a:r>
+          </a:p>
+          <a:p>
+            <a:r>
+              <a:rPr lang="en-US" sz="1800" dirty="0" err="1"/>
+              <a:t>LastName</a:t>
+            </a:r>
+            <a:r>
+              <a:rPr lang="en-US" sz="1800" dirty="0"/>
+              <a:t> </a:t>
+            </a:r>
+            <a:r>
+              <a:rPr lang="en-US" sz="1800" b="1" dirty="0" err="1"/>
+              <a:t>varchar</a:t>
+            </a:r>
+            <a:r>
+              <a:rPr lang="en-US" sz="1800" dirty="0"/>
+              <a:t> (255) NOT NULL,  </a:t>
+            </a:r>
+          </a:p>
+          <a:p>
+            <a:r>
+              <a:rPr lang="en-US" sz="1800" dirty="0" err="1"/>
+              <a:t>FirstName</a:t>
+            </a:r>
+            <a:r>
+              <a:rPr lang="en-US" sz="1800" dirty="0"/>
+              <a:t> </a:t>
+            </a:r>
+            <a:r>
+              <a:rPr lang="en-US" sz="1800" b="1" dirty="0" err="1"/>
+              <a:t>varchar</a:t>
+            </a:r>
+            <a:r>
+              <a:rPr lang="en-US" sz="1800" dirty="0"/>
+              <a:t> (255),  </a:t>
+            </a:r>
+          </a:p>
+          <a:p>
+            <a:r>
+              <a:rPr lang="en-US" sz="1800" dirty="0"/>
+              <a:t>Address </a:t>
+            </a:r>
+            <a:r>
+              <a:rPr lang="en-US" sz="1800" b="1" dirty="0" err="1"/>
+              <a:t>varchar</a:t>
+            </a:r>
+            <a:r>
+              <a:rPr lang="en-US" sz="1800" dirty="0"/>
+              <a:t> (255),  </a:t>
+            </a:r>
+          </a:p>
+          <a:p>
+            <a:r>
+              <a:rPr lang="en-US" sz="1800" dirty="0"/>
+              <a:t>City </a:t>
+            </a:r>
+            <a:r>
+              <a:rPr lang="en-US" sz="1800" b="1" dirty="0" err="1"/>
+              <a:t>varchar</a:t>
+            </a:r>
+            <a:r>
+              <a:rPr lang="en-US" sz="1800" dirty="0"/>
+              <a:t> (255),  </a:t>
+            </a:r>
+          </a:p>
+          <a:p>
+            <a:r>
+              <a:rPr lang="en-US" sz="1800" dirty="0"/>
+              <a:t>)  </a:t>
+            </a:r>
+          </a:p>
+          <a:p>
+            <a:endParaRPr lang="en-IN" sz="2400" dirty="0"/>
+          </a:p>
+        </p:txBody>
+      </p:sp>
+    </p:spTree>
+    <p:extLst>
+      <p:ext uri="{BB962C8B-B14F-4D97-AF65-F5344CB8AC3E}">
+        <p14:creationId xmlns:p14="http://schemas.microsoft.com/office/powerpoint/2010/main" val="2133803438"/>
+      </p:ext>
+    </p:extLst>
+  </p:cSld>
+  <p:clrMapOvr>
+    <a:masterClrMapping/>
+  </p:clrMapOvr>
+</p:sld>
+</file>
+
+<file path=ppt/slides/slide41.xml><?xml version="1.0" encoding="utf-8"?>
+<p:sld xmlns:a="http://schemas.openxmlformats.org/drawingml/2006/main" xmlns:r="http://schemas.openxmlformats.org/officeDocument/2006/relationships" xmlns:p="http://schemas.openxmlformats.org/presentationml/2006/main">
+  <p:cSld>
+    <p:spTree>
+      <p:nvGrpSpPr>
+        <p:cNvPr id="1" name=""/>
+        <p:cNvGrpSpPr/>
+        <p:nvPr/>
+      </p:nvGrpSpPr>
+      <p:grpSpPr>
+        <a:xfrm>
+          <a:off x="0" y="0"/>
+          <a:ext cx="0" cy="0"/>
+          <a:chOff x="0" y="0"/>
+          <a:chExt cx="0" cy="0"/>
+        </a:xfrm>
+      </p:grpSpPr>
+      <p:sp>
+        <p:nvSpPr>
+          <p:cNvPr id="2" name="Title 1"/>
+          <p:cNvSpPr>
+            <a:spLocks noGrp="1"/>
+          </p:cNvSpPr>
+          <p:nvPr>
+            <p:ph type="title"/>
+          </p:nvPr>
+        </p:nvSpPr>
+        <p:spPr/>
+        <p:txBody>
+          <a:bodyPr/>
+          <a:lstStyle/>
+          <a:p>
+            <a:endParaRPr lang="en-IN"/>
+          </a:p>
+        </p:txBody>
+      </p:sp>
+      <p:sp>
+        <p:nvSpPr>
+          <p:cNvPr id="3" name="Content Placeholder 2"/>
+          <p:cNvSpPr>
+            <a:spLocks noGrp="1"/>
+          </p:cNvSpPr>
+          <p:nvPr>
+            <p:ph idx="1"/>
+          </p:nvPr>
+        </p:nvSpPr>
+        <p:spPr/>
+        <p:txBody>
+          <a:bodyPr>
+            <a:normAutofit/>
+          </a:bodyPr>
+          <a:lstStyle/>
+          <a:p>
+            <a:r>
+              <a:rPr lang="en-US" sz="1800" b="1" dirty="0"/>
+              <a:t>CREATE</a:t>
+            </a:r>
+            <a:r>
+              <a:rPr lang="en-US" sz="1800" dirty="0"/>
+              <a:t> </a:t>
+            </a:r>
+            <a:r>
+              <a:rPr lang="en-US" sz="1800" b="1" dirty="0"/>
+              <a:t>TABLE</a:t>
+            </a:r>
+            <a:r>
+              <a:rPr lang="en-US" sz="1800" dirty="0"/>
+              <a:t> students  </a:t>
+            </a:r>
+          </a:p>
+          <a:p>
+            <a:r>
+              <a:rPr lang="en-US" sz="1800" dirty="0"/>
+              <a:t>(  </a:t>
+            </a:r>
+          </a:p>
+          <a:p>
+            <a:r>
+              <a:rPr lang="en-US" sz="1800" dirty="0" err="1"/>
+              <a:t>S_Id</a:t>
+            </a:r>
+            <a:r>
+              <a:rPr lang="en-US" sz="1800" dirty="0"/>
+              <a:t> </a:t>
+            </a:r>
+            <a:r>
+              <a:rPr lang="en-US" sz="1800" b="1" dirty="0" err="1"/>
+              <a:t>int</a:t>
+            </a:r>
+            <a:r>
+              <a:rPr lang="en-US" sz="1800" dirty="0"/>
+              <a:t> NOT NULL,  </a:t>
+            </a:r>
+          </a:p>
+          <a:p>
+            <a:r>
+              <a:rPr lang="en-US" sz="1800" dirty="0" err="1"/>
+              <a:t>LastName</a:t>
+            </a:r>
+            <a:r>
+              <a:rPr lang="en-US" sz="1800" dirty="0"/>
+              <a:t> </a:t>
+            </a:r>
+            <a:r>
+              <a:rPr lang="en-US" sz="1800" b="1" dirty="0" err="1"/>
+              <a:t>varchar</a:t>
+            </a:r>
+            <a:r>
+              <a:rPr lang="en-US" sz="1800" dirty="0"/>
+              <a:t> (255) NOT NULL,  </a:t>
+            </a:r>
+          </a:p>
+          <a:p>
+            <a:r>
+              <a:rPr lang="en-US" sz="1800" dirty="0" err="1"/>
+              <a:t>FirstName</a:t>
+            </a:r>
+            <a:r>
+              <a:rPr lang="en-US" sz="1800" dirty="0"/>
+              <a:t> </a:t>
+            </a:r>
+            <a:r>
+              <a:rPr lang="en-US" sz="1800" b="1" dirty="0" err="1"/>
+              <a:t>varchar</a:t>
+            </a:r>
+            <a:r>
+              <a:rPr lang="en-US" sz="1800" dirty="0"/>
+              <a:t> (255),  </a:t>
+            </a:r>
+          </a:p>
+          <a:p>
+            <a:r>
+              <a:rPr lang="en-US" sz="1800" dirty="0"/>
+              <a:t>Address </a:t>
+            </a:r>
+            <a:r>
+              <a:rPr lang="en-US" sz="1800" b="1" dirty="0" err="1"/>
+              <a:t>varchar</a:t>
+            </a:r>
+            <a:r>
+              <a:rPr lang="en-US" sz="1800" dirty="0"/>
+              <a:t> (255),  </a:t>
+            </a:r>
+          </a:p>
+          <a:p>
+            <a:r>
+              <a:rPr lang="en-US" sz="1800" dirty="0"/>
+              <a:t>City </a:t>
+            </a:r>
+            <a:r>
+              <a:rPr lang="en-US" sz="1800" b="1" dirty="0" err="1"/>
+              <a:t>varchar</a:t>
+            </a:r>
+            <a:r>
+              <a:rPr lang="en-US" sz="1800" dirty="0"/>
+              <a:t> (255),  </a:t>
+            </a:r>
+          </a:p>
+          <a:p>
+            <a:r>
+              <a:rPr lang="en-US" sz="1800" b="1" dirty="0"/>
+              <a:t>CONSTRAINT</a:t>
+            </a:r>
+            <a:r>
+              <a:rPr lang="en-US" sz="1800" dirty="0"/>
+              <a:t> </a:t>
+            </a:r>
+            <a:r>
+              <a:rPr lang="en-US" sz="1800" dirty="0" err="1"/>
+              <a:t>pk_StudentID</a:t>
+            </a:r>
+            <a:r>
+              <a:rPr lang="en-US" sz="1800" dirty="0"/>
+              <a:t> </a:t>
+            </a:r>
+            <a:r>
+              <a:rPr lang="en-US" sz="1800" b="1" dirty="0"/>
+              <a:t>PRIMARY</a:t>
+            </a:r>
+            <a:r>
+              <a:rPr lang="en-US" sz="1800" dirty="0"/>
+              <a:t> </a:t>
+            </a:r>
+            <a:r>
+              <a:rPr lang="en-US" sz="1800" b="1" dirty="0"/>
+              <a:t>KEY</a:t>
+            </a:r>
+            <a:r>
+              <a:rPr lang="en-US" sz="1800" dirty="0"/>
+              <a:t> (</a:t>
+            </a:r>
+            <a:r>
+              <a:rPr lang="en-US" sz="1800" dirty="0" err="1"/>
+              <a:t>S_Id</a:t>
+            </a:r>
+            <a:r>
+              <a:rPr lang="en-US" sz="1800" dirty="0"/>
+              <a:t>, </a:t>
+            </a:r>
+            <a:r>
+              <a:rPr lang="en-US" sz="1800" dirty="0" err="1"/>
+              <a:t>LastName</a:t>
+            </a:r>
+            <a:r>
+              <a:rPr lang="en-US" sz="1800" dirty="0"/>
+              <a:t>)  </a:t>
+            </a:r>
+          </a:p>
+          <a:p>
+            <a:r>
+              <a:rPr lang="en-US" sz="1800" dirty="0"/>
+              <a:t>)  </a:t>
+            </a:r>
+          </a:p>
+          <a:p>
+            <a:r>
+              <a:rPr lang="en-US" sz="1800" b="1" dirty="0" err="1"/>
+              <a:t>Note:</a:t>
+            </a:r>
+            <a:r>
+              <a:rPr lang="en-US" sz="1800" dirty="0" err="1"/>
+              <a:t>you</a:t>
+            </a:r>
+            <a:r>
+              <a:rPr lang="en-US" sz="1800" dirty="0"/>
+              <a:t> should note that in the above example there is only one PRIMARY KEY (</a:t>
+            </a:r>
+            <a:r>
+              <a:rPr lang="en-US" sz="1800" dirty="0" err="1"/>
+              <a:t>pk_StudentID</a:t>
+            </a:r>
+            <a:r>
+              <a:rPr lang="en-US" sz="1800" dirty="0"/>
+              <a:t>). However it is made up of two columns (</a:t>
+            </a:r>
+            <a:r>
+              <a:rPr lang="en-US" sz="1800" dirty="0" err="1"/>
+              <a:t>S_Id</a:t>
+            </a:r>
+            <a:r>
+              <a:rPr lang="en-US" sz="1800" dirty="0"/>
+              <a:t> and </a:t>
+            </a:r>
+            <a:r>
+              <a:rPr lang="en-US" sz="1800" dirty="0" err="1"/>
+              <a:t>LastName</a:t>
+            </a:r>
+            <a:r>
+              <a:rPr lang="en-US" sz="1800" dirty="0"/>
+              <a:t>).</a:t>
+            </a:r>
+          </a:p>
+          <a:p>
+            <a:r>
+              <a:rPr lang="en-US" sz="1800" dirty="0"/>
+              <a:t/>
+            </a:r>
+            <a:br>
+              <a:rPr lang="en-US" sz="1800" dirty="0"/>
+            </a:br>
+            <a:endParaRPr lang="en-IN" sz="1800" dirty="0"/>
+          </a:p>
+        </p:txBody>
+      </p:sp>
+    </p:spTree>
+    <p:extLst>
+      <p:ext uri="{BB962C8B-B14F-4D97-AF65-F5344CB8AC3E}">
+        <p14:creationId xmlns:p14="http://schemas.microsoft.com/office/powerpoint/2010/main" val="4006375477"/>
+      </p:ext>
+    </p:extLst>
+  </p:cSld>
+  <p:clrMapOvr>
+    <a:masterClrMapping/>
+  </p:clrMapOvr>
+</p:sld>
+</file>
+
+<file path=ppt/slides/slide42.xml><?xml version="1.0" encoding="utf-8"?>
+<p:sld xmlns:a="http://schemas.openxmlformats.org/drawingml/2006/main" xmlns:r="http://schemas.openxmlformats.org/officeDocument/2006/relationships" xmlns:p="http://schemas.openxmlformats.org/presentationml/2006/main">
+  <p:cSld>
+    <p:spTree>
+      <p:nvGrpSpPr>
+        <p:cNvPr id="1" name=""/>
+        <p:cNvGrpSpPr/>
+        <p:nvPr/>
+      </p:nvGrpSpPr>
+      <p:grpSpPr>
+        <a:xfrm>
+          <a:off x="0" y="0"/>
+          <a:ext cx="0" cy="0"/>
+          <a:chOff x="0" y="0"/>
+          <a:chExt cx="0" cy="0"/>
+        </a:xfrm>
+      </p:grpSpPr>
+      <p:sp>
+        <p:nvSpPr>
+          <p:cNvPr id="2" name="Title 1"/>
+          <p:cNvSpPr>
+            <a:spLocks noGrp="1"/>
+          </p:cNvSpPr>
+          <p:nvPr>
+            <p:ph type="title"/>
+          </p:nvPr>
+        </p:nvSpPr>
+        <p:spPr/>
+        <p:txBody>
+          <a:bodyPr/>
+          <a:lstStyle/>
+          <a:p>
+            <a:endParaRPr lang="en-IN"/>
+          </a:p>
+        </p:txBody>
+      </p:sp>
+      <p:sp>
+        <p:nvSpPr>
+          <p:cNvPr id="3" name="Content Placeholder 2"/>
+          <p:cNvSpPr>
+            <a:spLocks noGrp="1"/>
+          </p:cNvSpPr>
+          <p:nvPr>
+            <p:ph idx="1"/>
+          </p:nvPr>
+        </p:nvSpPr>
+        <p:spPr/>
+        <p:txBody>
+          <a:bodyPr>
+            <a:normAutofit/>
+          </a:bodyPr>
+          <a:lstStyle/>
+          <a:p>
+            <a:r>
+              <a:rPr lang="en-US" dirty="0" smtClean="0"/>
+              <a:t>Example:</a:t>
+            </a:r>
+          </a:p>
+          <a:p>
+            <a:r>
+              <a:rPr lang="en-US" sz="1800" b="1" dirty="0"/>
+              <a:t>Primary key on one column:</a:t>
+            </a:r>
+            <a:endParaRPr lang="en-US" sz="1800" dirty="0"/>
+          </a:p>
+          <a:p>
+            <a:r>
+              <a:rPr lang="en-US" sz="1800" b="1" dirty="0"/>
+              <a:t>ALTER</a:t>
+            </a:r>
+            <a:r>
+              <a:rPr lang="en-US" sz="1800" dirty="0"/>
+              <a:t> </a:t>
+            </a:r>
+            <a:r>
+              <a:rPr lang="en-US" sz="1800" b="1" dirty="0"/>
+              <a:t>TABLE</a:t>
+            </a:r>
+            <a:r>
+              <a:rPr lang="en-US" sz="1800" dirty="0"/>
+              <a:t> students  </a:t>
+            </a:r>
+          </a:p>
+          <a:p>
+            <a:r>
+              <a:rPr lang="en-US" sz="1800" b="1" dirty="0"/>
+              <a:t>ADD</a:t>
+            </a:r>
+            <a:r>
+              <a:rPr lang="en-US" sz="1800" dirty="0"/>
+              <a:t> </a:t>
+            </a:r>
+            <a:r>
+              <a:rPr lang="en-US" sz="1800" b="1" dirty="0"/>
+              <a:t>PRIMARY</a:t>
+            </a:r>
+            <a:r>
+              <a:rPr lang="en-US" sz="1800" dirty="0"/>
+              <a:t> </a:t>
+            </a:r>
+            <a:r>
+              <a:rPr lang="en-US" sz="1800" b="1" dirty="0"/>
+              <a:t>KEY</a:t>
+            </a:r>
+            <a:r>
+              <a:rPr lang="en-US" sz="1800" dirty="0"/>
+              <a:t> (</a:t>
+            </a:r>
+            <a:r>
+              <a:rPr lang="en-US" sz="1800" dirty="0" err="1"/>
+              <a:t>S_Id</a:t>
+            </a:r>
+            <a:r>
+              <a:rPr lang="en-US" sz="1800" dirty="0"/>
+              <a:t>)  </a:t>
+            </a:r>
+            <a:endParaRPr lang="en-US" sz="1800" dirty="0" smtClean="0"/>
+          </a:p>
+          <a:p>
+            <a:endParaRPr lang="en-US" sz="1800" dirty="0"/>
+          </a:p>
+          <a:p>
+            <a:r>
+              <a:rPr lang="en-US" sz="1800" b="1" dirty="0"/>
+              <a:t>Primary key on multiple column:</a:t>
+            </a:r>
+            <a:endParaRPr lang="en-US" sz="1800" dirty="0"/>
+          </a:p>
+          <a:p>
+            <a:r>
+              <a:rPr lang="en-US" sz="1800" b="1" dirty="0"/>
+              <a:t>ALTER</a:t>
+            </a:r>
+            <a:r>
+              <a:rPr lang="en-US" sz="1800" dirty="0"/>
+              <a:t> </a:t>
+            </a:r>
+            <a:r>
+              <a:rPr lang="en-US" sz="1800" b="1" dirty="0"/>
+              <a:t>TABLE</a:t>
+            </a:r>
+            <a:r>
+              <a:rPr lang="en-US" sz="1800" dirty="0"/>
+              <a:t> students  </a:t>
+            </a:r>
+          </a:p>
+          <a:p>
+            <a:r>
+              <a:rPr lang="en-US" sz="1800" b="1" dirty="0"/>
+              <a:t>ADD</a:t>
+            </a:r>
+            <a:r>
+              <a:rPr lang="en-US" sz="1800" dirty="0"/>
+              <a:t> </a:t>
+            </a:r>
+            <a:r>
+              <a:rPr lang="en-US" sz="1800" b="1" dirty="0"/>
+              <a:t>CONSTRAINT</a:t>
+            </a:r>
+            <a:r>
+              <a:rPr lang="en-US" sz="1800" dirty="0"/>
+              <a:t> </a:t>
+            </a:r>
+            <a:r>
+              <a:rPr lang="en-US" sz="1800" dirty="0" err="1"/>
+              <a:t>pk_StudentID</a:t>
+            </a:r>
+            <a:r>
+              <a:rPr lang="en-US" sz="1800" dirty="0"/>
+              <a:t> </a:t>
+            </a:r>
+            <a:r>
+              <a:rPr lang="en-US" sz="1800" b="1" dirty="0"/>
+              <a:t>PRIMARY</a:t>
+            </a:r>
+            <a:r>
+              <a:rPr lang="en-US" sz="1800" dirty="0"/>
+              <a:t> </a:t>
+            </a:r>
+            <a:r>
+              <a:rPr lang="en-US" sz="1800" b="1" dirty="0"/>
+              <a:t>KEY</a:t>
+            </a:r>
+            <a:r>
+              <a:rPr lang="en-US" sz="1800" dirty="0"/>
+              <a:t> (</a:t>
+            </a:r>
+            <a:r>
+              <a:rPr lang="en-US" sz="1800" dirty="0" err="1"/>
+              <a:t>S_Id,LastName</a:t>
+            </a:r>
+            <a:r>
+              <a:rPr lang="en-US" sz="1800" dirty="0"/>
+              <a:t>) </a:t>
+            </a:r>
+            <a:r>
+              <a:rPr lang="en-US" dirty="0"/>
+              <a:t> </a:t>
+            </a:r>
+          </a:p>
+          <a:p>
+            <a:endParaRPr lang="en-IN" dirty="0"/>
+          </a:p>
+        </p:txBody>
+      </p:sp>
+    </p:spTree>
+    <p:extLst>
+      <p:ext uri="{BB962C8B-B14F-4D97-AF65-F5344CB8AC3E}">
+        <p14:creationId xmlns:p14="http://schemas.microsoft.com/office/powerpoint/2010/main" val="781656487"/>
+      </p:ext>
+    </p:extLst>
+  </p:cSld>
+  <p:clrMapOvr>
+    <a:masterClrMapping/>
+  </p:clrMapOvr>
+</p:sld>
+</file>
+
+<file path=ppt/slides/slide43.xml><?xml version="1.0" encoding="utf-8"?>
+<p:sld xmlns:a="http://schemas.openxmlformats.org/drawingml/2006/main" xmlns:r="http://schemas.openxmlformats.org/officeDocument/2006/relationships" xmlns:p="http://schemas.openxmlformats.org/presentationml/2006/main">
+  <p:cSld>
+    <p:spTree>
+      <p:nvGrpSpPr>
+        <p:cNvPr id="1" name=""/>
+        <p:cNvGrpSpPr/>
+        <p:nvPr/>
+      </p:nvGrpSpPr>
+      <p:grpSpPr>
+        <a:xfrm>
+          <a:off x="0" y="0"/>
+          <a:ext cx="0" cy="0"/>
+          <a:chOff x="0" y="0"/>
+          <a:chExt cx="0" cy="0"/>
+        </a:xfrm>
+      </p:grpSpPr>
+      <p:sp>
+        <p:nvSpPr>
+          <p:cNvPr id="2" name="Title 1"/>
+          <p:cNvSpPr>
+            <a:spLocks noGrp="1"/>
+          </p:cNvSpPr>
+          <p:nvPr>
+            <p:ph type="title"/>
+          </p:nvPr>
+        </p:nvSpPr>
+        <p:spPr/>
+        <p:txBody>
+          <a:bodyPr>
+            <a:normAutofit fontScale="90000"/>
+          </a:bodyPr>
+          <a:lstStyle/>
+          <a:p>
+            <a:r>
+              <a:rPr lang="en-IN" sz="3100" dirty="0"/>
+              <a:t>SQL FOREIGN KEY</a:t>
+            </a:r>
+            <a:r>
+              <a:rPr lang="en-IN" dirty="0"/>
+              <a:t/>
+            </a:r>
+            <a:br>
+              <a:rPr lang="en-IN" dirty="0"/>
+            </a:br>
+            <a:endParaRPr lang="en-IN" dirty="0"/>
+          </a:p>
+        </p:txBody>
+      </p:sp>
+      <p:sp>
+        <p:nvSpPr>
+          <p:cNvPr id="3" name="Content Placeholder 2"/>
+          <p:cNvSpPr>
+            <a:spLocks noGrp="1"/>
+          </p:cNvSpPr>
+          <p:nvPr>
+            <p:ph idx="1"/>
+          </p:nvPr>
+        </p:nvSpPr>
+        <p:spPr/>
+        <p:txBody>
+          <a:bodyPr/>
+          <a:lstStyle/>
+          <a:p>
+            <a:r>
+              <a:rPr lang="en-US" sz="1800" dirty="0"/>
+              <a:t>In the relational databases, a foreign key is a field or a column that is used to establish a link between two tables.</a:t>
+            </a:r>
+          </a:p>
+          <a:p>
+            <a:r>
+              <a:rPr lang="en-US" sz="1800" dirty="0"/>
+              <a:t>In simple words you can say that, a foreign key in one table used to point primary key in another table</a:t>
+            </a:r>
+            <a:r>
+              <a:rPr lang="en-US" sz="1800" dirty="0" smtClean="0"/>
+              <a:t>.</a:t>
+            </a:r>
+          </a:p>
+          <a:p>
+            <a:endParaRPr lang="en-US" sz="1800" dirty="0"/>
+          </a:p>
+          <a:p>
+            <a:r>
+              <a:rPr lang="en-US" sz="1800" dirty="0" smtClean="0"/>
+              <a:t>Here we have two </a:t>
+            </a:r>
+            <a:r>
+              <a:rPr lang="en-US" sz="1800" dirty="0"/>
+              <a:t>tables first one is students table and second is orders table</a:t>
+            </a:r>
+            <a:r>
+              <a:rPr lang="en-US" sz="1800" dirty="0" smtClean="0"/>
+              <a:t>.</a:t>
+            </a:r>
+          </a:p>
+          <a:p>
+            <a:endParaRPr lang="en-US" sz="1800" dirty="0"/>
+          </a:p>
+          <a:p>
+            <a:endParaRPr lang="en-US" sz="1800" dirty="0"/>
+          </a:p>
+          <a:p>
+            <a:endParaRPr lang="en-IN" dirty="0"/>
+          </a:p>
+        </p:txBody>
+      </p:sp>
+    </p:spTree>
+    <p:extLst>
+      <p:ext uri="{BB962C8B-B14F-4D97-AF65-F5344CB8AC3E}">
+        <p14:creationId xmlns:p14="http://schemas.microsoft.com/office/powerpoint/2010/main" val="2987321728"/>
+      </p:ext>
+    </p:extLst>
+  </p:cSld>
+  <p:clrMapOvr>
+    <a:masterClrMapping/>
+  </p:clrMapOvr>
+</p:sld>
+</file>
+
+<file path=ppt/slides/slide44.xml><?xml version="1.0" encoding="utf-8"?>
+<p:sld xmlns:a="http://schemas.openxmlformats.org/drawingml/2006/main" xmlns:r="http://schemas.openxmlformats.org/officeDocument/2006/relationships" xmlns:p="http://schemas.openxmlformats.org/presentationml/2006/main">
+  <p:cSld>
+    <p:spTree>
+      <p:nvGrpSpPr>
+        <p:cNvPr id="1" name=""/>
+        <p:cNvGrpSpPr/>
+        <p:nvPr/>
+      </p:nvGrpSpPr>
+      <p:grpSpPr>
+        <a:xfrm>
+          <a:off x="0" y="0"/>
+          <a:ext cx="0" cy="0"/>
+          <a:chOff x="0" y="0"/>
+          <a:chExt cx="0" cy="0"/>
+        </a:xfrm>
+      </p:grpSpPr>
+      <p:sp>
+        <p:nvSpPr>
+          <p:cNvPr id="2" name="Title 1"/>
+          <p:cNvSpPr>
+            <a:spLocks noGrp="1"/>
+          </p:cNvSpPr>
+          <p:nvPr>
+            <p:ph type="title"/>
+          </p:nvPr>
+        </p:nvSpPr>
+        <p:spPr/>
+        <p:txBody>
+          <a:bodyPr/>
+          <a:lstStyle/>
+          <a:p>
+            <a:endParaRPr lang="en-IN" dirty="0"/>
+          </a:p>
+        </p:txBody>
+      </p:sp>
+      <p:graphicFrame>
+        <p:nvGraphicFramePr>
+          <p:cNvPr id="4" name="Content Placeholder 3"/>
+          <p:cNvGraphicFramePr>
+            <a:graphicFrameLocks noGrp="1"/>
+          </p:cNvGraphicFramePr>
+          <p:nvPr>
+            <p:ph idx="1"/>
+            <p:extLst>
+              <p:ext uri="{D42A27DB-BD31-4B8C-83A1-F6EECF244321}">
+                <p14:modId xmlns:p14="http://schemas.microsoft.com/office/powerpoint/2010/main" val="1788502319"/>
+              </p:ext>
+            </p:extLst>
+          </p:nvPr>
+        </p:nvGraphicFramePr>
+        <p:xfrm>
+          <a:off x="533400" y="2133600"/>
+          <a:ext cx="7047908" cy="1783080"/>
+        </p:xfrm>
+        <a:graphic>
+          <a:graphicData uri="http://schemas.openxmlformats.org/drawingml/2006/table">
+            <a:tbl>
+              <a:tblPr/>
+              <a:tblGrid>
+                <a:gridCol w="1761977"/>
+                <a:gridCol w="1761977"/>
+                <a:gridCol w="1761977"/>
+                <a:gridCol w="1761977"/>
+              </a:tblGrid>
+              <a:tr h="0">
+                <a:tc>
+                  <a:txBody>
+                    <a:bodyPr/>
+                    <a:lstStyle/>
+                    <a:p>
+                      <a:pPr algn="l" fontAlgn="t"/>
+                      <a:r>
+                        <a:rPr lang="en-IN" dirty="0" err="1">
+                          <a:solidFill>
+                            <a:srgbClr val="000000"/>
+                          </a:solidFill>
+                          <a:effectLst/>
+                          <a:latin typeface="times new roman"/>
+                        </a:rPr>
+                        <a:t>S_Id</a:t>
+                      </a:r>
+                      <a:endParaRPr lang="en-IN" dirty="0">
+                        <a:solidFill>
+                          <a:srgbClr val="000000"/>
+                        </a:solidFill>
+                        <a:effectLst/>
+                        <a:latin typeface="times new roman"/>
+                      </a:endParaRPr>
+                    </a:p>
+                  </a:txBody>
+                  <a:tcPr marL="114300" marR="114300" marT="114300" marB="114300">
+                    <a:lnL w="9525" cap="flat" cmpd="sng" algn="ctr">
+                      <a:solidFill>
+                        <a:srgbClr val="F03485"/>
+                      </a:solidFill>
+                      <a:prstDash val="solid"/>
+                      <a:round/>
+                      <a:headEnd type="none" w="med" len="med"/>
+                      <a:tailEnd type="none" w="med" len="med"/>
+                    </a:lnL>
+                    <a:lnR w="9525" cap="flat" cmpd="sng" algn="ctr">
+                      <a:solidFill>
+                        <a:srgbClr val="F03485"/>
+                      </a:solidFill>
+                      <a:prstDash val="solid"/>
+                      <a:round/>
+                      <a:headEnd type="none" w="med" len="med"/>
+                      <a:tailEnd type="none" w="med" len="med"/>
+                    </a:lnR>
+                    <a:lnT w="9525" cap="flat" cmpd="sng" algn="ctr">
+                      <a:solidFill>
+                        <a:srgbClr val="F03485"/>
+                      </a:solidFill>
+                      <a:prstDash val="solid"/>
+                      <a:round/>
+                      <a:headEnd type="none" w="med" len="med"/>
+                      <a:tailEnd type="none" w="med" len="med"/>
+                    </a:lnT>
+                    <a:lnB w="9525" cap="flat" cmpd="sng" algn="ctr">
+                      <a:solidFill>
+                        <a:srgbClr val="C7CCBE"/>
+                      </a:solidFill>
+                      <a:prstDash val="solid"/>
+                      <a:round/>
+                      <a:headEnd type="none" w="med" len="med"/>
+                      <a:tailEnd type="none" w="med" len="med"/>
+                    </a:lnB>
+                    <a:solidFill>
+                      <a:srgbClr val="C7CCBE"/>
+                    </a:solidFill>
+                  </a:tcPr>
+                </a:tc>
+                <a:tc>
+                  <a:txBody>
+                    <a:bodyPr/>
+                    <a:lstStyle/>
+                    <a:p>
+                      <a:pPr algn="l" fontAlgn="t"/>
+                      <a:r>
+                        <a:rPr lang="en-IN">
+                          <a:solidFill>
+                            <a:srgbClr val="000000"/>
+                          </a:solidFill>
+                          <a:effectLst/>
+                          <a:latin typeface="times new roman"/>
+                        </a:rPr>
+                        <a:t>LastName</a:t>
+                      </a:r>
+                    </a:p>
+                  </a:txBody>
+                  <a:tcPr marL="114300" marR="114300" marT="114300" marB="114300">
+                    <a:lnL w="9525" cap="flat" cmpd="sng" algn="ctr">
+                      <a:solidFill>
+                        <a:srgbClr val="F03485"/>
+                      </a:solidFill>
+                      <a:prstDash val="solid"/>
+                      <a:round/>
+                      <a:headEnd type="none" w="med" len="med"/>
+                      <a:tailEnd type="none" w="med" len="med"/>
+                    </a:lnL>
+                    <a:lnR w="9525" cap="flat" cmpd="sng" algn="ctr">
+                      <a:solidFill>
+                        <a:srgbClr val="F03485"/>
+                      </a:solidFill>
+                      <a:prstDash val="solid"/>
+                      <a:round/>
+                      <a:headEnd type="none" w="med" len="med"/>
+                      <a:tailEnd type="none" w="med" len="med"/>
+                    </a:lnR>
+                    <a:lnT w="9525" cap="flat" cmpd="sng" algn="ctr">
+                      <a:solidFill>
+                        <a:srgbClr val="F03485"/>
+                      </a:solidFill>
+                      <a:prstDash val="solid"/>
+                      <a:round/>
+                      <a:headEnd type="none" w="med" len="med"/>
+                      <a:tailEnd type="none" w="med" len="med"/>
+                    </a:lnT>
+                    <a:lnB w="9525" cap="flat" cmpd="sng" algn="ctr">
+                      <a:solidFill>
+                        <a:srgbClr val="C7CCBE"/>
+                      </a:solidFill>
+                      <a:prstDash val="solid"/>
+                      <a:round/>
+                      <a:headEnd type="none" w="med" len="med"/>
+                      <a:tailEnd type="none" w="med" len="med"/>
+                    </a:lnB>
+                    <a:solidFill>
+                      <a:srgbClr val="C7CCBE"/>
+                    </a:solidFill>
+                  </a:tcPr>
+                </a:tc>
+                <a:tc>
+                  <a:txBody>
+                    <a:bodyPr/>
+                    <a:lstStyle/>
+                    <a:p>
+                      <a:pPr algn="l" fontAlgn="t"/>
+                      <a:r>
+                        <a:rPr lang="en-IN">
+                          <a:solidFill>
+                            <a:srgbClr val="000000"/>
+                          </a:solidFill>
+                          <a:effectLst/>
+                          <a:latin typeface="times new roman"/>
+                        </a:rPr>
+                        <a:t>FirstName</a:t>
+                      </a:r>
+                    </a:p>
+                  </a:txBody>
+                  <a:tcPr marL="114300" marR="114300" marT="114300" marB="114300">
+                    <a:lnL w="9525" cap="flat" cmpd="sng" algn="ctr">
+                      <a:solidFill>
+                        <a:srgbClr val="F03485"/>
+                      </a:solidFill>
+                      <a:prstDash val="solid"/>
+                      <a:round/>
+                      <a:headEnd type="none" w="med" len="med"/>
+                      <a:tailEnd type="none" w="med" len="med"/>
+                    </a:lnL>
+                    <a:lnR w="9525" cap="flat" cmpd="sng" algn="ctr">
+                      <a:solidFill>
+                        <a:srgbClr val="F03485"/>
+                      </a:solidFill>
+                      <a:prstDash val="solid"/>
+                      <a:round/>
+                      <a:headEnd type="none" w="med" len="med"/>
+                      <a:tailEnd type="none" w="med" len="med"/>
+                    </a:lnR>
+                    <a:lnT w="9525" cap="flat" cmpd="sng" algn="ctr">
+                      <a:solidFill>
+                        <a:srgbClr val="F03485"/>
+                      </a:solidFill>
+                      <a:prstDash val="solid"/>
+                      <a:round/>
+                      <a:headEnd type="none" w="med" len="med"/>
+                      <a:tailEnd type="none" w="med" len="med"/>
+                    </a:lnT>
+                    <a:lnB w="9525" cap="flat" cmpd="sng" algn="ctr">
+                      <a:solidFill>
+                        <a:srgbClr val="C7CCBE"/>
+                      </a:solidFill>
+                      <a:prstDash val="solid"/>
+                      <a:round/>
+                      <a:headEnd type="none" w="med" len="med"/>
+                      <a:tailEnd type="none" w="med" len="med"/>
+                    </a:lnB>
+                    <a:solidFill>
+                      <a:srgbClr val="C7CCBE"/>
+                    </a:solidFill>
+                  </a:tcPr>
+                </a:tc>
+                <a:tc>
+                  <a:txBody>
+                    <a:bodyPr/>
+                    <a:lstStyle/>
+                    <a:p>
+                      <a:pPr algn="l" fontAlgn="t"/>
+                      <a:r>
+                        <a:rPr lang="en-IN">
+                          <a:solidFill>
+                            <a:srgbClr val="000000"/>
+                          </a:solidFill>
+                          <a:effectLst/>
+                          <a:latin typeface="times new roman"/>
+                        </a:rPr>
+                        <a:t>CITY</a:t>
+                      </a:r>
+                    </a:p>
+                  </a:txBody>
+                  <a:tcPr marL="114300" marR="114300" marT="114300" marB="114300">
+                    <a:lnL w="9525" cap="flat" cmpd="sng" algn="ctr">
+                      <a:solidFill>
+                        <a:srgbClr val="F03485"/>
+                      </a:solidFill>
+                      <a:prstDash val="solid"/>
+                      <a:round/>
+                      <a:headEnd type="none" w="med" len="med"/>
+                      <a:tailEnd type="none" w="med" len="med"/>
+                    </a:lnL>
+                    <a:lnR w="9525" cap="flat" cmpd="sng" algn="ctr">
+                      <a:solidFill>
+                        <a:srgbClr val="F03485"/>
+                      </a:solidFill>
+                      <a:prstDash val="solid"/>
+                      <a:round/>
+                      <a:headEnd type="none" w="med" len="med"/>
+                      <a:tailEnd type="none" w="med" len="med"/>
+                    </a:lnR>
+                    <a:lnT w="9525" cap="flat" cmpd="sng" algn="ctr">
+                      <a:solidFill>
+                        <a:srgbClr val="F03485"/>
+                      </a:solidFill>
+                      <a:prstDash val="solid"/>
+                      <a:round/>
+                      <a:headEnd type="none" w="med" len="med"/>
+                      <a:tailEnd type="none" w="med" len="med"/>
+                    </a:lnT>
+                    <a:lnB w="9525" cap="flat" cmpd="sng" algn="ctr">
+                      <a:solidFill>
+                        <a:srgbClr val="C7CCBE"/>
+                      </a:solidFill>
+                      <a:prstDash val="solid"/>
+                      <a:round/>
+                      <a:headEnd type="none" w="med" len="med"/>
+                      <a:tailEnd type="none" w="med" len="med"/>
+                    </a:lnB>
+                    <a:solidFill>
+                      <a:srgbClr val="C7CCBE"/>
+                    </a:solidFill>
+                  </a:tcPr>
+                </a:tc>
+              </a:tr>
+              <a:tr h="0">
+                <a:tc>
+                  <a:txBody>
+                    <a:bodyPr/>
+                    <a:lstStyle/>
+                    <a:p>
+                      <a:pPr algn="just" fontAlgn="t"/>
+                      <a:r>
+                        <a:rPr lang="en-IN">
+                          <a:solidFill>
+                            <a:srgbClr val="333333"/>
+                          </a:solidFill>
+                          <a:effectLst/>
+                          <a:latin typeface="inter-regular"/>
+                        </a:rPr>
+                        <a:t>1</a:t>
+                      </a:r>
+                    </a:p>
+                  </a:txBody>
+                  <a:tcPr marL="76200" marR="76200" marT="76200" marB="76200">
+                    <a:lnL w="9525" cap="flat" cmpd="sng" algn="ctr">
+                      <a:solidFill>
+                        <a:srgbClr val="C7CCBE"/>
+                      </a:solidFill>
+                      <a:prstDash val="solid"/>
+                      <a:round/>
+                      <a:headEnd type="none" w="med" len="med"/>
+                      <a:tailEnd type="none" w="med" len="med"/>
+                    </a:lnL>
+                    <a:lnR w="9525" cap="flat" cmpd="sng" algn="ctr">
+                      <a:solidFill>
+                        <a:srgbClr val="C7CCBE"/>
+                      </a:solidFill>
+                      <a:prstDash val="solid"/>
+                      <a:round/>
+                      <a:headEnd type="none" w="med" len="med"/>
+                      <a:tailEnd type="none" w="med" len="med"/>
+                    </a:lnR>
+                    <a:lnT w="9525" cap="flat" cmpd="sng" algn="ctr">
+                      <a:solidFill>
+                        <a:srgbClr val="C7CCBE"/>
+                      </a:solidFill>
+                      <a:prstDash val="solid"/>
+                      <a:round/>
+                      <a:headEnd type="none" w="med" len="med"/>
+                      <a:tailEnd type="none" w="med" len="med"/>
+                    </a:lnT>
+                    <a:lnB w="9525" cap="flat" cmpd="sng" algn="ctr">
+                      <a:solidFill>
+                        <a:srgbClr val="C7CCBE"/>
+                      </a:solidFill>
+                      <a:prstDash val="solid"/>
+                      <a:round/>
+                      <a:headEnd type="none" w="med" len="med"/>
+                      <a:tailEnd type="none" w="med" len="med"/>
+                    </a:lnB>
+                    <a:solidFill>
+                      <a:srgbClr val="FFFFFF"/>
+                    </a:solidFill>
+                  </a:tcPr>
+                </a:tc>
+                <a:tc>
+                  <a:txBody>
+                    <a:bodyPr/>
+                    <a:lstStyle/>
+                    <a:p>
+                      <a:pPr algn="just" fontAlgn="t"/>
+                      <a:r>
+                        <a:rPr lang="en-IN">
+                          <a:solidFill>
+                            <a:srgbClr val="333333"/>
+                          </a:solidFill>
+                          <a:effectLst/>
+                          <a:latin typeface="inter-regular"/>
+                        </a:rPr>
+                        <a:t>MAURYA</a:t>
+                      </a:r>
+                    </a:p>
+                  </a:txBody>
+                  <a:tcPr marL="76200" marR="76200" marT="76200" marB="76200">
+                    <a:lnL w="9525" cap="flat" cmpd="sng" algn="ctr">
+                      <a:solidFill>
+                        <a:srgbClr val="C7CCBE"/>
+                      </a:solidFill>
+                      <a:prstDash val="solid"/>
+                      <a:round/>
+                      <a:headEnd type="none" w="med" len="med"/>
+                      <a:tailEnd type="none" w="med" len="med"/>
+                    </a:lnL>
+                    <a:lnR w="9525" cap="flat" cmpd="sng" algn="ctr">
+                      <a:solidFill>
+                        <a:srgbClr val="C7CCBE"/>
+                      </a:solidFill>
+                      <a:prstDash val="solid"/>
+                      <a:round/>
+                      <a:headEnd type="none" w="med" len="med"/>
+                      <a:tailEnd type="none" w="med" len="med"/>
+                    </a:lnR>
+                    <a:lnT w="9525" cap="flat" cmpd="sng" algn="ctr">
+                      <a:solidFill>
+                        <a:srgbClr val="C7CCBE"/>
+                      </a:solidFill>
+                      <a:prstDash val="solid"/>
+                      <a:round/>
+                      <a:headEnd type="none" w="med" len="med"/>
+                      <a:tailEnd type="none" w="med" len="med"/>
+                    </a:lnT>
+                    <a:lnB w="9525" cap="flat" cmpd="sng" algn="ctr">
+                      <a:solidFill>
+                        <a:srgbClr val="C7CCBE"/>
+                      </a:solidFill>
+                      <a:prstDash val="solid"/>
+                      <a:round/>
+                      <a:headEnd type="none" w="med" len="med"/>
+                      <a:tailEnd type="none" w="med" len="med"/>
+                    </a:lnB>
+                    <a:solidFill>
+                      <a:srgbClr val="FFFFFF"/>
+                    </a:solidFill>
+                  </a:tcPr>
+                </a:tc>
+                <a:tc>
+                  <a:txBody>
+                    <a:bodyPr/>
+                    <a:lstStyle/>
+                    <a:p>
+                      <a:pPr algn="just" fontAlgn="t"/>
+                      <a:r>
+                        <a:rPr lang="en-IN">
+                          <a:solidFill>
+                            <a:srgbClr val="333333"/>
+                          </a:solidFill>
+                          <a:effectLst/>
+                          <a:latin typeface="inter-regular"/>
+                        </a:rPr>
+                        <a:t>AJEET</a:t>
+                      </a:r>
+                    </a:p>
+                  </a:txBody>
+                  <a:tcPr marL="76200" marR="76200" marT="76200" marB="76200">
+                    <a:lnL w="9525" cap="flat" cmpd="sng" algn="ctr">
+                      <a:solidFill>
+                        <a:srgbClr val="C7CCBE"/>
+                      </a:solidFill>
+                      <a:prstDash val="solid"/>
+                      <a:round/>
+                      <a:headEnd type="none" w="med" len="med"/>
+                      <a:tailEnd type="none" w="med" len="med"/>
+                    </a:lnL>
+                    <a:lnR w="9525" cap="flat" cmpd="sng" algn="ctr">
+                      <a:solidFill>
+                        <a:srgbClr val="C7CCBE"/>
+                      </a:solidFill>
+                      <a:prstDash val="solid"/>
+                      <a:round/>
+                      <a:headEnd type="none" w="med" len="med"/>
+                      <a:tailEnd type="none" w="med" len="med"/>
+                    </a:lnR>
+                    <a:lnT w="9525" cap="flat" cmpd="sng" algn="ctr">
+                      <a:solidFill>
+                        <a:srgbClr val="C7CCBE"/>
+                      </a:solidFill>
+                      <a:prstDash val="solid"/>
+                      <a:round/>
+                      <a:headEnd type="none" w="med" len="med"/>
+                      <a:tailEnd type="none" w="med" len="med"/>
+                    </a:lnT>
+                    <a:lnB w="9525" cap="flat" cmpd="sng" algn="ctr">
+                      <a:solidFill>
+                        <a:srgbClr val="C7CCBE"/>
+                      </a:solidFill>
+                      <a:prstDash val="solid"/>
+                      <a:round/>
+                      <a:headEnd type="none" w="med" len="med"/>
+                      <a:tailEnd type="none" w="med" len="med"/>
+                    </a:lnB>
+                    <a:solidFill>
+                      <a:srgbClr val="FFFFFF"/>
+                    </a:solidFill>
+                  </a:tcPr>
+                </a:tc>
+                <a:tc>
+                  <a:txBody>
+                    <a:bodyPr/>
+                    <a:lstStyle/>
+                    <a:p>
+                      <a:pPr algn="just" fontAlgn="t"/>
+                      <a:r>
+                        <a:rPr lang="en-IN">
+                          <a:solidFill>
+                            <a:srgbClr val="333333"/>
+                          </a:solidFill>
+                          <a:effectLst/>
+                          <a:latin typeface="inter-regular"/>
+                        </a:rPr>
+                        <a:t>ALLAHABAD</a:t>
+                      </a:r>
+                    </a:p>
+                  </a:txBody>
+                  <a:tcPr marL="76200" marR="76200" marT="76200" marB="76200">
+                    <a:lnL w="9525" cap="flat" cmpd="sng" algn="ctr">
+                      <a:solidFill>
+                        <a:srgbClr val="C7CCBE"/>
+                      </a:solidFill>
+                      <a:prstDash val="solid"/>
+                      <a:round/>
+                      <a:headEnd type="none" w="med" len="med"/>
+                      <a:tailEnd type="none" w="med" len="med"/>
+                    </a:lnL>
+                    <a:lnR w="9525" cap="flat" cmpd="sng" algn="ctr">
+                      <a:solidFill>
+                        <a:srgbClr val="C7CCBE"/>
+                      </a:solidFill>
+                      <a:prstDash val="solid"/>
+                      <a:round/>
+                      <a:headEnd type="none" w="med" len="med"/>
+                      <a:tailEnd type="none" w="med" len="med"/>
+                    </a:lnR>
+                    <a:lnT w="9525" cap="flat" cmpd="sng" algn="ctr">
+                      <a:solidFill>
+                        <a:srgbClr val="C7CCBE"/>
+                      </a:solidFill>
+                      <a:prstDash val="solid"/>
+                      <a:round/>
+                      <a:headEnd type="none" w="med" len="med"/>
+                      <a:tailEnd type="none" w="med" len="med"/>
+                    </a:lnT>
+                    <a:lnB w="9525" cap="flat" cmpd="sng" algn="ctr">
+                      <a:solidFill>
+                        <a:srgbClr val="C7CCBE"/>
+                      </a:solidFill>
+                      <a:prstDash val="solid"/>
+                      <a:round/>
+                      <a:headEnd type="none" w="med" len="med"/>
+                      <a:tailEnd type="none" w="med" len="med"/>
+                    </a:lnB>
+                    <a:solidFill>
+                      <a:srgbClr val="FFFFFF"/>
+                    </a:solidFill>
+                  </a:tcPr>
+                </a:tc>
+              </a:tr>
+              <a:tr h="0">
+                <a:tc>
+                  <a:txBody>
+                    <a:bodyPr/>
+                    <a:lstStyle/>
+                    <a:p>
+                      <a:pPr algn="just" fontAlgn="t"/>
+                      <a:r>
+                        <a:rPr lang="en-IN" dirty="0">
+                          <a:solidFill>
+                            <a:srgbClr val="333333"/>
+                          </a:solidFill>
+                          <a:effectLst/>
+                          <a:latin typeface="inter-regular"/>
+                        </a:rPr>
+                        <a:t>2</a:t>
+                      </a:r>
+                    </a:p>
+                  </a:txBody>
+                  <a:tcPr marL="76200" marR="76200" marT="76200" marB="76200">
+                    <a:lnL w="9525" cap="flat" cmpd="sng" algn="ctr">
+                      <a:solidFill>
+                        <a:srgbClr val="C7CCBE"/>
+                      </a:solidFill>
+                      <a:prstDash val="solid"/>
+                      <a:round/>
+                      <a:headEnd type="none" w="med" len="med"/>
+                      <a:tailEnd type="none" w="med" len="med"/>
+                    </a:lnL>
+                    <a:lnR w="9525" cap="flat" cmpd="sng" algn="ctr">
+                      <a:solidFill>
+                        <a:srgbClr val="C7CCBE"/>
+                      </a:solidFill>
+                      <a:prstDash val="solid"/>
+                      <a:round/>
+                      <a:headEnd type="none" w="med" len="med"/>
+                      <a:tailEnd type="none" w="med" len="med"/>
+                    </a:lnR>
+                    <a:lnT w="9525" cap="flat" cmpd="sng" algn="ctr">
+                      <a:solidFill>
+                        <a:srgbClr val="C7CCBE"/>
+                      </a:solidFill>
+                      <a:prstDash val="solid"/>
+                      <a:round/>
+                      <a:headEnd type="none" w="med" len="med"/>
+                      <a:tailEnd type="none" w="med" len="med"/>
+                    </a:lnT>
+                    <a:lnB w="9525" cap="flat" cmpd="sng" algn="ctr">
+                      <a:solidFill>
+                        <a:srgbClr val="C7CCBE"/>
+                      </a:solidFill>
+                      <a:prstDash val="solid"/>
+                      <a:round/>
+                      <a:headEnd type="none" w="med" len="med"/>
+                      <a:tailEnd type="none" w="med" len="med"/>
+                    </a:lnB>
+                    <a:solidFill>
+                      <a:srgbClr val="EFF1EB"/>
+                    </a:solidFill>
+                  </a:tcPr>
+                </a:tc>
+                <a:tc>
+                  <a:txBody>
+                    <a:bodyPr/>
+                    <a:lstStyle/>
+                    <a:p>
+                      <a:pPr algn="just" fontAlgn="t"/>
+                      <a:r>
+                        <a:rPr lang="en-IN">
+                          <a:solidFill>
+                            <a:srgbClr val="333333"/>
+                          </a:solidFill>
+                          <a:effectLst/>
+                          <a:latin typeface="inter-regular"/>
+                        </a:rPr>
+                        <a:t>JAISWAL</a:t>
+                      </a:r>
+                    </a:p>
+                  </a:txBody>
+                  <a:tcPr marL="76200" marR="76200" marT="76200" marB="76200">
+                    <a:lnL w="9525" cap="flat" cmpd="sng" algn="ctr">
+                      <a:solidFill>
+                        <a:srgbClr val="C7CCBE"/>
+                      </a:solidFill>
+                      <a:prstDash val="solid"/>
+                      <a:round/>
+                      <a:headEnd type="none" w="med" len="med"/>
+                      <a:tailEnd type="none" w="med" len="med"/>
+                    </a:lnL>
+                    <a:lnR w="9525" cap="flat" cmpd="sng" algn="ctr">
+                      <a:solidFill>
+                        <a:srgbClr val="C7CCBE"/>
+                      </a:solidFill>
+                      <a:prstDash val="solid"/>
+                      <a:round/>
+                      <a:headEnd type="none" w="med" len="med"/>
+                      <a:tailEnd type="none" w="med" len="med"/>
+                    </a:lnR>
+                    <a:lnT w="9525" cap="flat" cmpd="sng" algn="ctr">
+                      <a:solidFill>
+                        <a:srgbClr val="C7CCBE"/>
+                      </a:solidFill>
+                      <a:prstDash val="solid"/>
+                      <a:round/>
+                      <a:headEnd type="none" w="med" len="med"/>
+                      <a:tailEnd type="none" w="med" len="med"/>
+                    </a:lnT>
+                    <a:lnB w="9525" cap="flat" cmpd="sng" algn="ctr">
+                      <a:solidFill>
+                        <a:srgbClr val="C7CCBE"/>
+                      </a:solidFill>
+                      <a:prstDash val="solid"/>
+                      <a:round/>
+                      <a:headEnd type="none" w="med" len="med"/>
+                      <a:tailEnd type="none" w="med" len="med"/>
+                    </a:lnB>
+                    <a:solidFill>
+                      <a:srgbClr val="EFF1EB"/>
+                    </a:solidFill>
+                  </a:tcPr>
+                </a:tc>
+                <a:tc>
+                  <a:txBody>
+                    <a:bodyPr/>
+                    <a:lstStyle/>
+                    <a:p>
+                      <a:pPr algn="just" fontAlgn="t"/>
+                      <a:r>
+                        <a:rPr lang="en-IN">
+                          <a:solidFill>
+                            <a:srgbClr val="333333"/>
+                          </a:solidFill>
+                          <a:effectLst/>
+                          <a:latin typeface="inter-regular"/>
+                        </a:rPr>
+                        <a:t>RATAN</a:t>
+                      </a:r>
+                    </a:p>
+                  </a:txBody>
+                  <a:tcPr marL="76200" marR="76200" marT="76200" marB="76200">
+                    <a:lnL w="9525" cap="flat" cmpd="sng" algn="ctr">
+                      <a:solidFill>
+                        <a:srgbClr val="C7CCBE"/>
+                      </a:solidFill>
+                      <a:prstDash val="solid"/>
+                      <a:round/>
+                      <a:headEnd type="none" w="med" len="med"/>
+                      <a:tailEnd type="none" w="med" len="med"/>
+                    </a:lnL>
+                    <a:lnR w="9525" cap="flat" cmpd="sng" algn="ctr">
+                      <a:solidFill>
+                        <a:srgbClr val="C7CCBE"/>
+                      </a:solidFill>
+                      <a:prstDash val="solid"/>
+                      <a:round/>
+                      <a:headEnd type="none" w="med" len="med"/>
+                      <a:tailEnd type="none" w="med" len="med"/>
+                    </a:lnR>
+                    <a:lnT w="9525" cap="flat" cmpd="sng" algn="ctr">
+                      <a:solidFill>
+                        <a:srgbClr val="C7CCBE"/>
+                      </a:solidFill>
+                      <a:prstDash val="solid"/>
+                      <a:round/>
+                      <a:headEnd type="none" w="med" len="med"/>
+                      <a:tailEnd type="none" w="med" len="med"/>
+                    </a:lnT>
+                    <a:lnB w="9525" cap="flat" cmpd="sng" algn="ctr">
+                      <a:solidFill>
+                        <a:srgbClr val="C7CCBE"/>
+                      </a:solidFill>
+                      <a:prstDash val="solid"/>
+                      <a:round/>
+                      <a:headEnd type="none" w="med" len="med"/>
+                      <a:tailEnd type="none" w="med" len="med"/>
+                    </a:lnB>
+                    <a:solidFill>
+                      <a:srgbClr val="EFF1EB"/>
+                    </a:solidFill>
+                  </a:tcPr>
+                </a:tc>
+                <a:tc>
+                  <a:txBody>
+                    <a:bodyPr/>
+                    <a:lstStyle/>
+                    <a:p>
+                      <a:pPr algn="just" fontAlgn="t"/>
+                      <a:r>
+                        <a:rPr lang="en-IN">
+                          <a:solidFill>
+                            <a:srgbClr val="333333"/>
+                          </a:solidFill>
+                          <a:effectLst/>
+                          <a:latin typeface="inter-regular"/>
+                        </a:rPr>
+                        <a:t>GHAZIABAD</a:t>
+                      </a:r>
+                    </a:p>
+                  </a:txBody>
+                  <a:tcPr marL="76200" marR="76200" marT="76200" marB="76200">
+                    <a:lnL w="9525" cap="flat" cmpd="sng" algn="ctr">
+                      <a:solidFill>
+                        <a:srgbClr val="C7CCBE"/>
+                      </a:solidFill>
+                      <a:prstDash val="solid"/>
+                      <a:round/>
+                      <a:headEnd type="none" w="med" len="med"/>
+                      <a:tailEnd type="none" w="med" len="med"/>
+                    </a:lnL>
+                    <a:lnR w="9525" cap="flat" cmpd="sng" algn="ctr">
+                      <a:solidFill>
+                        <a:srgbClr val="C7CCBE"/>
+                      </a:solidFill>
+                      <a:prstDash val="solid"/>
+                      <a:round/>
+                      <a:headEnd type="none" w="med" len="med"/>
+                      <a:tailEnd type="none" w="med" len="med"/>
+                    </a:lnR>
+                    <a:lnT w="9525" cap="flat" cmpd="sng" algn="ctr">
+                      <a:solidFill>
+                        <a:srgbClr val="C7CCBE"/>
+                      </a:solidFill>
+                      <a:prstDash val="solid"/>
+                      <a:round/>
+                      <a:headEnd type="none" w="med" len="med"/>
+                      <a:tailEnd type="none" w="med" len="med"/>
+                    </a:lnT>
+                    <a:lnB w="9525" cap="flat" cmpd="sng" algn="ctr">
+                      <a:solidFill>
+                        <a:srgbClr val="C7CCBE"/>
+                      </a:solidFill>
+                      <a:prstDash val="solid"/>
+                      <a:round/>
+                      <a:headEnd type="none" w="med" len="med"/>
+                      <a:tailEnd type="none" w="med" len="med"/>
+                    </a:lnB>
+                    <a:solidFill>
+                      <a:srgbClr val="EFF1EB"/>
+                    </a:solidFill>
+                  </a:tcPr>
+                </a:tc>
+              </a:tr>
+              <a:tr h="0">
+                <a:tc>
+                  <a:txBody>
+                    <a:bodyPr/>
+                    <a:lstStyle/>
+                    <a:p>
+                      <a:pPr algn="just" fontAlgn="t"/>
+                      <a:r>
+                        <a:rPr lang="en-IN">
+                          <a:solidFill>
+                            <a:srgbClr val="333333"/>
+                          </a:solidFill>
+                          <a:effectLst/>
+                          <a:latin typeface="inter-regular"/>
+                        </a:rPr>
+                        <a:t>3</a:t>
+                      </a:r>
+                    </a:p>
+                  </a:txBody>
+                  <a:tcPr marL="76200" marR="76200" marT="76200" marB="76200">
+                    <a:lnL w="9525" cap="flat" cmpd="sng" algn="ctr">
+                      <a:solidFill>
+                        <a:srgbClr val="C7CCBE"/>
+                      </a:solidFill>
+                      <a:prstDash val="solid"/>
+                      <a:round/>
+                      <a:headEnd type="none" w="med" len="med"/>
+                      <a:tailEnd type="none" w="med" len="med"/>
+                    </a:lnL>
+                    <a:lnR w="9525" cap="flat" cmpd="sng" algn="ctr">
+                      <a:solidFill>
+                        <a:srgbClr val="C7CCBE"/>
+                      </a:solidFill>
+                      <a:prstDash val="solid"/>
+                      <a:round/>
+                      <a:headEnd type="none" w="med" len="med"/>
+                      <a:tailEnd type="none" w="med" len="med"/>
+                    </a:lnR>
+                    <a:lnT w="9525" cap="flat" cmpd="sng" algn="ctr">
+                      <a:solidFill>
+                        <a:srgbClr val="C7CCBE"/>
+                      </a:solidFill>
+                      <a:prstDash val="solid"/>
+                      <a:round/>
+                      <a:headEnd type="none" w="med" len="med"/>
+                      <a:tailEnd type="none" w="med" len="med"/>
+                    </a:lnT>
+                    <a:lnB w="9525" cap="flat" cmpd="sng" algn="ctr">
+                      <a:solidFill>
+                        <a:srgbClr val="C7CCBE"/>
+                      </a:solidFill>
+                      <a:prstDash val="solid"/>
+                      <a:round/>
+                      <a:headEnd type="none" w="med" len="med"/>
+                      <a:tailEnd type="none" w="med" len="med"/>
+                    </a:lnB>
+                    <a:solidFill>
+                      <a:srgbClr val="FFFFFF"/>
+                    </a:solidFill>
+                  </a:tcPr>
+                </a:tc>
+                <a:tc>
+                  <a:txBody>
+                    <a:bodyPr/>
+                    <a:lstStyle/>
+                    <a:p>
+                      <a:pPr algn="just" fontAlgn="t"/>
+                      <a:r>
+                        <a:rPr lang="en-IN">
+                          <a:solidFill>
+                            <a:srgbClr val="333333"/>
+                          </a:solidFill>
+                          <a:effectLst/>
+                          <a:latin typeface="inter-regular"/>
+                        </a:rPr>
+                        <a:t>ARORA</a:t>
+                      </a:r>
+                    </a:p>
+                  </a:txBody>
+                  <a:tcPr marL="76200" marR="76200" marT="76200" marB="76200">
+                    <a:lnL w="9525" cap="flat" cmpd="sng" algn="ctr">
+                      <a:solidFill>
+                        <a:srgbClr val="C7CCBE"/>
+                      </a:solidFill>
+                      <a:prstDash val="solid"/>
+                      <a:round/>
+                      <a:headEnd type="none" w="med" len="med"/>
+                      <a:tailEnd type="none" w="med" len="med"/>
+                    </a:lnL>
+                    <a:lnR w="9525" cap="flat" cmpd="sng" algn="ctr">
+                      <a:solidFill>
+                        <a:srgbClr val="C7CCBE"/>
+                      </a:solidFill>
+                      <a:prstDash val="solid"/>
+                      <a:round/>
+                      <a:headEnd type="none" w="med" len="med"/>
+                      <a:tailEnd type="none" w="med" len="med"/>
+                    </a:lnR>
+                    <a:lnT w="9525" cap="flat" cmpd="sng" algn="ctr">
+                      <a:solidFill>
+                        <a:srgbClr val="C7CCBE"/>
+                      </a:solidFill>
+                      <a:prstDash val="solid"/>
+                      <a:round/>
+                      <a:headEnd type="none" w="med" len="med"/>
+                      <a:tailEnd type="none" w="med" len="med"/>
+                    </a:lnT>
+                    <a:lnB w="9525" cap="flat" cmpd="sng" algn="ctr">
+                      <a:solidFill>
+                        <a:srgbClr val="C7CCBE"/>
+                      </a:solidFill>
+                      <a:prstDash val="solid"/>
+                      <a:round/>
+                      <a:headEnd type="none" w="med" len="med"/>
+                      <a:tailEnd type="none" w="med" len="med"/>
+                    </a:lnB>
+                    <a:solidFill>
+                      <a:srgbClr val="FFFFFF"/>
+                    </a:solidFill>
+                  </a:tcPr>
+                </a:tc>
+                <a:tc>
+                  <a:txBody>
+                    <a:bodyPr/>
+                    <a:lstStyle/>
+                    <a:p>
+                      <a:pPr algn="just" fontAlgn="t"/>
+                      <a:r>
+                        <a:rPr lang="en-IN">
+                          <a:solidFill>
+                            <a:srgbClr val="333333"/>
+                          </a:solidFill>
+                          <a:effectLst/>
+                          <a:latin typeface="inter-regular"/>
+                        </a:rPr>
+                        <a:t>SAUMYA</a:t>
+                      </a:r>
+                    </a:p>
+                  </a:txBody>
+                  <a:tcPr marL="76200" marR="76200" marT="76200" marB="76200">
+                    <a:lnL w="9525" cap="flat" cmpd="sng" algn="ctr">
+                      <a:solidFill>
+                        <a:srgbClr val="C7CCBE"/>
+                      </a:solidFill>
+                      <a:prstDash val="solid"/>
+                      <a:round/>
+                      <a:headEnd type="none" w="med" len="med"/>
+                      <a:tailEnd type="none" w="med" len="med"/>
+                    </a:lnL>
+                    <a:lnR w="9525" cap="flat" cmpd="sng" algn="ctr">
+                      <a:solidFill>
+                        <a:srgbClr val="C7CCBE"/>
+                      </a:solidFill>
+                      <a:prstDash val="solid"/>
+                      <a:round/>
+                      <a:headEnd type="none" w="med" len="med"/>
+                      <a:tailEnd type="none" w="med" len="med"/>
+                    </a:lnR>
+                    <a:lnT w="9525" cap="flat" cmpd="sng" algn="ctr">
+                      <a:solidFill>
+                        <a:srgbClr val="C7CCBE"/>
+                      </a:solidFill>
+                      <a:prstDash val="solid"/>
+                      <a:round/>
+                      <a:headEnd type="none" w="med" len="med"/>
+                      <a:tailEnd type="none" w="med" len="med"/>
+                    </a:lnT>
+                    <a:lnB w="9525" cap="flat" cmpd="sng" algn="ctr">
+                      <a:solidFill>
+                        <a:srgbClr val="C7CCBE"/>
+                      </a:solidFill>
+                      <a:prstDash val="solid"/>
+                      <a:round/>
+                      <a:headEnd type="none" w="med" len="med"/>
+                      <a:tailEnd type="none" w="med" len="med"/>
+                    </a:lnB>
+                    <a:solidFill>
+                      <a:srgbClr val="FFFFFF"/>
+                    </a:solidFill>
+                  </a:tcPr>
+                </a:tc>
+                <a:tc>
+                  <a:txBody>
+                    <a:bodyPr/>
+                    <a:lstStyle/>
+                    <a:p>
+                      <a:pPr algn="just" fontAlgn="t"/>
+                      <a:r>
+                        <a:rPr lang="en-IN" dirty="0">
+                          <a:solidFill>
+                            <a:srgbClr val="333333"/>
+                          </a:solidFill>
+                          <a:effectLst/>
+                          <a:latin typeface="inter-regular"/>
+                        </a:rPr>
+                        <a:t>MODINAGAR</a:t>
+                      </a:r>
+                    </a:p>
+                  </a:txBody>
+                  <a:tcPr marL="76200" marR="76200" marT="76200" marB="76200">
+                    <a:lnL w="9525" cap="flat" cmpd="sng" algn="ctr">
+                      <a:solidFill>
+                        <a:srgbClr val="C7CCBE"/>
+                      </a:solidFill>
+                      <a:prstDash val="solid"/>
+                      <a:round/>
+                      <a:headEnd type="none" w="med" len="med"/>
+                      <a:tailEnd type="none" w="med" len="med"/>
+                    </a:lnL>
+                    <a:lnR w="9525" cap="flat" cmpd="sng" algn="ctr">
+                      <a:solidFill>
+                        <a:srgbClr val="C7CCBE"/>
+                      </a:solidFill>
+                      <a:prstDash val="solid"/>
+                      <a:round/>
+                      <a:headEnd type="none" w="med" len="med"/>
+                      <a:tailEnd type="none" w="med" len="med"/>
+                    </a:lnR>
+                    <a:lnT w="9525" cap="flat" cmpd="sng" algn="ctr">
+                      <a:solidFill>
+                        <a:srgbClr val="C7CCBE"/>
+                      </a:solidFill>
+                      <a:prstDash val="solid"/>
+                      <a:round/>
+                      <a:headEnd type="none" w="med" len="med"/>
+                      <a:tailEnd type="none" w="med" len="med"/>
+                    </a:lnT>
+                    <a:lnB w="9525" cap="flat" cmpd="sng" algn="ctr">
+                      <a:solidFill>
+                        <a:srgbClr val="C7CCBE"/>
+                      </a:solidFill>
+                      <a:prstDash val="solid"/>
+                      <a:round/>
+                      <a:headEnd type="none" w="med" len="med"/>
+                      <a:tailEnd type="none" w="med" len="med"/>
+                    </a:lnB>
+                    <a:solidFill>
+                      <a:srgbClr val="FFFFFF"/>
+                    </a:solidFill>
+                  </a:tcPr>
+                </a:tc>
+              </a:tr>
+            </a:tbl>
+          </a:graphicData>
+        </a:graphic>
+      </p:graphicFrame>
+      <p:sp>
+        <p:nvSpPr>
+          <p:cNvPr id="5" name="Rectangle 1"/>
+          <p:cNvSpPr>
+            <a:spLocks noChangeArrowheads="1"/>
+          </p:cNvSpPr>
+          <p:nvPr/>
+        </p:nvSpPr>
+        <p:spPr bwMode="auto">
+          <a:xfrm>
+            <a:off x="615761" y="1600200"/>
+            <a:ext cx="1544012" cy="369332"/>
+          </a:xfrm>
+          <a:prstGeom prst="rect">
+            <a:avLst/>
+          </a:prstGeom>
+          <a:solidFill>
+            <a:srgbClr val="FFFFFF"/>
+          </a:solidFill>
+          <a:ln>
+            <a:noFill/>
+          </a:ln>
+          <a:effectLst/>
+          <a:extLst>
+            <a:ext uri="{91240B29-F687-4F45-9708-019B960494DF}">
+              <a14:hiddenLine xmlns:a14="http://schemas.microsoft.com/office/drawing/2010/main" w="9525">
+                <a:solidFill>
+                  <a:schemeClr val="tx1"/>
+                </a:solidFill>
+                <a:miter lim="800000"/>
+                <a:headEnd/>
+                <a:tailEnd/>
+              </a14:hiddenLine>
+            </a:ext>
+            <a:ext uri="{AF507438-7753-43E0-B8FC-AC1667EBCBE1}">
+              <a14:hiddenEffects xmlns:a14="http://schemas.microsoft.com/office/drawing/2010/main">
+                <a:effectLst>
+                  <a:outerShdw dist="35921" dir="2700000" algn="ctr" rotWithShape="0">
+                    <a:schemeClr val="bg2"/>
+                  </a:outerShdw>
+                </a:effectLst>
+              </a14:hiddenEffects>
+            </a:ext>
+          </a:extLst>
+        </p:spPr>
+        <p:txBody>
+          <a:bodyPr vert="horz" wrap="none" lIns="91440" tIns="45720" rIns="91440" bIns="45720" numCol="1" anchor="ctr" anchorCtr="0" compatLnSpc="1">
+            <a:prstTxWarp prst="textNoShape">
+              <a:avLst/>
+            </a:prstTxWarp>
+            <a:spAutoFit/>
+          </a:bodyPr>
+          <a:lstStyle/>
+          <a:p>
+            <a:pPr marL="0" marR="0" lvl="0" indent="0" algn="just" defTabSz="914400" rtl="0" eaLnBrk="1" fontAlgn="base" latinLnBrk="0" hangingPunct="1">
+              <a:lnSpc>
+                <a:spcPct val="100000"/>
+              </a:lnSpc>
+              <a:spcBef>
+                <a:spcPct val="0"/>
+              </a:spcBef>
+              <a:spcAft>
+                <a:spcPct val="0"/>
+              </a:spcAft>
+              <a:buClrTx/>
+              <a:buSzTx/>
+              <a:buFontTx/>
+              <a:buNone/>
+              <a:tabLst/>
+            </a:pPr>
+            <a:r>
+              <a:rPr kumimoji="0" lang="en-US" sz="1800" b="0" i="0" u="none" strike="noStrike" cap="none" normalizeH="0" baseline="0" dirty="0" smtClean="0">
+                <a:ln>
+                  <a:noFill/>
+                </a:ln>
+                <a:solidFill>
+                  <a:schemeClr val="tx1"/>
+                </a:solidFill>
+                <a:effectLst/>
+                <a:latin typeface="Arial" pitchFamily="34" charset="0"/>
+                <a:cs typeface="Arial" pitchFamily="34" charset="0"/>
+              </a:rPr>
+              <a:t>Student table</a:t>
+            </a:r>
+          </a:p>
+        </p:txBody>
+      </p:sp>
+    </p:spTree>
+    <p:extLst>
+      <p:ext uri="{BB962C8B-B14F-4D97-AF65-F5344CB8AC3E}">
+        <p14:creationId xmlns:p14="http://schemas.microsoft.com/office/powerpoint/2010/main" val="3535327425"/>
+      </p:ext>
+    </p:extLst>
+  </p:cSld>
+  <p:clrMapOvr>
+    <a:masterClrMapping/>
+  </p:clrMapOvr>
+</p:sld>
+</file>
+
+<file path=ppt/slides/slide45.xml><?xml version="1.0" encoding="utf-8"?>
+<p:sld xmlns:a="http://schemas.openxmlformats.org/drawingml/2006/main" xmlns:r="http://schemas.openxmlformats.org/officeDocument/2006/relationships" xmlns:p="http://schemas.openxmlformats.org/presentationml/2006/main">
+  <p:cSld>
+    <p:spTree>
+      <p:nvGrpSpPr>
+        <p:cNvPr id="1" name=""/>
+        <p:cNvGrpSpPr/>
+        <p:nvPr/>
+      </p:nvGrpSpPr>
+      <p:grpSpPr>
+        <a:xfrm>
+          <a:off x="0" y="0"/>
+          <a:ext cx="0" cy="0"/>
+          <a:chOff x="0" y="0"/>
+          <a:chExt cx="0" cy="0"/>
+        </a:xfrm>
+      </p:grpSpPr>
+      <p:sp>
+        <p:nvSpPr>
+          <p:cNvPr id="2" name="Title 1"/>
+          <p:cNvSpPr>
+            <a:spLocks noGrp="1"/>
+          </p:cNvSpPr>
+          <p:nvPr>
+            <p:ph type="title"/>
+          </p:nvPr>
+        </p:nvSpPr>
+        <p:spPr/>
+        <p:txBody>
+          <a:bodyPr/>
+          <a:lstStyle/>
+          <a:p>
+            <a:endParaRPr lang="en-IN"/>
+          </a:p>
+        </p:txBody>
+      </p:sp>
+      <p:sp>
+        <p:nvSpPr>
+          <p:cNvPr id="3" name="Content Placeholder 2"/>
+          <p:cNvSpPr>
+            <a:spLocks noGrp="1"/>
+          </p:cNvSpPr>
+          <p:nvPr>
+            <p:ph idx="1"/>
+          </p:nvPr>
+        </p:nvSpPr>
+        <p:spPr/>
+        <p:txBody>
+          <a:bodyPr>
+            <a:normAutofit/>
+          </a:bodyPr>
+          <a:lstStyle/>
+          <a:p>
+            <a:r>
+              <a:rPr lang="en-US" sz="1800" dirty="0" smtClean="0"/>
+              <a:t>Orders table:</a:t>
+            </a:r>
+          </a:p>
+          <a:p>
+            <a:endParaRPr lang="en-IN" sz="1800" dirty="0"/>
+          </a:p>
+        </p:txBody>
+      </p:sp>
+      <p:graphicFrame>
+        <p:nvGraphicFramePr>
+          <p:cNvPr id="4" name="Table 3"/>
+          <p:cNvGraphicFramePr>
+            <a:graphicFrameLocks noGrp="1"/>
+          </p:cNvGraphicFramePr>
+          <p:nvPr>
+            <p:extLst>
+              <p:ext uri="{D42A27DB-BD31-4B8C-83A1-F6EECF244321}">
+                <p14:modId xmlns:p14="http://schemas.microsoft.com/office/powerpoint/2010/main" val="188843132"/>
+              </p:ext>
+            </p:extLst>
+          </p:nvPr>
+        </p:nvGraphicFramePr>
+        <p:xfrm>
+          <a:off x="457200" y="1981200"/>
+          <a:ext cx="7410153" cy="2682081"/>
+        </p:xfrm>
+        <a:graphic>
+          <a:graphicData uri="http://schemas.openxmlformats.org/drawingml/2006/table">
+            <a:tbl>
+              <a:tblPr/>
+              <a:tblGrid>
+                <a:gridCol w="2470051"/>
+                <a:gridCol w="2470051"/>
+                <a:gridCol w="2470051"/>
+              </a:tblGrid>
+              <a:tr h="610405">
+                <a:tc>
+                  <a:txBody>
+                    <a:bodyPr/>
+                    <a:lstStyle/>
+                    <a:p>
+                      <a:pPr algn="l" fontAlgn="t"/>
+                      <a:r>
+                        <a:rPr lang="en-IN">
+                          <a:solidFill>
+                            <a:srgbClr val="000000"/>
+                          </a:solidFill>
+                          <a:effectLst/>
+                          <a:latin typeface="times new roman"/>
+                        </a:rPr>
+                        <a:t>O_Id</a:t>
+                      </a:r>
+                    </a:p>
+                  </a:txBody>
+                  <a:tcPr marL="114300" marR="114300" marT="114300" marB="114300">
+                    <a:lnL w="9525" cap="flat" cmpd="sng" algn="ctr">
+                      <a:solidFill>
+                        <a:srgbClr val="804E86"/>
+                      </a:solidFill>
+                      <a:prstDash val="solid"/>
+                      <a:round/>
+                      <a:headEnd type="none" w="med" len="med"/>
+                      <a:tailEnd type="none" w="med" len="med"/>
+                    </a:lnL>
+                    <a:lnR w="9525" cap="flat" cmpd="sng" algn="ctr">
+                      <a:solidFill>
+                        <a:srgbClr val="804E86"/>
+                      </a:solidFill>
+                      <a:prstDash val="solid"/>
+                      <a:round/>
+                      <a:headEnd type="none" w="med" len="med"/>
+                      <a:tailEnd type="none" w="med" len="med"/>
+                    </a:lnR>
+                    <a:lnT w="9525" cap="flat" cmpd="sng" algn="ctr">
+                      <a:solidFill>
+                        <a:srgbClr val="804E86"/>
+                      </a:solidFill>
+                      <a:prstDash val="solid"/>
+                      <a:round/>
+                      <a:headEnd type="none" w="med" len="med"/>
+                      <a:tailEnd type="none" w="med" len="med"/>
+                    </a:lnT>
+                    <a:lnB w="9525" cap="flat" cmpd="sng" algn="ctr">
+                      <a:solidFill>
+                        <a:srgbClr val="C7CCBE"/>
+                      </a:solidFill>
+                      <a:prstDash val="solid"/>
+                      <a:round/>
+                      <a:headEnd type="none" w="med" len="med"/>
+                      <a:tailEnd type="none" w="med" len="med"/>
+                    </a:lnB>
+                    <a:solidFill>
+                      <a:srgbClr val="C7CCBE"/>
+                    </a:solidFill>
+                  </a:tcPr>
+                </a:tc>
+                <a:tc>
+                  <a:txBody>
+                    <a:bodyPr/>
+                    <a:lstStyle/>
+                    <a:p>
+                      <a:pPr algn="l" fontAlgn="t"/>
+                      <a:r>
+                        <a:rPr lang="en-IN">
+                          <a:solidFill>
+                            <a:srgbClr val="000000"/>
+                          </a:solidFill>
+                          <a:effectLst/>
+                          <a:latin typeface="times new roman"/>
+                        </a:rPr>
+                        <a:t>OrderNo</a:t>
+                      </a:r>
+                    </a:p>
+                  </a:txBody>
+                  <a:tcPr marL="114300" marR="114300" marT="114300" marB="114300">
+                    <a:lnL w="9525" cap="flat" cmpd="sng" algn="ctr">
+                      <a:solidFill>
+                        <a:srgbClr val="804E86"/>
+                      </a:solidFill>
+                      <a:prstDash val="solid"/>
+                      <a:round/>
+                      <a:headEnd type="none" w="med" len="med"/>
+                      <a:tailEnd type="none" w="med" len="med"/>
+                    </a:lnL>
+                    <a:lnR w="9525" cap="flat" cmpd="sng" algn="ctr">
+                      <a:solidFill>
+                        <a:srgbClr val="804E86"/>
+                      </a:solidFill>
+                      <a:prstDash val="solid"/>
+                      <a:round/>
+                      <a:headEnd type="none" w="med" len="med"/>
+                      <a:tailEnd type="none" w="med" len="med"/>
+                    </a:lnR>
+                    <a:lnT w="9525" cap="flat" cmpd="sng" algn="ctr">
+                      <a:solidFill>
+                        <a:srgbClr val="804E86"/>
+                      </a:solidFill>
+                      <a:prstDash val="solid"/>
+                      <a:round/>
+                      <a:headEnd type="none" w="med" len="med"/>
+                      <a:tailEnd type="none" w="med" len="med"/>
+                    </a:lnT>
+                    <a:lnB w="9525" cap="flat" cmpd="sng" algn="ctr">
+                      <a:solidFill>
+                        <a:srgbClr val="C7CCBE"/>
+                      </a:solidFill>
+                      <a:prstDash val="solid"/>
+                      <a:round/>
+                      <a:headEnd type="none" w="med" len="med"/>
+                      <a:tailEnd type="none" w="med" len="med"/>
+                    </a:lnB>
+                    <a:solidFill>
+                      <a:srgbClr val="C7CCBE"/>
+                    </a:solidFill>
+                  </a:tcPr>
+                </a:tc>
+                <a:tc>
+                  <a:txBody>
+                    <a:bodyPr/>
+                    <a:lstStyle/>
+                    <a:p>
+                      <a:pPr algn="l" fontAlgn="t"/>
+                      <a:r>
+                        <a:rPr lang="en-IN">
+                          <a:solidFill>
+                            <a:srgbClr val="000000"/>
+                          </a:solidFill>
+                          <a:effectLst/>
+                          <a:latin typeface="times new roman"/>
+                        </a:rPr>
+                        <a:t>S_Id</a:t>
+                      </a:r>
+                    </a:p>
+                  </a:txBody>
+                  <a:tcPr marL="114300" marR="114300" marT="114300" marB="114300">
+                    <a:lnL w="9525" cap="flat" cmpd="sng" algn="ctr">
+                      <a:solidFill>
+                        <a:srgbClr val="804E86"/>
+                      </a:solidFill>
+                      <a:prstDash val="solid"/>
+                      <a:round/>
+                      <a:headEnd type="none" w="med" len="med"/>
+                      <a:tailEnd type="none" w="med" len="med"/>
+                    </a:lnL>
+                    <a:lnR w="9525" cap="flat" cmpd="sng" algn="ctr">
+                      <a:solidFill>
+                        <a:srgbClr val="804E86"/>
+                      </a:solidFill>
+                      <a:prstDash val="solid"/>
+                      <a:round/>
+                      <a:headEnd type="none" w="med" len="med"/>
+                      <a:tailEnd type="none" w="med" len="med"/>
+                    </a:lnR>
+                    <a:lnT w="9525" cap="flat" cmpd="sng" algn="ctr">
+                      <a:solidFill>
+                        <a:srgbClr val="804E86"/>
+                      </a:solidFill>
+                      <a:prstDash val="solid"/>
+                      <a:round/>
+                      <a:headEnd type="none" w="med" len="med"/>
+                      <a:tailEnd type="none" w="med" len="med"/>
+                    </a:lnT>
+                    <a:lnB w="9525" cap="flat" cmpd="sng" algn="ctr">
+                      <a:solidFill>
+                        <a:srgbClr val="C7CCBE"/>
+                      </a:solidFill>
+                      <a:prstDash val="solid"/>
+                      <a:round/>
+                      <a:headEnd type="none" w="med" len="med"/>
+                      <a:tailEnd type="none" w="med" len="med"/>
+                    </a:lnB>
+                    <a:solidFill>
+                      <a:srgbClr val="C7CCBE"/>
+                    </a:solidFill>
+                  </a:tcPr>
+                </a:tc>
+              </a:tr>
+              <a:tr h="517919">
+                <a:tc>
+                  <a:txBody>
+                    <a:bodyPr/>
+                    <a:lstStyle/>
+                    <a:p>
+                      <a:pPr algn="just" fontAlgn="t"/>
+                      <a:r>
+                        <a:rPr lang="en-IN">
+                          <a:solidFill>
+                            <a:srgbClr val="333333"/>
+                          </a:solidFill>
+                          <a:effectLst/>
+                          <a:latin typeface="inter-regular"/>
+                        </a:rPr>
+                        <a:t>1</a:t>
+                      </a:r>
+                    </a:p>
+                  </a:txBody>
+                  <a:tcPr marL="76200" marR="76200" marT="76200" marB="76200">
+                    <a:lnL w="9525" cap="flat" cmpd="sng" algn="ctr">
+                      <a:solidFill>
+                        <a:srgbClr val="C7CCBE"/>
+                      </a:solidFill>
+                      <a:prstDash val="solid"/>
+                      <a:round/>
+                      <a:headEnd type="none" w="med" len="med"/>
+                      <a:tailEnd type="none" w="med" len="med"/>
+                    </a:lnL>
+                    <a:lnR w="9525" cap="flat" cmpd="sng" algn="ctr">
+                      <a:solidFill>
+                        <a:srgbClr val="C7CCBE"/>
+                      </a:solidFill>
+                      <a:prstDash val="solid"/>
+                      <a:round/>
+                      <a:headEnd type="none" w="med" len="med"/>
+                      <a:tailEnd type="none" w="med" len="med"/>
+                    </a:lnR>
+                    <a:lnT w="9525" cap="flat" cmpd="sng" algn="ctr">
+                      <a:solidFill>
+                        <a:srgbClr val="C7CCBE"/>
+                      </a:solidFill>
+                      <a:prstDash val="solid"/>
+                      <a:round/>
+                      <a:headEnd type="none" w="med" len="med"/>
+                      <a:tailEnd type="none" w="med" len="med"/>
+                    </a:lnT>
+                    <a:lnB w="9525" cap="flat" cmpd="sng" algn="ctr">
+                      <a:solidFill>
+                        <a:srgbClr val="C7CCBE"/>
+                      </a:solidFill>
+                      <a:prstDash val="solid"/>
+                      <a:round/>
+                      <a:headEnd type="none" w="med" len="med"/>
+                      <a:tailEnd type="none" w="med" len="med"/>
+                    </a:lnB>
+                    <a:solidFill>
+                      <a:srgbClr val="FFFFFF"/>
+                    </a:solidFill>
+                  </a:tcPr>
+                </a:tc>
+                <a:tc>
+                  <a:txBody>
+                    <a:bodyPr/>
+                    <a:lstStyle/>
+                    <a:p>
+                      <a:pPr algn="just" fontAlgn="t"/>
+                      <a:r>
+                        <a:rPr lang="en-IN">
+                          <a:solidFill>
+                            <a:srgbClr val="333333"/>
+                          </a:solidFill>
+                          <a:effectLst/>
+                          <a:latin typeface="inter-regular"/>
+                        </a:rPr>
+                        <a:t>99586465</a:t>
+                      </a:r>
+                    </a:p>
+                  </a:txBody>
+                  <a:tcPr marL="76200" marR="76200" marT="76200" marB="76200">
+                    <a:lnL w="9525" cap="flat" cmpd="sng" algn="ctr">
+                      <a:solidFill>
+                        <a:srgbClr val="C7CCBE"/>
+                      </a:solidFill>
+                      <a:prstDash val="solid"/>
+                      <a:round/>
+                      <a:headEnd type="none" w="med" len="med"/>
+                      <a:tailEnd type="none" w="med" len="med"/>
+                    </a:lnL>
+                    <a:lnR w="9525" cap="flat" cmpd="sng" algn="ctr">
+                      <a:solidFill>
+                        <a:srgbClr val="C7CCBE"/>
+                      </a:solidFill>
+                      <a:prstDash val="solid"/>
+                      <a:round/>
+                      <a:headEnd type="none" w="med" len="med"/>
+                      <a:tailEnd type="none" w="med" len="med"/>
+                    </a:lnR>
+                    <a:lnT w="9525" cap="flat" cmpd="sng" algn="ctr">
+                      <a:solidFill>
+                        <a:srgbClr val="C7CCBE"/>
+                      </a:solidFill>
+                      <a:prstDash val="solid"/>
+                      <a:round/>
+                      <a:headEnd type="none" w="med" len="med"/>
+                      <a:tailEnd type="none" w="med" len="med"/>
+                    </a:lnT>
+                    <a:lnB w="9525" cap="flat" cmpd="sng" algn="ctr">
+                      <a:solidFill>
+                        <a:srgbClr val="C7CCBE"/>
+                      </a:solidFill>
+                      <a:prstDash val="solid"/>
+                      <a:round/>
+                      <a:headEnd type="none" w="med" len="med"/>
+                      <a:tailEnd type="none" w="med" len="med"/>
+                    </a:lnB>
+                    <a:solidFill>
+                      <a:srgbClr val="FFFFFF"/>
+                    </a:solidFill>
+                  </a:tcPr>
+                </a:tc>
+                <a:tc>
+                  <a:txBody>
+                    <a:bodyPr/>
+                    <a:lstStyle/>
+                    <a:p>
+                      <a:pPr algn="just" fontAlgn="t"/>
+                      <a:r>
+                        <a:rPr lang="en-IN">
+                          <a:solidFill>
+                            <a:srgbClr val="333333"/>
+                          </a:solidFill>
+                          <a:effectLst/>
+                          <a:latin typeface="inter-regular"/>
+                        </a:rPr>
+                        <a:t>2</a:t>
+                      </a:r>
+                    </a:p>
+                  </a:txBody>
+                  <a:tcPr marL="76200" marR="76200" marT="76200" marB="76200">
+                    <a:lnL w="9525" cap="flat" cmpd="sng" algn="ctr">
+                      <a:solidFill>
+                        <a:srgbClr val="C7CCBE"/>
+                      </a:solidFill>
+                      <a:prstDash val="solid"/>
+                      <a:round/>
+                      <a:headEnd type="none" w="med" len="med"/>
+                      <a:tailEnd type="none" w="med" len="med"/>
+                    </a:lnL>
+                    <a:lnR w="9525" cap="flat" cmpd="sng" algn="ctr">
+                      <a:solidFill>
+                        <a:srgbClr val="C7CCBE"/>
+                      </a:solidFill>
+                      <a:prstDash val="solid"/>
+                      <a:round/>
+                      <a:headEnd type="none" w="med" len="med"/>
+                      <a:tailEnd type="none" w="med" len="med"/>
+                    </a:lnR>
+                    <a:lnT w="9525" cap="flat" cmpd="sng" algn="ctr">
+                      <a:solidFill>
+                        <a:srgbClr val="C7CCBE"/>
+                      </a:solidFill>
+                      <a:prstDash val="solid"/>
+                      <a:round/>
+                      <a:headEnd type="none" w="med" len="med"/>
+                      <a:tailEnd type="none" w="med" len="med"/>
+                    </a:lnT>
+                    <a:lnB w="9525" cap="flat" cmpd="sng" algn="ctr">
+                      <a:solidFill>
+                        <a:srgbClr val="C7CCBE"/>
+                      </a:solidFill>
+                      <a:prstDash val="solid"/>
+                      <a:round/>
+                      <a:headEnd type="none" w="med" len="med"/>
+                      <a:tailEnd type="none" w="med" len="med"/>
+                    </a:lnB>
+                    <a:solidFill>
+                      <a:srgbClr val="FFFFFF"/>
+                    </a:solidFill>
+                  </a:tcPr>
+                </a:tc>
+              </a:tr>
+              <a:tr h="517919">
+                <a:tc>
+                  <a:txBody>
+                    <a:bodyPr/>
+                    <a:lstStyle/>
+                    <a:p>
+                      <a:pPr algn="just" fontAlgn="t"/>
+                      <a:r>
+                        <a:rPr lang="en-IN">
+                          <a:solidFill>
+                            <a:srgbClr val="333333"/>
+                          </a:solidFill>
+                          <a:effectLst/>
+                          <a:latin typeface="inter-regular"/>
+                        </a:rPr>
+                        <a:t>2</a:t>
+                      </a:r>
+                    </a:p>
+                  </a:txBody>
+                  <a:tcPr marL="76200" marR="76200" marT="76200" marB="76200">
+                    <a:lnL w="9525" cap="flat" cmpd="sng" algn="ctr">
+                      <a:solidFill>
+                        <a:srgbClr val="C7CCBE"/>
+                      </a:solidFill>
+                      <a:prstDash val="solid"/>
+                      <a:round/>
+                      <a:headEnd type="none" w="med" len="med"/>
+                      <a:tailEnd type="none" w="med" len="med"/>
+                    </a:lnL>
+                    <a:lnR w="9525" cap="flat" cmpd="sng" algn="ctr">
+                      <a:solidFill>
+                        <a:srgbClr val="C7CCBE"/>
+                      </a:solidFill>
+                      <a:prstDash val="solid"/>
+                      <a:round/>
+                      <a:headEnd type="none" w="med" len="med"/>
+                      <a:tailEnd type="none" w="med" len="med"/>
+                    </a:lnR>
+                    <a:lnT w="9525" cap="flat" cmpd="sng" algn="ctr">
+                      <a:solidFill>
+                        <a:srgbClr val="C7CCBE"/>
+                      </a:solidFill>
+                      <a:prstDash val="solid"/>
+                      <a:round/>
+                      <a:headEnd type="none" w="med" len="med"/>
+                      <a:tailEnd type="none" w="med" len="med"/>
+                    </a:lnT>
+                    <a:lnB w="9525" cap="flat" cmpd="sng" algn="ctr">
+                      <a:solidFill>
+                        <a:srgbClr val="C7CCBE"/>
+                      </a:solidFill>
+                      <a:prstDash val="solid"/>
+                      <a:round/>
+                      <a:headEnd type="none" w="med" len="med"/>
+                      <a:tailEnd type="none" w="med" len="med"/>
+                    </a:lnB>
+                    <a:solidFill>
+                      <a:srgbClr val="EFF1EB"/>
+                    </a:solidFill>
+                  </a:tcPr>
+                </a:tc>
+                <a:tc>
+                  <a:txBody>
+                    <a:bodyPr/>
+                    <a:lstStyle/>
+                    <a:p>
+                      <a:pPr algn="just" fontAlgn="t"/>
+                      <a:r>
+                        <a:rPr lang="en-IN">
+                          <a:solidFill>
+                            <a:srgbClr val="333333"/>
+                          </a:solidFill>
+                          <a:effectLst/>
+                          <a:latin typeface="inter-regular"/>
+                        </a:rPr>
+                        <a:t>78466588</a:t>
+                      </a:r>
+                    </a:p>
+                  </a:txBody>
+                  <a:tcPr marL="76200" marR="76200" marT="76200" marB="76200">
+                    <a:lnL w="9525" cap="flat" cmpd="sng" algn="ctr">
+                      <a:solidFill>
+                        <a:srgbClr val="C7CCBE"/>
+                      </a:solidFill>
+                      <a:prstDash val="solid"/>
+                      <a:round/>
+                      <a:headEnd type="none" w="med" len="med"/>
+                      <a:tailEnd type="none" w="med" len="med"/>
+                    </a:lnL>
+                    <a:lnR w="9525" cap="flat" cmpd="sng" algn="ctr">
+                      <a:solidFill>
+                        <a:srgbClr val="C7CCBE"/>
+                      </a:solidFill>
+                      <a:prstDash val="solid"/>
+                      <a:round/>
+                      <a:headEnd type="none" w="med" len="med"/>
+                      <a:tailEnd type="none" w="med" len="med"/>
+                    </a:lnR>
+                    <a:lnT w="9525" cap="flat" cmpd="sng" algn="ctr">
+                      <a:solidFill>
+                        <a:srgbClr val="C7CCBE"/>
+                      </a:solidFill>
+                      <a:prstDash val="solid"/>
+                      <a:round/>
+                      <a:headEnd type="none" w="med" len="med"/>
+                      <a:tailEnd type="none" w="med" len="med"/>
+                    </a:lnT>
+                    <a:lnB w="9525" cap="flat" cmpd="sng" algn="ctr">
+                      <a:solidFill>
+                        <a:srgbClr val="C7CCBE"/>
+                      </a:solidFill>
+                      <a:prstDash val="solid"/>
+                      <a:round/>
+                      <a:headEnd type="none" w="med" len="med"/>
+                      <a:tailEnd type="none" w="med" len="med"/>
+                    </a:lnB>
+                    <a:solidFill>
+                      <a:srgbClr val="EFF1EB"/>
+                    </a:solidFill>
+                  </a:tcPr>
+                </a:tc>
+                <a:tc>
+                  <a:txBody>
+                    <a:bodyPr/>
+                    <a:lstStyle/>
+                    <a:p>
+                      <a:pPr algn="just" fontAlgn="t"/>
+                      <a:r>
+                        <a:rPr lang="en-IN">
+                          <a:solidFill>
+                            <a:srgbClr val="333333"/>
+                          </a:solidFill>
+                          <a:effectLst/>
+                          <a:latin typeface="inter-regular"/>
+                        </a:rPr>
+                        <a:t>2</a:t>
+                      </a:r>
+                    </a:p>
+                  </a:txBody>
+                  <a:tcPr marL="76200" marR="76200" marT="76200" marB="76200">
+                    <a:lnL w="9525" cap="flat" cmpd="sng" algn="ctr">
+                      <a:solidFill>
+                        <a:srgbClr val="C7CCBE"/>
+                      </a:solidFill>
+                      <a:prstDash val="solid"/>
+                      <a:round/>
+                      <a:headEnd type="none" w="med" len="med"/>
+                      <a:tailEnd type="none" w="med" len="med"/>
+                    </a:lnL>
+                    <a:lnR w="9525" cap="flat" cmpd="sng" algn="ctr">
+                      <a:solidFill>
+                        <a:srgbClr val="C7CCBE"/>
+                      </a:solidFill>
+                      <a:prstDash val="solid"/>
+                      <a:round/>
+                      <a:headEnd type="none" w="med" len="med"/>
+                      <a:tailEnd type="none" w="med" len="med"/>
+                    </a:lnR>
+                    <a:lnT w="9525" cap="flat" cmpd="sng" algn="ctr">
+                      <a:solidFill>
+                        <a:srgbClr val="C7CCBE"/>
+                      </a:solidFill>
+                      <a:prstDash val="solid"/>
+                      <a:round/>
+                      <a:headEnd type="none" w="med" len="med"/>
+                      <a:tailEnd type="none" w="med" len="med"/>
+                    </a:lnT>
+                    <a:lnB w="9525" cap="flat" cmpd="sng" algn="ctr">
+                      <a:solidFill>
+                        <a:srgbClr val="C7CCBE"/>
+                      </a:solidFill>
+                      <a:prstDash val="solid"/>
+                      <a:round/>
+                      <a:headEnd type="none" w="med" len="med"/>
+                      <a:tailEnd type="none" w="med" len="med"/>
+                    </a:lnB>
+                    <a:solidFill>
+                      <a:srgbClr val="EFF1EB"/>
+                    </a:solidFill>
+                  </a:tcPr>
+                </a:tc>
+              </a:tr>
+              <a:tr h="517919">
+                <a:tc>
+                  <a:txBody>
+                    <a:bodyPr/>
+                    <a:lstStyle/>
+                    <a:p>
+                      <a:pPr algn="just" fontAlgn="t"/>
+                      <a:r>
+                        <a:rPr lang="en-IN">
+                          <a:solidFill>
+                            <a:srgbClr val="333333"/>
+                          </a:solidFill>
+                          <a:effectLst/>
+                          <a:latin typeface="inter-regular"/>
+                        </a:rPr>
+                        <a:t>3</a:t>
+                      </a:r>
+                    </a:p>
+                  </a:txBody>
+                  <a:tcPr marL="76200" marR="76200" marT="76200" marB="76200">
+                    <a:lnL w="9525" cap="flat" cmpd="sng" algn="ctr">
+                      <a:solidFill>
+                        <a:srgbClr val="C7CCBE"/>
+                      </a:solidFill>
+                      <a:prstDash val="solid"/>
+                      <a:round/>
+                      <a:headEnd type="none" w="med" len="med"/>
+                      <a:tailEnd type="none" w="med" len="med"/>
+                    </a:lnL>
+                    <a:lnR w="9525" cap="flat" cmpd="sng" algn="ctr">
+                      <a:solidFill>
+                        <a:srgbClr val="C7CCBE"/>
+                      </a:solidFill>
+                      <a:prstDash val="solid"/>
+                      <a:round/>
+                      <a:headEnd type="none" w="med" len="med"/>
+                      <a:tailEnd type="none" w="med" len="med"/>
+                    </a:lnR>
+                    <a:lnT w="9525" cap="flat" cmpd="sng" algn="ctr">
+                      <a:solidFill>
+                        <a:srgbClr val="C7CCBE"/>
+                      </a:solidFill>
+                      <a:prstDash val="solid"/>
+                      <a:round/>
+                      <a:headEnd type="none" w="med" len="med"/>
+                      <a:tailEnd type="none" w="med" len="med"/>
+                    </a:lnT>
+                    <a:lnB w="9525" cap="flat" cmpd="sng" algn="ctr">
+                      <a:solidFill>
+                        <a:srgbClr val="C7CCBE"/>
+                      </a:solidFill>
+                      <a:prstDash val="solid"/>
+                      <a:round/>
+                      <a:headEnd type="none" w="med" len="med"/>
+                      <a:tailEnd type="none" w="med" len="med"/>
+                    </a:lnB>
+                    <a:solidFill>
+                      <a:srgbClr val="FFFFFF"/>
+                    </a:solidFill>
+                  </a:tcPr>
+                </a:tc>
+                <a:tc>
+                  <a:txBody>
+                    <a:bodyPr/>
+                    <a:lstStyle/>
+                    <a:p>
+                      <a:pPr algn="just" fontAlgn="t"/>
+                      <a:r>
+                        <a:rPr lang="en-IN">
+                          <a:solidFill>
+                            <a:srgbClr val="333333"/>
+                          </a:solidFill>
+                          <a:effectLst/>
+                          <a:latin typeface="inter-regular"/>
+                        </a:rPr>
+                        <a:t>22354846</a:t>
+                      </a:r>
+                    </a:p>
+                  </a:txBody>
+                  <a:tcPr marL="76200" marR="76200" marT="76200" marB="76200">
+                    <a:lnL w="9525" cap="flat" cmpd="sng" algn="ctr">
+                      <a:solidFill>
+                        <a:srgbClr val="C7CCBE"/>
+                      </a:solidFill>
+                      <a:prstDash val="solid"/>
+                      <a:round/>
+                      <a:headEnd type="none" w="med" len="med"/>
+                      <a:tailEnd type="none" w="med" len="med"/>
+                    </a:lnL>
+                    <a:lnR w="9525" cap="flat" cmpd="sng" algn="ctr">
+                      <a:solidFill>
+                        <a:srgbClr val="C7CCBE"/>
+                      </a:solidFill>
+                      <a:prstDash val="solid"/>
+                      <a:round/>
+                      <a:headEnd type="none" w="med" len="med"/>
+                      <a:tailEnd type="none" w="med" len="med"/>
+                    </a:lnR>
+                    <a:lnT w="9525" cap="flat" cmpd="sng" algn="ctr">
+                      <a:solidFill>
+                        <a:srgbClr val="C7CCBE"/>
+                      </a:solidFill>
+                      <a:prstDash val="solid"/>
+                      <a:round/>
+                      <a:headEnd type="none" w="med" len="med"/>
+                      <a:tailEnd type="none" w="med" len="med"/>
+                    </a:lnT>
+                    <a:lnB w="9525" cap="flat" cmpd="sng" algn="ctr">
+                      <a:solidFill>
+                        <a:srgbClr val="C7CCBE"/>
+                      </a:solidFill>
+                      <a:prstDash val="solid"/>
+                      <a:round/>
+                      <a:headEnd type="none" w="med" len="med"/>
+                      <a:tailEnd type="none" w="med" len="med"/>
+                    </a:lnB>
+                    <a:solidFill>
+                      <a:srgbClr val="FFFFFF"/>
+                    </a:solidFill>
+                  </a:tcPr>
+                </a:tc>
+                <a:tc>
+                  <a:txBody>
+                    <a:bodyPr/>
+                    <a:lstStyle/>
+                    <a:p>
+                      <a:pPr algn="just" fontAlgn="t"/>
+                      <a:r>
+                        <a:rPr lang="en-IN">
+                          <a:solidFill>
+                            <a:srgbClr val="333333"/>
+                          </a:solidFill>
+                          <a:effectLst/>
+                          <a:latin typeface="inter-regular"/>
+                        </a:rPr>
+                        <a:t>3</a:t>
+                      </a:r>
+                    </a:p>
+                  </a:txBody>
+                  <a:tcPr marL="76200" marR="76200" marT="76200" marB="76200">
+                    <a:lnL w="9525" cap="flat" cmpd="sng" algn="ctr">
+                      <a:solidFill>
+                        <a:srgbClr val="C7CCBE"/>
+                      </a:solidFill>
+                      <a:prstDash val="solid"/>
+                      <a:round/>
+                      <a:headEnd type="none" w="med" len="med"/>
+                      <a:tailEnd type="none" w="med" len="med"/>
+                    </a:lnL>
+                    <a:lnR w="9525" cap="flat" cmpd="sng" algn="ctr">
+                      <a:solidFill>
+                        <a:srgbClr val="C7CCBE"/>
+                      </a:solidFill>
+                      <a:prstDash val="solid"/>
+                      <a:round/>
+                      <a:headEnd type="none" w="med" len="med"/>
+                      <a:tailEnd type="none" w="med" len="med"/>
+                    </a:lnR>
+                    <a:lnT w="9525" cap="flat" cmpd="sng" algn="ctr">
+                      <a:solidFill>
+                        <a:srgbClr val="C7CCBE"/>
+                      </a:solidFill>
+                      <a:prstDash val="solid"/>
+                      <a:round/>
+                      <a:headEnd type="none" w="med" len="med"/>
+                      <a:tailEnd type="none" w="med" len="med"/>
+                    </a:lnT>
+                    <a:lnB w="9525" cap="flat" cmpd="sng" algn="ctr">
+                      <a:solidFill>
+                        <a:srgbClr val="C7CCBE"/>
+                      </a:solidFill>
+                      <a:prstDash val="solid"/>
+                      <a:round/>
+                      <a:headEnd type="none" w="med" len="med"/>
+                      <a:tailEnd type="none" w="med" len="med"/>
+                    </a:lnB>
+                    <a:solidFill>
+                      <a:srgbClr val="FFFFFF"/>
+                    </a:solidFill>
+                  </a:tcPr>
+                </a:tc>
+              </a:tr>
+              <a:tr h="517919">
+                <a:tc>
+                  <a:txBody>
+                    <a:bodyPr/>
+                    <a:lstStyle/>
+                    <a:p>
+                      <a:pPr algn="just" fontAlgn="t"/>
+                      <a:r>
+                        <a:rPr lang="en-IN">
+                          <a:solidFill>
+                            <a:srgbClr val="333333"/>
+                          </a:solidFill>
+                          <a:effectLst/>
+                          <a:latin typeface="inter-regular"/>
+                        </a:rPr>
+                        <a:t>4</a:t>
+                      </a:r>
+                    </a:p>
+                  </a:txBody>
+                  <a:tcPr marL="76200" marR="76200" marT="76200" marB="76200">
+                    <a:lnL w="9525" cap="flat" cmpd="sng" algn="ctr">
+                      <a:solidFill>
+                        <a:srgbClr val="C7CCBE"/>
+                      </a:solidFill>
+                      <a:prstDash val="solid"/>
+                      <a:round/>
+                      <a:headEnd type="none" w="med" len="med"/>
+                      <a:tailEnd type="none" w="med" len="med"/>
+                    </a:lnL>
+                    <a:lnR w="9525" cap="flat" cmpd="sng" algn="ctr">
+                      <a:solidFill>
+                        <a:srgbClr val="C7CCBE"/>
+                      </a:solidFill>
+                      <a:prstDash val="solid"/>
+                      <a:round/>
+                      <a:headEnd type="none" w="med" len="med"/>
+                      <a:tailEnd type="none" w="med" len="med"/>
+                    </a:lnR>
+                    <a:lnT w="9525" cap="flat" cmpd="sng" algn="ctr">
+                      <a:solidFill>
+                        <a:srgbClr val="C7CCBE"/>
+                      </a:solidFill>
+                      <a:prstDash val="solid"/>
+                      <a:round/>
+                      <a:headEnd type="none" w="med" len="med"/>
+                      <a:tailEnd type="none" w="med" len="med"/>
+                    </a:lnT>
+                    <a:lnB w="9525" cap="flat" cmpd="sng" algn="ctr">
+                      <a:solidFill>
+                        <a:srgbClr val="C7CCBE"/>
+                      </a:solidFill>
+                      <a:prstDash val="solid"/>
+                      <a:round/>
+                      <a:headEnd type="none" w="med" len="med"/>
+                      <a:tailEnd type="none" w="med" len="med"/>
+                    </a:lnB>
+                    <a:solidFill>
+                      <a:srgbClr val="EFF1EB"/>
+                    </a:solidFill>
+                  </a:tcPr>
+                </a:tc>
+                <a:tc>
+                  <a:txBody>
+                    <a:bodyPr/>
+                    <a:lstStyle/>
+                    <a:p>
+                      <a:pPr algn="just" fontAlgn="t"/>
+                      <a:r>
+                        <a:rPr lang="en-IN">
+                          <a:solidFill>
+                            <a:srgbClr val="333333"/>
+                          </a:solidFill>
+                          <a:effectLst/>
+                          <a:latin typeface="inter-regular"/>
+                        </a:rPr>
+                        <a:t>57698656</a:t>
+                      </a:r>
+                    </a:p>
+                  </a:txBody>
+                  <a:tcPr marL="76200" marR="76200" marT="76200" marB="76200">
+                    <a:lnL w="9525" cap="flat" cmpd="sng" algn="ctr">
+                      <a:solidFill>
+                        <a:srgbClr val="C7CCBE"/>
+                      </a:solidFill>
+                      <a:prstDash val="solid"/>
+                      <a:round/>
+                      <a:headEnd type="none" w="med" len="med"/>
+                      <a:tailEnd type="none" w="med" len="med"/>
+                    </a:lnL>
+                    <a:lnR w="9525" cap="flat" cmpd="sng" algn="ctr">
+                      <a:solidFill>
+                        <a:srgbClr val="C7CCBE"/>
+                      </a:solidFill>
+                      <a:prstDash val="solid"/>
+                      <a:round/>
+                      <a:headEnd type="none" w="med" len="med"/>
+                      <a:tailEnd type="none" w="med" len="med"/>
+                    </a:lnR>
+                    <a:lnT w="9525" cap="flat" cmpd="sng" algn="ctr">
+                      <a:solidFill>
+                        <a:srgbClr val="C7CCBE"/>
+                      </a:solidFill>
+                      <a:prstDash val="solid"/>
+                      <a:round/>
+                      <a:headEnd type="none" w="med" len="med"/>
+                      <a:tailEnd type="none" w="med" len="med"/>
+                    </a:lnT>
+                    <a:lnB w="9525" cap="flat" cmpd="sng" algn="ctr">
+                      <a:solidFill>
+                        <a:srgbClr val="C7CCBE"/>
+                      </a:solidFill>
+                      <a:prstDash val="solid"/>
+                      <a:round/>
+                      <a:headEnd type="none" w="med" len="med"/>
+                      <a:tailEnd type="none" w="med" len="med"/>
+                    </a:lnB>
+                    <a:solidFill>
+                      <a:srgbClr val="EFF1EB"/>
+                    </a:solidFill>
+                  </a:tcPr>
+                </a:tc>
+                <a:tc>
+                  <a:txBody>
+                    <a:bodyPr/>
+                    <a:lstStyle/>
+                    <a:p>
+                      <a:pPr algn="just" fontAlgn="t"/>
+                      <a:r>
+                        <a:rPr lang="en-IN" dirty="0">
+                          <a:solidFill>
+                            <a:srgbClr val="333333"/>
+                          </a:solidFill>
+                          <a:effectLst/>
+                          <a:latin typeface="inter-regular"/>
+                        </a:rPr>
+                        <a:t>1</a:t>
+                      </a:r>
+                    </a:p>
+                  </a:txBody>
+                  <a:tcPr marL="76200" marR="76200" marT="76200" marB="76200">
+                    <a:lnL w="9525" cap="flat" cmpd="sng" algn="ctr">
+                      <a:solidFill>
+                        <a:srgbClr val="C7CCBE"/>
+                      </a:solidFill>
+                      <a:prstDash val="solid"/>
+                      <a:round/>
+                      <a:headEnd type="none" w="med" len="med"/>
+                      <a:tailEnd type="none" w="med" len="med"/>
+                    </a:lnL>
+                    <a:lnR w="9525" cap="flat" cmpd="sng" algn="ctr">
+                      <a:solidFill>
+                        <a:srgbClr val="C7CCBE"/>
+                      </a:solidFill>
+                      <a:prstDash val="solid"/>
+                      <a:round/>
+                      <a:headEnd type="none" w="med" len="med"/>
+                      <a:tailEnd type="none" w="med" len="med"/>
+                    </a:lnR>
+                    <a:lnT w="9525" cap="flat" cmpd="sng" algn="ctr">
+                      <a:solidFill>
+                        <a:srgbClr val="C7CCBE"/>
+                      </a:solidFill>
+                      <a:prstDash val="solid"/>
+                      <a:round/>
+                      <a:headEnd type="none" w="med" len="med"/>
+                      <a:tailEnd type="none" w="med" len="med"/>
+                    </a:lnT>
+                    <a:lnB w="9525" cap="flat" cmpd="sng" algn="ctr">
+                      <a:solidFill>
+                        <a:srgbClr val="C7CCBE"/>
+                      </a:solidFill>
+                      <a:prstDash val="solid"/>
+                      <a:round/>
+                      <a:headEnd type="none" w="med" len="med"/>
+                      <a:tailEnd type="none" w="med" len="med"/>
+                    </a:lnB>
+                    <a:solidFill>
+                      <a:srgbClr val="EFF1EB"/>
+                    </a:solidFill>
+                  </a:tcPr>
+                </a:tc>
+              </a:tr>
+            </a:tbl>
+          </a:graphicData>
+        </a:graphic>
+      </p:graphicFrame>
+    </p:spTree>
+    <p:extLst>
+      <p:ext uri="{BB962C8B-B14F-4D97-AF65-F5344CB8AC3E}">
+        <p14:creationId xmlns:p14="http://schemas.microsoft.com/office/powerpoint/2010/main" val="3085747217"/>
+      </p:ext>
+    </p:extLst>
+  </p:cSld>
+  <p:clrMapOvr>
+    <a:masterClrMapping/>
+  </p:clrMapOvr>
+</p:sld>
+</file>
+
+<file path=ppt/slides/slide46.xml><?xml version="1.0" encoding="utf-8"?>
+<p:sld xmlns:a="http://schemas.openxmlformats.org/drawingml/2006/main" xmlns:r="http://schemas.openxmlformats.org/officeDocument/2006/relationships" xmlns:p="http://schemas.openxmlformats.org/presentationml/2006/main">
+  <p:cSld>
+    <p:spTree>
+      <p:nvGrpSpPr>
+        <p:cNvPr id="1" name=""/>
+        <p:cNvGrpSpPr/>
+        <p:nvPr/>
+      </p:nvGrpSpPr>
+      <p:grpSpPr>
+        <a:xfrm>
+          <a:off x="0" y="0"/>
+          <a:ext cx="0" cy="0"/>
+          <a:chOff x="0" y="0"/>
+          <a:chExt cx="0" cy="0"/>
+        </a:xfrm>
+      </p:grpSpPr>
+      <p:sp>
+        <p:nvSpPr>
+          <p:cNvPr id="2" name="Title 1"/>
+          <p:cNvSpPr>
+            <a:spLocks noGrp="1"/>
+          </p:cNvSpPr>
+          <p:nvPr>
+            <p:ph type="title"/>
+          </p:nvPr>
+        </p:nvSpPr>
+        <p:spPr/>
+        <p:txBody>
+          <a:bodyPr/>
+          <a:lstStyle/>
+          <a:p>
+            <a:endParaRPr lang="en-IN"/>
+          </a:p>
+        </p:txBody>
+      </p:sp>
+      <p:sp>
+        <p:nvSpPr>
+          <p:cNvPr id="3" name="Content Placeholder 2"/>
+          <p:cNvSpPr>
+            <a:spLocks noGrp="1"/>
+          </p:cNvSpPr>
+          <p:nvPr>
+            <p:ph idx="1"/>
+          </p:nvPr>
+        </p:nvSpPr>
+        <p:spPr/>
+        <p:txBody>
+          <a:bodyPr>
+            <a:normAutofit/>
+          </a:bodyPr>
+          <a:lstStyle/>
+          <a:p>
+            <a:r>
+              <a:rPr lang="en-US" sz="1600" dirty="0"/>
+              <a:t>Here you see that "</a:t>
+            </a:r>
+            <a:r>
+              <a:rPr lang="en-US" sz="1600" dirty="0" err="1"/>
+              <a:t>S_Id</a:t>
+            </a:r>
+            <a:r>
+              <a:rPr lang="en-US" sz="1600" dirty="0"/>
+              <a:t>" column in the "Orders" table points to the "</a:t>
+            </a:r>
+            <a:r>
+              <a:rPr lang="en-US" sz="1600" dirty="0" err="1"/>
+              <a:t>S_Id</a:t>
+            </a:r>
+            <a:r>
+              <a:rPr lang="en-US" sz="1600" dirty="0"/>
+              <a:t>" column in "Students" table</a:t>
+            </a:r>
+            <a:r>
+              <a:rPr lang="en-US" sz="1600" dirty="0" smtClean="0"/>
+              <a:t>.</a:t>
+            </a:r>
+          </a:p>
+          <a:p>
+            <a:endParaRPr lang="en-US" sz="1600" dirty="0"/>
+          </a:p>
+          <a:p>
+            <a:r>
+              <a:rPr lang="en-US" sz="1600" dirty="0"/>
+              <a:t>The "</a:t>
+            </a:r>
+            <a:r>
+              <a:rPr lang="en-US" sz="1600" dirty="0" err="1"/>
+              <a:t>S_Id</a:t>
+            </a:r>
+            <a:r>
+              <a:rPr lang="en-US" sz="1600" dirty="0"/>
+              <a:t>" column in the "Students" table is the PRIMARY KEY in the "Students" table</a:t>
+            </a:r>
+            <a:r>
+              <a:rPr lang="en-US" sz="1600" dirty="0" smtClean="0"/>
+              <a:t>.</a:t>
+            </a:r>
+          </a:p>
+          <a:p>
+            <a:r>
+              <a:rPr lang="en-US" sz="1600" dirty="0"/>
+              <a:t>The "</a:t>
+            </a:r>
+            <a:r>
+              <a:rPr lang="en-US" sz="1600" dirty="0" err="1"/>
+              <a:t>S_Id</a:t>
+            </a:r>
+            <a:r>
+              <a:rPr lang="en-US" sz="1600" dirty="0"/>
+              <a:t>" column in the "Orders" table is a FOREIGN KEY in the "Orders" table.</a:t>
+            </a:r>
+          </a:p>
+          <a:p>
+            <a:r>
+              <a:rPr lang="en-US" sz="1600" dirty="0" err="1" smtClean="0"/>
+              <a:t>Synatax</a:t>
+            </a:r>
+            <a:r>
+              <a:rPr lang="en-US" sz="1600" dirty="0" smtClean="0"/>
+              <a:t>:</a:t>
+            </a:r>
+          </a:p>
+          <a:p>
+            <a:r>
+              <a:rPr lang="en-US" sz="1600" b="1" dirty="0"/>
+              <a:t>CREATE</a:t>
+            </a:r>
+            <a:r>
+              <a:rPr lang="en-US" sz="1600" dirty="0"/>
+              <a:t> </a:t>
+            </a:r>
+            <a:r>
+              <a:rPr lang="en-US" sz="1600" b="1" dirty="0"/>
+              <a:t>TABLE</a:t>
+            </a:r>
+            <a:r>
+              <a:rPr lang="en-US" sz="1600" dirty="0"/>
+              <a:t> Orders  </a:t>
+            </a:r>
+          </a:p>
+          <a:p>
+            <a:r>
+              <a:rPr lang="en-US" sz="1600" dirty="0"/>
+              <a:t>(  </a:t>
+            </a:r>
+          </a:p>
+          <a:p>
+            <a:r>
+              <a:rPr lang="en-US" sz="1600" dirty="0" err="1"/>
+              <a:t>O_Id</a:t>
+            </a:r>
+            <a:r>
+              <a:rPr lang="en-US" sz="1600" dirty="0"/>
+              <a:t> </a:t>
+            </a:r>
+            <a:r>
+              <a:rPr lang="en-US" sz="1600" b="1" dirty="0" err="1"/>
+              <a:t>int</a:t>
+            </a:r>
+            <a:r>
+              <a:rPr lang="en-US" sz="1600" dirty="0"/>
+              <a:t> NOT NULL PRIMAY </a:t>
+            </a:r>
+            <a:r>
+              <a:rPr lang="en-US" sz="1600" b="1" dirty="0"/>
+              <a:t>KEY</a:t>
+            </a:r>
+            <a:r>
+              <a:rPr lang="en-US" sz="1600" dirty="0"/>
+              <a:t>,  </a:t>
+            </a:r>
+          </a:p>
+          <a:p>
+            <a:r>
+              <a:rPr lang="en-US" sz="1600" dirty="0" err="1"/>
+              <a:t>Order_No</a:t>
+            </a:r>
+            <a:r>
+              <a:rPr lang="en-US" sz="1600" dirty="0"/>
+              <a:t> </a:t>
+            </a:r>
+            <a:r>
+              <a:rPr lang="en-US" sz="1600" b="1" dirty="0" err="1"/>
+              <a:t>int</a:t>
+            </a:r>
+            <a:r>
+              <a:rPr lang="en-US" sz="1600" dirty="0"/>
+              <a:t> NOT NULL,  </a:t>
+            </a:r>
+          </a:p>
+          <a:p>
+            <a:r>
+              <a:rPr lang="en-US" sz="1600" dirty="0" err="1"/>
+              <a:t>S_Id</a:t>
+            </a:r>
+            <a:r>
+              <a:rPr lang="en-US" sz="1600" dirty="0"/>
+              <a:t> </a:t>
+            </a:r>
+            <a:r>
+              <a:rPr lang="en-US" sz="1600" b="1" dirty="0" err="1"/>
+              <a:t>int</a:t>
+            </a:r>
+            <a:r>
+              <a:rPr lang="en-US" sz="1600" dirty="0"/>
+              <a:t> </a:t>
+            </a:r>
+            <a:r>
+              <a:rPr lang="en-US" sz="1600" b="1" dirty="0"/>
+              <a:t>FOREIGN</a:t>
+            </a:r>
+            <a:r>
+              <a:rPr lang="en-US" sz="1600" dirty="0"/>
+              <a:t> </a:t>
+            </a:r>
+            <a:r>
+              <a:rPr lang="en-US" sz="1600" b="1" dirty="0"/>
+              <a:t>KEY</a:t>
+            </a:r>
+            <a:r>
+              <a:rPr lang="en-US" sz="1600" dirty="0"/>
+              <a:t> </a:t>
+            </a:r>
+            <a:r>
+              <a:rPr lang="en-US" sz="1600" b="1" dirty="0"/>
+              <a:t>REFERENCES</a:t>
+            </a:r>
+            <a:r>
+              <a:rPr lang="en-US" sz="1600" dirty="0"/>
+              <a:t> </a:t>
+            </a:r>
+            <a:r>
+              <a:rPr lang="en-US" sz="1600" dirty="0" smtClean="0"/>
+              <a:t>student</a:t>
+            </a:r>
+            <a:r>
+              <a:rPr lang="en-US" sz="1600" dirty="0"/>
+              <a:t> (</a:t>
+            </a:r>
+            <a:r>
+              <a:rPr lang="en-US" sz="1600" dirty="0" err="1"/>
+              <a:t>S_Id</a:t>
+            </a:r>
+            <a:r>
+              <a:rPr lang="en-US" sz="1600" dirty="0"/>
+              <a:t>)  </a:t>
+            </a:r>
+          </a:p>
+          <a:p>
+            <a:r>
+              <a:rPr lang="en-US" sz="1600" dirty="0"/>
+              <a:t>)  </a:t>
+            </a:r>
+          </a:p>
+          <a:p>
+            <a:endParaRPr lang="en-US" sz="1600" dirty="0"/>
+          </a:p>
+          <a:p>
+            <a:endParaRPr lang="en-IN" sz="1600" dirty="0"/>
+          </a:p>
+        </p:txBody>
+      </p:sp>
+    </p:spTree>
+    <p:extLst>
+      <p:ext uri="{BB962C8B-B14F-4D97-AF65-F5344CB8AC3E}">
+        <p14:creationId xmlns:p14="http://schemas.microsoft.com/office/powerpoint/2010/main" val="1289081148"/>
+      </p:ext>
+    </p:extLst>
+  </p:cSld>
+  <p:clrMapOvr>
+    <a:masterClrMapping/>
+  </p:clrMapOvr>
+</p:sld>
+</file>
+
+<file path=ppt/slides/slide47.xml><?xml version="1.0" encoding="utf-8"?>
+<p:sld xmlns:a="http://schemas.openxmlformats.org/drawingml/2006/main" xmlns:r="http://schemas.openxmlformats.org/officeDocument/2006/relationships" xmlns:p="http://schemas.openxmlformats.org/presentationml/2006/main">
+  <p:cSld>
+    <p:spTree>
+      <p:nvGrpSpPr>
+        <p:cNvPr id="1" name=""/>
+        <p:cNvGrpSpPr/>
+        <p:nvPr/>
+      </p:nvGrpSpPr>
+      <p:grpSpPr>
+        <a:xfrm>
+          <a:off x="0" y="0"/>
+          <a:ext cx="0" cy="0"/>
+          <a:chOff x="0" y="0"/>
+          <a:chExt cx="0" cy="0"/>
+        </a:xfrm>
+      </p:grpSpPr>
+      <p:sp>
+        <p:nvSpPr>
+          <p:cNvPr id="2" name="Title 1"/>
+          <p:cNvSpPr>
+            <a:spLocks noGrp="1"/>
+          </p:cNvSpPr>
+          <p:nvPr>
+            <p:ph type="title"/>
+          </p:nvPr>
+        </p:nvSpPr>
+        <p:spPr/>
+        <p:txBody>
+          <a:bodyPr/>
+          <a:lstStyle/>
+          <a:p>
+            <a:endParaRPr lang="en-IN"/>
+          </a:p>
+        </p:txBody>
+      </p:sp>
+      <p:sp>
+        <p:nvSpPr>
+          <p:cNvPr id="3" name="Content Placeholder 2"/>
+          <p:cNvSpPr>
+            <a:spLocks noGrp="1"/>
+          </p:cNvSpPr>
+          <p:nvPr>
+            <p:ph idx="1"/>
+          </p:nvPr>
+        </p:nvSpPr>
+        <p:spPr/>
+        <p:txBody>
+          <a:bodyPr>
+            <a:normAutofit/>
+          </a:bodyPr>
+          <a:lstStyle/>
+          <a:p>
+            <a:r>
+              <a:rPr lang="en-US" sz="1600" dirty="0"/>
+              <a:t>Difference between primary key and foreign key in SQL:</a:t>
+            </a:r>
+          </a:p>
+          <a:p>
+            <a:r>
+              <a:rPr lang="en-US" sz="1600" dirty="0"/>
+              <a:t>These are some important difference between primary key and foreign key in SQL-</a:t>
+            </a:r>
+          </a:p>
+          <a:p>
+            <a:r>
+              <a:rPr lang="en-US" sz="1600" dirty="0"/>
+              <a:t>Primary key cannot be null on the other hand foreign key can be null.</a:t>
+            </a:r>
+          </a:p>
+          <a:p>
+            <a:r>
+              <a:rPr lang="en-US" sz="1600" dirty="0"/>
+              <a:t>Primary key is always unique while foreign key can be duplicated.</a:t>
+            </a:r>
+          </a:p>
+          <a:p>
+            <a:r>
+              <a:rPr lang="en-US" sz="1600" dirty="0"/>
+              <a:t>Primary key uniquely identify a record in a table while foreign key is a field in a table that is primary key in another table.</a:t>
+            </a:r>
+          </a:p>
+          <a:p>
+            <a:r>
+              <a:rPr lang="en-US" sz="1600" dirty="0"/>
+              <a:t>There is only one primary key in the table on the other hand we can have more than one foreign key in the table.</a:t>
+            </a:r>
+          </a:p>
+          <a:p>
+            <a:endParaRPr lang="en-US" sz="1600" dirty="0" smtClean="0"/>
+          </a:p>
+          <a:p>
+            <a:endParaRPr lang="en-US" sz="1600" dirty="0"/>
+          </a:p>
+          <a:p>
+            <a:endParaRPr lang="en-IN" sz="1600" dirty="0"/>
+          </a:p>
+        </p:txBody>
+      </p:sp>
+    </p:spTree>
+    <p:extLst>
+      <p:ext uri="{BB962C8B-B14F-4D97-AF65-F5344CB8AC3E}">
+        <p14:creationId xmlns:p14="http://schemas.microsoft.com/office/powerpoint/2010/main" val="2450236289"/>
+      </p:ext>
+    </p:extLst>
+  </p:cSld>
+  <p:clrMapOvr>
+    <a:masterClrMapping/>
+  </p:clrMapOvr>
+</p:sld>
+</file>
+
+<file path=ppt/slides/slide48.xml><?xml version="1.0" encoding="utf-8"?>
+<p:sld xmlns:a="http://schemas.openxmlformats.org/drawingml/2006/main" xmlns:r="http://schemas.openxmlformats.org/officeDocument/2006/relationships" xmlns:p="http://schemas.openxmlformats.org/presentationml/2006/main">
+  <p:cSld>
+    <p:spTree>
+      <p:nvGrpSpPr>
+        <p:cNvPr id="1" name=""/>
+        <p:cNvGrpSpPr/>
+        <p:nvPr/>
+      </p:nvGrpSpPr>
+      <p:grpSpPr>
+        <a:xfrm>
+          <a:off x="0" y="0"/>
+          <a:ext cx="0" cy="0"/>
+          <a:chOff x="0" y="0"/>
+          <a:chExt cx="0" cy="0"/>
+        </a:xfrm>
+      </p:grpSpPr>
+      <p:sp>
+        <p:nvSpPr>
+          <p:cNvPr id="2" name="Title 1"/>
+          <p:cNvSpPr>
+            <a:spLocks noGrp="1"/>
+          </p:cNvSpPr>
+          <p:nvPr>
+            <p:ph type="title"/>
+          </p:nvPr>
+        </p:nvSpPr>
+        <p:spPr/>
+        <p:txBody>
+          <a:bodyPr>
+            <a:normAutofit/>
+          </a:bodyPr>
+          <a:lstStyle/>
+          <a:p>
+            <a:r>
+              <a:rPr lang="en-IN" sz="2000" dirty="0"/>
+              <a:t>SQL Composite Key</a:t>
+            </a:r>
+            <a:r>
+              <a:rPr lang="en-IN" dirty="0"/>
+              <a:t/>
+            </a:r>
+            <a:br>
+              <a:rPr lang="en-IN" dirty="0"/>
+            </a:br>
+            <a:endParaRPr lang="en-IN" dirty="0"/>
+          </a:p>
+        </p:txBody>
+      </p:sp>
+      <p:sp>
+        <p:nvSpPr>
+          <p:cNvPr id="3" name="Content Placeholder 2"/>
+          <p:cNvSpPr>
+            <a:spLocks noGrp="1"/>
+          </p:cNvSpPr>
+          <p:nvPr>
+            <p:ph idx="1"/>
+          </p:nvPr>
+        </p:nvSpPr>
+        <p:spPr/>
+        <p:txBody>
+          <a:bodyPr>
+            <a:normAutofit/>
+          </a:bodyPr>
+          <a:lstStyle/>
+          <a:p>
+            <a:r>
+              <a:rPr lang="en-US" sz="1600" dirty="0"/>
+              <a:t>Composite key is a key which is the combination of more than one field or column of a given table. It may be a candidate key or primary key</a:t>
+            </a:r>
+            <a:r>
+              <a:rPr lang="en-US" sz="1600" dirty="0" smtClean="0"/>
+              <a:t>.</a:t>
+            </a:r>
+          </a:p>
+          <a:p>
+            <a:endParaRPr lang="en-US" sz="1600" dirty="0"/>
+          </a:p>
+          <a:p>
+            <a:r>
+              <a:rPr lang="en-US" sz="1600" b="1" dirty="0"/>
+              <a:t>CREATE</a:t>
+            </a:r>
+            <a:r>
+              <a:rPr lang="en-US" sz="1600" dirty="0"/>
+              <a:t> </a:t>
+            </a:r>
+            <a:r>
+              <a:rPr lang="en-US" sz="1600" b="1" dirty="0"/>
+              <a:t>TABLE</a:t>
+            </a:r>
+            <a:r>
+              <a:rPr lang="en-US" sz="1600" dirty="0"/>
+              <a:t> TABLE_NAME  </a:t>
+            </a:r>
+          </a:p>
+          <a:p>
+            <a:r>
+              <a:rPr lang="en-US" sz="1600" dirty="0"/>
+              <a:t>(COLUMN_1, DATA_TYPE_1,  </a:t>
+            </a:r>
+          </a:p>
+          <a:p>
+            <a:r>
+              <a:rPr lang="en-US" sz="1600" dirty="0"/>
+              <a:t>COLUMN_2, DATA_TYPE_2,  </a:t>
+            </a:r>
+          </a:p>
+          <a:p>
+            <a:r>
+              <a:rPr lang="en-US" sz="1600" dirty="0"/>
+              <a:t>???  </a:t>
+            </a:r>
+          </a:p>
+          <a:p>
+            <a:r>
+              <a:rPr lang="en-US" sz="1600" b="1" dirty="0"/>
+              <a:t>PRIMARY</a:t>
+            </a:r>
+            <a:r>
+              <a:rPr lang="en-US" sz="1600" dirty="0"/>
+              <a:t> </a:t>
+            </a:r>
+            <a:r>
+              <a:rPr lang="en-US" sz="1600" b="1" dirty="0"/>
+              <a:t>KEY</a:t>
+            </a:r>
+            <a:r>
+              <a:rPr lang="en-US" sz="1600" dirty="0"/>
+              <a:t> (COLUMN_1, COLUMN_2, ...));  </a:t>
+            </a:r>
+          </a:p>
+          <a:p>
+            <a:endParaRPr lang="en-IN" sz="1600" dirty="0"/>
+          </a:p>
+        </p:txBody>
+      </p:sp>
+    </p:spTree>
+    <p:extLst>
+      <p:ext uri="{BB962C8B-B14F-4D97-AF65-F5344CB8AC3E}">
+        <p14:creationId xmlns:p14="http://schemas.microsoft.com/office/powerpoint/2010/main" val="2615319280"/>
+      </p:ext>
+    </p:extLst>
+  </p:cSld>
+  <p:clrMapOvr>
+    <a:masterClrMapping/>
+  </p:clrMapOvr>
+</p:sld>
+</file>
+
+<file path=ppt/slides/slide49.xml><?xml version="1.0" encoding="utf-8"?>
+<p:sld xmlns:a="http://schemas.openxmlformats.org/drawingml/2006/main" xmlns:r="http://schemas.openxmlformats.org/officeDocument/2006/relationships" xmlns:p="http://schemas.openxmlformats.org/presentationml/2006/main">
+  <p:cSld>
+    <p:spTree>
+      <p:nvGrpSpPr>
+        <p:cNvPr id="1" name=""/>
+        <p:cNvGrpSpPr/>
+        <p:nvPr/>
+      </p:nvGrpSpPr>
+      <p:grpSpPr>
+        <a:xfrm>
+          <a:off x="0" y="0"/>
+          <a:ext cx="0" cy="0"/>
+          <a:chOff x="0" y="0"/>
+          <a:chExt cx="0" cy="0"/>
+        </a:xfrm>
+      </p:grpSpPr>
+      <p:sp>
+        <p:nvSpPr>
+          <p:cNvPr id="2" name="Title 1"/>
+          <p:cNvSpPr>
+            <a:spLocks noGrp="1"/>
+          </p:cNvSpPr>
+          <p:nvPr>
+            <p:ph type="title"/>
+          </p:nvPr>
+        </p:nvSpPr>
+        <p:spPr/>
+        <p:txBody>
+          <a:bodyPr>
+            <a:normAutofit/>
+          </a:bodyPr>
+          <a:lstStyle/>
+          <a:p>
+            <a:r>
+              <a:rPr lang="en-IN" sz="1800" dirty="0"/>
+              <a:t>Unique Key in SQL</a:t>
+            </a:r>
+            <a:r>
+              <a:rPr lang="en-IN" dirty="0"/>
+              <a:t/>
+            </a:r>
+            <a:br>
+              <a:rPr lang="en-IN" dirty="0"/>
+            </a:br>
+            <a:endParaRPr lang="en-IN" dirty="0"/>
+          </a:p>
+        </p:txBody>
+      </p:sp>
+      <p:sp>
+        <p:nvSpPr>
+          <p:cNvPr id="3" name="Content Placeholder 2"/>
+          <p:cNvSpPr>
+            <a:spLocks noGrp="1"/>
+          </p:cNvSpPr>
+          <p:nvPr>
+            <p:ph idx="1"/>
+          </p:nvPr>
+        </p:nvSpPr>
+        <p:spPr/>
+        <p:txBody>
+          <a:bodyPr>
+            <a:normAutofit/>
+          </a:bodyPr>
+          <a:lstStyle/>
+          <a:p>
+            <a:r>
+              <a:rPr lang="en-US" sz="1800" dirty="0"/>
+              <a:t>A unique key is a set of one or more than one fields/columns of a table that uniquely identify a record in a database </a:t>
+            </a:r>
+            <a:r>
+              <a:rPr lang="en-US" sz="1800" dirty="0" err="1" smtClean="0"/>
+              <a:t>tablle</a:t>
+            </a:r>
+            <a:endParaRPr lang="en-US" sz="1800" dirty="0" smtClean="0"/>
+          </a:p>
+          <a:p>
+            <a:endParaRPr lang="en-US" sz="1800" dirty="0"/>
+          </a:p>
+          <a:p>
+            <a:r>
+              <a:rPr lang="en-US" sz="1800" b="1" dirty="0"/>
+              <a:t>CREATE</a:t>
+            </a:r>
+            <a:r>
+              <a:rPr lang="en-US" sz="1800" dirty="0"/>
+              <a:t> </a:t>
+            </a:r>
+            <a:r>
+              <a:rPr lang="en-US" sz="1800" b="1" dirty="0"/>
+              <a:t>TABLE</a:t>
+            </a:r>
+            <a:r>
+              <a:rPr lang="en-US" sz="1800" dirty="0"/>
+              <a:t> students  </a:t>
+            </a:r>
+          </a:p>
+          <a:p>
+            <a:r>
+              <a:rPr lang="en-US" sz="1800" dirty="0"/>
+              <a:t>(  </a:t>
+            </a:r>
+          </a:p>
+          <a:p>
+            <a:r>
+              <a:rPr lang="en-US" sz="1800" dirty="0" err="1"/>
+              <a:t>S_Id</a:t>
+            </a:r>
+            <a:r>
+              <a:rPr lang="en-US" sz="1800" dirty="0"/>
+              <a:t> </a:t>
+            </a:r>
+            <a:r>
+              <a:rPr lang="en-US" sz="1800" b="1" dirty="0" err="1"/>
+              <a:t>int</a:t>
+            </a:r>
+            <a:r>
+              <a:rPr lang="en-US" sz="1800" dirty="0"/>
+              <a:t> NOT NULL </a:t>
+            </a:r>
+            <a:r>
+              <a:rPr lang="en-US" sz="1800" b="1" dirty="0"/>
+              <a:t>UNIQUE</a:t>
+            </a:r>
+            <a:r>
+              <a:rPr lang="en-US" sz="1800" dirty="0"/>
+              <a:t>,  </a:t>
+            </a:r>
+          </a:p>
+          <a:p>
+            <a:r>
+              <a:rPr lang="en-US" sz="1800" dirty="0" err="1"/>
+              <a:t>LastName</a:t>
+            </a:r>
+            <a:r>
+              <a:rPr lang="en-US" sz="1800" dirty="0"/>
+              <a:t> </a:t>
+            </a:r>
+            <a:r>
+              <a:rPr lang="en-US" sz="1800" b="1" dirty="0" err="1"/>
+              <a:t>varchar</a:t>
+            </a:r>
+            <a:r>
+              <a:rPr lang="en-US" sz="1800" dirty="0"/>
+              <a:t> (255) NOT NULL,  </a:t>
+            </a:r>
+          </a:p>
+          <a:p>
+            <a:r>
+              <a:rPr lang="en-US" sz="1800" dirty="0" err="1"/>
+              <a:t>FirstName</a:t>
+            </a:r>
+            <a:r>
+              <a:rPr lang="en-US" sz="1800" dirty="0"/>
+              <a:t> </a:t>
+            </a:r>
+            <a:r>
+              <a:rPr lang="en-US" sz="1800" b="1" dirty="0" err="1"/>
+              <a:t>varchar</a:t>
+            </a:r>
+            <a:r>
+              <a:rPr lang="en-US" sz="1800" dirty="0"/>
+              <a:t> (255),  </a:t>
+            </a:r>
+          </a:p>
+          <a:p>
+            <a:r>
+              <a:rPr lang="en-US" sz="1800" dirty="0"/>
+              <a:t>City </a:t>
+            </a:r>
+            <a:r>
+              <a:rPr lang="en-US" sz="1800" b="1" dirty="0" err="1"/>
+              <a:t>varchar</a:t>
+            </a:r>
+            <a:r>
+              <a:rPr lang="en-US" sz="1800" dirty="0"/>
+              <a:t> (255)  </a:t>
+            </a:r>
+          </a:p>
+          <a:p>
+            <a:r>
+              <a:rPr lang="en-US" sz="1800" dirty="0"/>
+              <a:t>)  </a:t>
+            </a:r>
+          </a:p>
+          <a:p>
+            <a:endParaRPr lang="en-IN" sz="1800" dirty="0"/>
+          </a:p>
+        </p:txBody>
+      </p:sp>
+    </p:spTree>
+    <p:extLst>
+      <p:ext uri="{BB962C8B-B14F-4D97-AF65-F5344CB8AC3E}">
+        <p14:creationId xmlns:p14="http://schemas.microsoft.com/office/powerpoint/2010/main" val="3288158107"/>
+      </p:ext>
+    </p:extLst>
+  </p:cSld>
+  <p:clrMapOvr>
+    <a:masterClrMapping/>
+  </p:clrMapOvr>
+</p:sld>
+</file>
+
 <file path=ppt/slides/slide5.xml><?xml version="1.0" encoding="utf-8"?>
 <p:sld xmlns:a="http://schemas.openxmlformats.org/drawingml/2006/main" xmlns:r="http://schemas.openxmlformats.org/officeDocument/2006/relationships" xmlns:p="http://schemas.openxmlformats.org/presentationml/2006/main">
   <p:cSld>
@@ -10549,6 +14789,74 @@
         </p:txBody>
       </p:sp>
     </p:spTree>
+  </p:cSld>
+  <p:clrMapOvr>
+    <a:masterClrMapping/>
+  </p:clrMapOvr>
+</p:sld>
+</file>
+
+<file path=ppt/slides/slide50.xml><?xml version="1.0" encoding="utf-8"?>
+<p:sld xmlns:a="http://schemas.openxmlformats.org/drawingml/2006/main" xmlns:r="http://schemas.openxmlformats.org/officeDocument/2006/relationships" xmlns:p="http://schemas.openxmlformats.org/presentationml/2006/main">
+  <p:cSld>
+    <p:spTree>
+      <p:nvGrpSpPr>
+        <p:cNvPr id="1" name=""/>
+        <p:cNvGrpSpPr/>
+        <p:nvPr/>
+      </p:nvGrpSpPr>
+      <p:grpSpPr>
+        <a:xfrm>
+          <a:off x="0" y="0"/>
+          <a:ext cx="0" cy="0"/>
+          <a:chOff x="0" y="0"/>
+          <a:chExt cx="0" cy="0"/>
+        </a:xfrm>
+      </p:grpSpPr>
+      <p:sp>
+        <p:nvSpPr>
+          <p:cNvPr id="2" name="Title 1"/>
+          <p:cNvSpPr>
+            <a:spLocks noGrp="1"/>
+          </p:cNvSpPr>
+          <p:nvPr>
+            <p:ph type="title"/>
+          </p:nvPr>
+        </p:nvSpPr>
+        <p:spPr/>
+        <p:txBody>
+          <a:bodyPr/>
+          <a:lstStyle/>
+          <a:p>
+            <a:endParaRPr lang="en-IN"/>
+          </a:p>
+        </p:txBody>
+      </p:sp>
+      <p:sp>
+        <p:nvSpPr>
+          <p:cNvPr id="3" name="Content Placeholder 2"/>
+          <p:cNvSpPr>
+            <a:spLocks noGrp="1"/>
+          </p:cNvSpPr>
+          <p:nvPr>
+            <p:ph idx="1"/>
+          </p:nvPr>
+        </p:nvSpPr>
+        <p:spPr/>
+        <p:txBody>
+          <a:bodyPr/>
+          <a:lstStyle/>
+          <a:p>
+            <a:endParaRPr lang="en-IN"/>
+          </a:p>
+        </p:txBody>
+      </p:sp>
+    </p:spTree>
+    <p:extLst>
+      <p:ext uri="{BB962C8B-B14F-4D97-AF65-F5344CB8AC3E}">
+        <p14:creationId xmlns:p14="http://schemas.microsoft.com/office/powerpoint/2010/main" val="3262376967"/>
+      </p:ext>
+    </p:extLst>
   </p:cSld>
   <p:clrMapOvr>
     <a:masterClrMapping/>
